--- a/31/200803_JavaScript_variable_type.pptx
+++ b/31/200803_JavaScript_variable_type.pptx
@@ -5,10 +5,10 @@
     <p:sldMasterId id="2147483672" r:id="rId1"/>
   </p:sldMasterIdLst>
   <p:notesMasterIdLst>
-    <p:notesMasterId r:id="rId19"/>
+    <p:notesMasterId r:id="rId28"/>
   </p:notesMasterIdLst>
   <p:handoutMasterIdLst>
-    <p:handoutMasterId r:id="rId20"/>
+    <p:handoutMasterId r:id="rId29"/>
   </p:handoutMasterIdLst>
   <p:sldIdLst>
     <p:sldId id="357" r:id="rId2"/>
@@ -28,30 +28,39 @@
     <p:sldId id="557" r:id="rId16"/>
     <p:sldId id="558" r:id="rId17"/>
     <p:sldId id="559" r:id="rId18"/>
+    <p:sldId id="560" r:id="rId19"/>
+    <p:sldId id="561" r:id="rId20"/>
+    <p:sldId id="562" r:id="rId21"/>
+    <p:sldId id="563" r:id="rId22"/>
+    <p:sldId id="564" r:id="rId23"/>
+    <p:sldId id="566" r:id="rId24"/>
+    <p:sldId id="567" r:id="rId25"/>
+    <p:sldId id="568" r:id="rId26"/>
+    <p:sldId id="569" r:id="rId27"/>
   </p:sldIdLst>
   <p:sldSz cx="10160000" cy="5715000"/>
   <p:notesSz cx="9996488" cy="6865938"/>
   <p:embeddedFontLst>
     <p:embeddedFont>
       <p:font typeface="Calibri Light" panose="020F0302020204030204" pitchFamily="34" charset="0"/>
-      <p:regular r:id="rId21"/>
-      <p:italic r:id="rId22"/>
+      <p:regular r:id="rId30"/>
+      <p:italic r:id="rId31"/>
     </p:embeddedFont>
     <p:embeddedFont>
       <p:font typeface="Calibri" panose="020F0502020204030204" pitchFamily="34" charset="0"/>
-      <p:regular r:id="rId23"/>
-      <p:bold r:id="rId24"/>
-      <p:italic r:id="rId25"/>
-      <p:boldItalic r:id="rId26"/>
+      <p:regular r:id="rId32"/>
+      <p:bold r:id="rId33"/>
+      <p:italic r:id="rId34"/>
+      <p:boldItalic r:id="rId35"/>
     </p:embeddedFont>
     <p:embeddedFont>
       <p:font typeface="맑은 고딕" panose="020B0503020000020004" pitchFamily="50" charset="-127"/>
-      <p:regular r:id="rId27"/>
-      <p:bold r:id="rId28"/>
+      <p:regular r:id="rId36"/>
+      <p:bold r:id="rId37"/>
     </p:embeddedFont>
     <p:embeddedFont>
       <p:font typeface="맑은 고딕 Semilight" panose="020B0502040204020203" pitchFamily="50" charset="-127"/>
-      <p:regular r:id="rId29"/>
+      <p:regular r:id="rId38"/>
     </p:embeddedFont>
   </p:embeddedFontLst>
   <p:defaultTextStyle>
@@ -239,7 +248,7 @@
           <a:p>
             <a:fld id="{9FE52F76-AF59-42F6-9CE2-B65810388E55}" type="datetimeFigureOut">
               <a:rPr lang="ko-KR" altLang="en-US" smtClean="0"/>
-              <a:t>2020-08-03</a:t>
+              <a:t>2020-08-04</a:t>
             </a:fld>
             <a:endParaRPr lang="ko-KR" altLang="en-US"/>
           </a:p>
@@ -404,7 +413,7 @@
           <a:p>
             <a:fld id="{75C19CB4-4756-4824-8E84-477C40131107}" type="datetimeFigureOut">
               <a:rPr lang="ko-KR" altLang="en-US" smtClean="0"/>
-              <a:t>2020-08-03</a:t>
+              <a:t>2020-08-04</a:t>
             </a:fld>
             <a:endParaRPr lang="ko-KR" altLang="en-US"/>
           </a:p>
@@ -1486,6 +1495,309 @@
 </p:notes>
 </file>
 
+<file path=ppt/notesSlides/notesSlide17.xml><?xml version="1.0" encoding="utf-8"?>
+<p:notes xmlns:a="http://schemas.openxmlformats.org/drawingml/2006/main" xmlns:r="http://schemas.openxmlformats.org/officeDocument/2006/relationships" xmlns:p="http://schemas.openxmlformats.org/presentationml/2006/main">
+  <p:cSld>
+    <p:spTree>
+      <p:nvGrpSpPr>
+        <p:cNvPr id="1" name=""/>
+        <p:cNvGrpSpPr/>
+        <p:nvPr/>
+      </p:nvGrpSpPr>
+      <p:grpSpPr>
+        <a:xfrm>
+          <a:off x="0" y="0"/>
+          <a:ext cx="0" cy="0"/>
+          <a:chOff x="0" y="0"/>
+          <a:chExt cx="0" cy="0"/>
+        </a:xfrm>
+      </p:grpSpPr>
+      <p:sp>
+        <p:nvSpPr>
+          <p:cNvPr id="2" name="슬라이드 이미지 개체 틀 1"/>
+          <p:cNvSpPr>
+            <a:spLocks noGrp="1" noRot="1" noChangeAspect="1"/>
+          </p:cNvSpPr>
+          <p:nvPr>
+            <p:ph type="sldImg"/>
+          </p:nvPr>
+        </p:nvSpPr>
+        <p:spPr/>
+      </p:sp>
+      <p:sp>
+        <p:nvSpPr>
+          <p:cNvPr id="3" name="슬라이드 노트 개체 틀 2"/>
+          <p:cNvSpPr>
+            <a:spLocks noGrp="1"/>
+          </p:cNvSpPr>
+          <p:nvPr>
+            <p:ph type="body" idx="1"/>
+          </p:nvPr>
+        </p:nvSpPr>
+        <p:spPr/>
+        <p:txBody>
+          <a:bodyPr/>
+          <a:lstStyle/>
+          <a:p>
+            <a:pPr marL="0" marR="0" indent="0" algn="l" defTabSz="914400" rtl="0" eaLnBrk="1" fontAlgn="auto" latinLnBrk="1" hangingPunct="1">
+              <a:lnSpc>
+                <a:spcPct val="100000"/>
+              </a:lnSpc>
+              <a:spcBef>
+                <a:spcPts val="0"/>
+              </a:spcBef>
+              <a:spcAft>
+                <a:spcPts val="0"/>
+              </a:spcAft>
+              <a:buClrTx/>
+              <a:buSzTx/>
+              <a:buFontTx/>
+              <a:buNone/>
+              <a:tabLst/>
+              <a:defRPr/>
+            </a:pPr>
+            <a:endParaRPr lang="ko-KR" altLang="en-US" dirty="0"/>
+          </a:p>
+        </p:txBody>
+      </p:sp>
+      <p:sp>
+        <p:nvSpPr>
+          <p:cNvPr id="4" name="슬라이드 번호 개체 틀 3"/>
+          <p:cNvSpPr>
+            <a:spLocks noGrp="1"/>
+          </p:cNvSpPr>
+          <p:nvPr>
+            <p:ph type="sldNum" sz="quarter" idx="10"/>
+          </p:nvPr>
+        </p:nvSpPr>
+        <p:spPr/>
+        <p:txBody>
+          <a:bodyPr/>
+          <a:lstStyle/>
+          <a:p>
+            <a:fld id="{A6D625BF-EF7C-4F5D-B58E-C92BFFBBF146}" type="slidenum">
+              <a:rPr lang="ko-KR" altLang="en-US" smtClean="0"/>
+              <a:t>18</a:t>
+            </a:fld>
+            <a:endParaRPr lang="ko-KR" altLang="en-US"/>
+          </a:p>
+        </p:txBody>
+      </p:sp>
+    </p:spTree>
+    <p:extLst>
+      <p:ext uri="{BB962C8B-B14F-4D97-AF65-F5344CB8AC3E}">
+        <p14:creationId xmlns:p14="http://schemas.microsoft.com/office/powerpoint/2010/main" val="3903224318"/>
+      </p:ext>
+    </p:extLst>
+  </p:cSld>
+  <p:clrMapOvr>
+    <a:masterClrMapping/>
+  </p:clrMapOvr>
+</p:notes>
+</file>
+
+<file path=ppt/notesSlides/notesSlide18.xml><?xml version="1.0" encoding="utf-8"?>
+<p:notes xmlns:a="http://schemas.openxmlformats.org/drawingml/2006/main" xmlns:r="http://schemas.openxmlformats.org/officeDocument/2006/relationships" xmlns:p="http://schemas.openxmlformats.org/presentationml/2006/main">
+  <p:cSld>
+    <p:spTree>
+      <p:nvGrpSpPr>
+        <p:cNvPr id="1" name=""/>
+        <p:cNvGrpSpPr/>
+        <p:nvPr/>
+      </p:nvGrpSpPr>
+      <p:grpSpPr>
+        <a:xfrm>
+          <a:off x="0" y="0"/>
+          <a:ext cx="0" cy="0"/>
+          <a:chOff x="0" y="0"/>
+          <a:chExt cx="0" cy="0"/>
+        </a:xfrm>
+      </p:grpSpPr>
+      <p:sp>
+        <p:nvSpPr>
+          <p:cNvPr id="2" name="슬라이드 이미지 개체 틀 1"/>
+          <p:cNvSpPr>
+            <a:spLocks noGrp="1" noRot="1" noChangeAspect="1"/>
+          </p:cNvSpPr>
+          <p:nvPr>
+            <p:ph type="sldImg"/>
+          </p:nvPr>
+        </p:nvSpPr>
+        <p:spPr/>
+      </p:sp>
+      <p:sp>
+        <p:nvSpPr>
+          <p:cNvPr id="3" name="슬라이드 노트 개체 틀 2"/>
+          <p:cNvSpPr>
+            <a:spLocks noGrp="1"/>
+          </p:cNvSpPr>
+          <p:nvPr>
+            <p:ph type="body" idx="1"/>
+          </p:nvPr>
+        </p:nvSpPr>
+        <p:spPr/>
+        <p:txBody>
+          <a:bodyPr/>
+          <a:lstStyle/>
+          <a:p>
+            <a:pPr marL="0" marR="0" indent="0" algn="l" defTabSz="914400" rtl="0" eaLnBrk="1" fontAlgn="auto" latinLnBrk="1" hangingPunct="1">
+              <a:lnSpc>
+                <a:spcPct val="100000"/>
+              </a:lnSpc>
+              <a:spcBef>
+                <a:spcPts val="0"/>
+              </a:spcBef>
+              <a:spcAft>
+                <a:spcPts val="0"/>
+              </a:spcAft>
+              <a:buClrTx/>
+              <a:buSzTx/>
+              <a:buFontTx/>
+              <a:buNone/>
+              <a:tabLst/>
+              <a:defRPr/>
+            </a:pPr>
+            <a:endParaRPr lang="ko-KR" altLang="en-US" dirty="0"/>
+          </a:p>
+        </p:txBody>
+      </p:sp>
+      <p:sp>
+        <p:nvSpPr>
+          <p:cNvPr id="4" name="슬라이드 번호 개체 틀 3"/>
+          <p:cNvSpPr>
+            <a:spLocks noGrp="1"/>
+          </p:cNvSpPr>
+          <p:nvPr>
+            <p:ph type="sldNum" sz="quarter" idx="10"/>
+          </p:nvPr>
+        </p:nvSpPr>
+        <p:spPr/>
+        <p:txBody>
+          <a:bodyPr/>
+          <a:lstStyle/>
+          <a:p>
+            <a:fld id="{A6D625BF-EF7C-4F5D-B58E-C92BFFBBF146}" type="slidenum">
+              <a:rPr lang="ko-KR" altLang="en-US" smtClean="0"/>
+              <a:t>19</a:t>
+            </a:fld>
+            <a:endParaRPr lang="ko-KR" altLang="en-US"/>
+          </a:p>
+        </p:txBody>
+      </p:sp>
+    </p:spTree>
+    <p:extLst>
+      <p:ext uri="{BB962C8B-B14F-4D97-AF65-F5344CB8AC3E}">
+        <p14:creationId xmlns:p14="http://schemas.microsoft.com/office/powerpoint/2010/main" val="3177412033"/>
+      </p:ext>
+    </p:extLst>
+  </p:cSld>
+  <p:clrMapOvr>
+    <a:masterClrMapping/>
+  </p:clrMapOvr>
+</p:notes>
+</file>
+
+<file path=ppt/notesSlides/notesSlide19.xml><?xml version="1.0" encoding="utf-8"?>
+<p:notes xmlns:a="http://schemas.openxmlformats.org/drawingml/2006/main" xmlns:r="http://schemas.openxmlformats.org/officeDocument/2006/relationships" xmlns:p="http://schemas.openxmlformats.org/presentationml/2006/main">
+  <p:cSld>
+    <p:spTree>
+      <p:nvGrpSpPr>
+        <p:cNvPr id="1" name=""/>
+        <p:cNvGrpSpPr/>
+        <p:nvPr/>
+      </p:nvGrpSpPr>
+      <p:grpSpPr>
+        <a:xfrm>
+          <a:off x="0" y="0"/>
+          <a:ext cx="0" cy="0"/>
+          <a:chOff x="0" y="0"/>
+          <a:chExt cx="0" cy="0"/>
+        </a:xfrm>
+      </p:grpSpPr>
+      <p:sp>
+        <p:nvSpPr>
+          <p:cNvPr id="2" name="슬라이드 이미지 개체 틀 1"/>
+          <p:cNvSpPr>
+            <a:spLocks noGrp="1" noRot="1" noChangeAspect="1"/>
+          </p:cNvSpPr>
+          <p:nvPr>
+            <p:ph type="sldImg"/>
+          </p:nvPr>
+        </p:nvSpPr>
+        <p:spPr/>
+      </p:sp>
+      <p:sp>
+        <p:nvSpPr>
+          <p:cNvPr id="3" name="슬라이드 노트 개체 틀 2"/>
+          <p:cNvSpPr>
+            <a:spLocks noGrp="1"/>
+          </p:cNvSpPr>
+          <p:nvPr>
+            <p:ph type="body" idx="1"/>
+          </p:nvPr>
+        </p:nvSpPr>
+        <p:spPr/>
+        <p:txBody>
+          <a:bodyPr/>
+          <a:lstStyle/>
+          <a:p>
+            <a:pPr marL="0" marR="0" indent="0" algn="l" defTabSz="914400" rtl="0" eaLnBrk="1" fontAlgn="auto" latinLnBrk="1" hangingPunct="1">
+              <a:lnSpc>
+                <a:spcPct val="100000"/>
+              </a:lnSpc>
+              <a:spcBef>
+                <a:spcPts val="0"/>
+              </a:spcBef>
+              <a:spcAft>
+                <a:spcPts val="0"/>
+              </a:spcAft>
+              <a:buClrTx/>
+              <a:buSzTx/>
+              <a:buFontTx/>
+              <a:buNone/>
+              <a:tabLst/>
+              <a:defRPr/>
+            </a:pPr>
+            <a:endParaRPr lang="ko-KR" altLang="en-US" dirty="0"/>
+          </a:p>
+        </p:txBody>
+      </p:sp>
+      <p:sp>
+        <p:nvSpPr>
+          <p:cNvPr id="4" name="슬라이드 번호 개체 틀 3"/>
+          <p:cNvSpPr>
+            <a:spLocks noGrp="1"/>
+          </p:cNvSpPr>
+          <p:nvPr>
+            <p:ph type="sldNum" sz="quarter" idx="10"/>
+          </p:nvPr>
+        </p:nvSpPr>
+        <p:spPr/>
+        <p:txBody>
+          <a:bodyPr/>
+          <a:lstStyle/>
+          <a:p>
+            <a:fld id="{A6D625BF-EF7C-4F5D-B58E-C92BFFBBF146}" type="slidenum">
+              <a:rPr lang="ko-KR" altLang="en-US" smtClean="0"/>
+              <a:t>20</a:t>
+            </a:fld>
+            <a:endParaRPr lang="ko-KR" altLang="en-US"/>
+          </a:p>
+        </p:txBody>
+      </p:sp>
+    </p:spTree>
+    <p:extLst>
+      <p:ext uri="{BB962C8B-B14F-4D97-AF65-F5344CB8AC3E}">
+        <p14:creationId xmlns:p14="http://schemas.microsoft.com/office/powerpoint/2010/main" val="2606250270"/>
+      </p:ext>
+    </p:extLst>
+  </p:cSld>
+  <p:clrMapOvr>
+    <a:masterClrMapping/>
+  </p:clrMapOvr>
+</p:notes>
+</file>
+
 <file path=ppt/notesSlides/notesSlide2.xml><?xml version="1.0" encoding="utf-8"?>
 <p:notes xmlns:a="http://schemas.openxmlformats.org/drawingml/2006/main" xmlns:r="http://schemas.openxmlformats.org/officeDocument/2006/relationships" xmlns:p="http://schemas.openxmlformats.org/presentationml/2006/main">
   <p:cSld>
@@ -1578,6 +1890,612 @@
     <p:extLst>
       <p:ext uri="{BB962C8B-B14F-4D97-AF65-F5344CB8AC3E}">
         <p14:creationId xmlns:p14="http://schemas.microsoft.com/office/powerpoint/2010/main" val="732543462"/>
+      </p:ext>
+    </p:extLst>
+  </p:cSld>
+  <p:clrMapOvr>
+    <a:masterClrMapping/>
+  </p:clrMapOvr>
+</p:notes>
+</file>
+
+<file path=ppt/notesSlides/notesSlide20.xml><?xml version="1.0" encoding="utf-8"?>
+<p:notes xmlns:a="http://schemas.openxmlformats.org/drawingml/2006/main" xmlns:r="http://schemas.openxmlformats.org/officeDocument/2006/relationships" xmlns:p="http://schemas.openxmlformats.org/presentationml/2006/main">
+  <p:cSld>
+    <p:spTree>
+      <p:nvGrpSpPr>
+        <p:cNvPr id="1" name=""/>
+        <p:cNvGrpSpPr/>
+        <p:nvPr/>
+      </p:nvGrpSpPr>
+      <p:grpSpPr>
+        <a:xfrm>
+          <a:off x="0" y="0"/>
+          <a:ext cx="0" cy="0"/>
+          <a:chOff x="0" y="0"/>
+          <a:chExt cx="0" cy="0"/>
+        </a:xfrm>
+      </p:grpSpPr>
+      <p:sp>
+        <p:nvSpPr>
+          <p:cNvPr id="2" name="슬라이드 이미지 개체 틀 1"/>
+          <p:cNvSpPr>
+            <a:spLocks noGrp="1" noRot="1" noChangeAspect="1"/>
+          </p:cNvSpPr>
+          <p:nvPr>
+            <p:ph type="sldImg"/>
+          </p:nvPr>
+        </p:nvSpPr>
+        <p:spPr/>
+      </p:sp>
+      <p:sp>
+        <p:nvSpPr>
+          <p:cNvPr id="3" name="슬라이드 노트 개체 틀 2"/>
+          <p:cNvSpPr>
+            <a:spLocks noGrp="1"/>
+          </p:cNvSpPr>
+          <p:nvPr>
+            <p:ph type="body" idx="1"/>
+          </p:nvPr>
+        </p:nvSpPr>
+        <p:spPr/>
+        <p:txBody>
+          <a:bodyPr/>
+          <a:lstStyle/>
+          <a:p>
+            <a:pPr marL="0" marR="0" indent="0" algn="l" defTabSz="914400" rtl="0" eaLnBrk="1" fontAlgn="auto" latinLnBrk="1" hangingPunct="1">
+              <a:lnSpc>
+                <a:spcPct val="100000"/>
+              </a:lnSpc>
+              <a:spcBef>
+                <a:spcPts val="0"/>
+              </a:spcBef>
+              <a:spcAft>
+                <a:spcPts val="0"/>
+              </a:spcAft>
+              <a:buClrTx/>
+              <a:buSzTx/>
+              <a:buFontTx/>
+              <a:buNone/>
+              <a:tabLst/>
+              <a:defRPr/>
+            </a:pPr>
+            <a:endParaRPr lang="ko-KR" altLang="en-US" dirty="0"/>
+          </a:p>
+        </p:txBody>
+      </p:sp>
+      <p:sp>
+        <p:nvSpPr>
+          <p:cNvPr id="4" name="슬라이드 번호 개체 틀 3"/>
+          <p:cNvSpPr>
+            <a:spLocks noGrp="1"/>
+          </p:cNvSpPr>
+          <p:nvPr>
+            <p:ph type="sldNum" sz="quarter" idx="10"/>
+          </p:nvPr>
+        </p:nvSpPr>
+        <p:spPr/>
+        <p:txBody>
+          <a:bodyPr/>
+          <a:lstStyle/>
+          <a:p>
+            <a:fld id="{A6D625BF-EF7C-4F5D-B58E-C92BFFBBF146}" type="slidenum">
+              <a:rPr lang="ko-KR" altLang="en-US" smtClean="0"/>
+              <a:t>21</a:t>
+            </a:fld>
+            <a:endParaRPr lang="ko-KR" altLang="en-US"/>
+          </a:p>
+        </p:txBody>
+      </p:sp>
+    </p:spTree>
+    <p:extLst>
+      <p:ext uri="{BB962C8B-B14F-4D97-AF65-F5344CB8AC3E}">
+        <p14:creationId xmlns:p14="http://schemas.microsoft.com/office/powerpoint/2010/main" val="73550516"/>
+      </p:ext>
+    </p:extLst>
+  </p:cSld>
+  <p:clrMapOvr>
+    <a:masterClrMapping/>
+  </p:clrMapOvr>
+</p:notes>
+</file>
+
+<file path=ppt/notesSlides/notesSlide21.xml><?xml version="1.0" encoding="utf-8"?>
+<p:notes xmlns:a="http://schemas.openxmlformats.org/drawingml/2006/main" xmlns:r="http://schemas.openxmlformats.org/officeDocument/2006/relationships" xmlns:p="http://schemas.openxmlformats.org/presentationml/2006/main">
+  <p:cSld>
+    <p:spTree>
+      <p:nvGrpSpPr>
+        <p:cNvPr id="1" name=""/>
+        <p:cNvGrpSpPr/>
+        <p:nvPr/>
+      </p:nvGrpSpPr>
+      <p:grpSpPr>
+        <a:xfrm>
+          <a:off x="0" y="0"/>
+          <a:ext cx="0" cy="0"/>
+          <a:chOff x="0" y="0"/>
+          <a:chExt cx="0" cy="0"/>
+        </a:xfrm>
+      </p:grpSpPr>
+      <p:sp>
+        <p:nvSpPr>
+          <p:cNvPr id="2" name="슬라이드 이미지 개체 틀 1"/>
+          <p:cNvSpPr>
+            <a:spLocks noGrp="1" noRot="1" noChangeAspect="1"/>
+          </p:cNvSpPr>
+          <p:nvPr>
+            <p:ph type="sldImg"/>
+          </p:nvPr>
+        </p:nvSpPr>
+        <p:spPr/>
+      </p:sp>
+      <p:sp>
+        <p:nvSpPr>
+          <p:cNvPr id="3" name="슬라이드 노트 개체 틀 2"/>
+          <p:cNvSpPr>
+            <a:spLocks noGrp="1"/>
+          </p:cNvSpPr>
+          <p:nvPr>
+            <p:ph type="body" idx="1"/>
+          </p:nvPr>
+        </p:nvSpPr>
+        <p:spPr/>
+        <p:txBody>
+          <a:bodyPr/>
+          <a:lstStyle/>
+          <a:p>
+            <a:pPr marL="0" marR="0" indent="0" algn="l" defTabSz="914400" rtl="0" eaLnBrk="1" fontAlgn="auto" latinLnBrk="1" hangingPunct="1">
+              <a:lnSpc>
+                <a:spcPct val="100000"/>
+              </a:lnSpc>
+              <a:spcBef>
+                <a:spcPts val="0"/>
+              </a:spcBef>
+              <a:spcAft>
+                <a:spcPts val="0"/>
+              </a:spcAft>
+              <a:buClrTx/>
+              <a:buSzTx/>
+              <a:buFontTx/>
+              <a:buNone/>
+              <a:tabLst/>
+              <a:defRPr/>
+            </a:pPr>
+            <a:endParaRPr lang="ko-KR" altLang="en-US" dirty="0"/>
+          </a:p>
+        </p:txBody>
+      </p:sp>
+      <p:sp>
+        <p:nvSpPr>
+          <p:cNvPr id="4" name="슬라이드 번호 개체 틀 3"/>
+          <p:cNvSpPr>
+            <a:spLocks noGrp="1"/>
+          </p:cNvSpPr>
+          <p:nvPr>
+            <p:ph type="sldNum" sz="quarter" idx="10"/>
+          </p:nvPr>
+        </p:nvSpPr>
+        <p:spPr/>
+        <p:txBody>
+          <a:bodyPr/>
+          <a:lstStyle/>
+          <a:p>
+            <a:fld id="{A6D625BF-EF7C-4F5D-B58E-C92BFFBBF146}" type="slidenum">
+              <a:rPr lang="ko-KR" altLang="en-US" smtClean="0"/>
+              <a:t>22</a:t>
+            </a:fld>
+            <a:endParaRPr lang="ko-KR" altLang="en-US"/>
+          </a:p>
+        </p:txBody>
+      </p:sp>
+    </p:spTree>
+    <p:extLst>
+      <p:ext uri="{BB962C8B-B14F-4D97-AF65-F5344CB8AC3E}">
+        <p14:creationId xmlns:p14="http://schemas.microsoft.com/office/powerpoint/2010/main" val="1398365495"/>
+      </p:ext>
+    </p:extLst>
+  </p:cSld>
+  <p:clrMapOvr>
+    <a:masterClrMapping/>
+  </p:clrMapOvr>
+</p:notes>
+</file>
+
+<file path=ppt/notesSlides/notesSlide22.xml><?xml version="1.0" encoding="utf-8"?>
+<p:notes xmlns:a="http://schemas.openxmlformats.org/drawingml/2006/main" xmlns:r="http://schemas.openxmlformats.org/officeDocument/2006/relationships" xmlns:p="http://schemas.openxmlformats.org/presentationml/2006/main">
+  <p:cSld>
+    <p:spTree>
+      <p:nvGrpSpPr>
+        <p:cNvPr id="1" name=""/>
+        <p:cNvGrpSpPr/>
+        <p:nvPr/>
+      </p:nvGrpSpPr>
+      <p:grpSpPr>
+        <a:xfrm>
+          <a:off x="0" y="0"/>
+          <a:ext cx="0" cy="0"/>
+          <a:chOff x="0" y="0"/>
+          <a:chExt cx="0" cy="0"/>
+        </a:xfrm>
+      </p:grpSpPr>
+      <p:sp>
+        <p:nvSpPr>
+          <p:cNvPr id="2" name="슬라이드 이미지 개체 틀 1"/>
+          <p:cNvSpPr>
+            <a:spLocks noGrp="1" noRot="1" noChangeAspect="1"/>
+          </p:cNvSpPr>
+          <p:nvPr>
+            <p:ph type="sldImg"/>
+          </p:nvPr>
+        </p:nvSpPr>
+        <p:spPr/>
+      </p:sp>
+      <p:sp>
+        <p:nvSpPr>
+          <p:cNvPr id="3" name="슬라이드 노트 개체 틀 2"/>
+          <p:cNvSpPr>
+            <a:spLocks noGrp="1"/>
+          </p:cNvSpPr>
+          <p:nvPr>
+            <p:ph type="body" idx="1"/>
+          </p:nvPr>
+        </p:nvSpPr>
+        <p:spPr/>
+        <p:txBody>
+          <a:bodyPr/>
+          <a:lstStyle/>
+          <a:p>
+            <a:pPr marL="0" marR="0" indent="0" algn="l" defTabSz="914400" rtl="0" eaLnBrk="1" fontAlgn="auto" latinLnBrk="1" hangingPunct="1">
+              <a:lnSpc>
+                <a:spcPct val="100000"/>
+              </a:lnSpc>
+              <a:spcBef>
+                <a:spcPts val="0"/>
+              </a:spcBef>
+              <a:spcAft>
+                <a:spcPts val="0"/>
+              </a:spcAft>
+              <a:buClrTx/>
+              <a:buSzTx/>
+              <a:buFontTx/>
+              <a:buNone/>
+              <a:tabLst/>
+              <a:defRPr/>
+            </a:pPr>
+            <a:endParaRPr lang="ko-KR" altLang="en-US" dirty="0"/>
+          </a:p>
+        </p:txBody>
+      </p:sp>
+      <p:sp>
+        <p:nvSpPr>
+          <p:cNvPr id="4" name="슬라이드 번호 개체 틀 3"/>
+          <p:cNvSpPr>
+            <a:spLocks noGrp="1"/>
+          </p:cNvSpPr>
+          <p:nvPr>
+            <p:ph type="sldNum" sz="quarter" idx="10"/>
+          </p:nvPr>
+        </p:nvSpPr>
+        <p:spPr/>
+        <p:txBody>
+          <a:bodyPr/>
+          <a:lstStyle/>
+          <a:p>
+            <a:fld id="{A6D625BF-EF7C-4F5D-B58E-C92BFFBBF146}" type="slidenum">
+              <a:rPr lang="ko-KR" altLang="en-US" smtClean="0"/>
+              <a:t>23</a:t>
+            </a:fld>
+            <a:endParaRPr lang="ko-KR" altLang="en-US"/>
+          </a:p>
+        </p:txBody>
+      </p:sp>
+    </p:spTree>
+    <p:extLst>
+      <p:ext uri="{BB962C8B-B14F-4D97-AF65-F5344CB8AC3E}">
+        <p14:creationId xmlns:p14="http://schemas.microsoft.com/office/powerpoint/2010/main" val="3298242141"/>
+      </p:ext>
+    </p:extLst>
+  </p:cSld>
+  <p:clrMapOvr>
+    <a:masterClrMapping/>
+  </p:clrMapOvr>
+</p:notes>
+</file>
+
+<file path=ppt/notesSlides/notesSlide23.xml><?xml version="1.0" encoding="utf-8"?>
+<p:notes xmlns:a="http://schemas.openxmlformats.org/drawingml/2006/main" xmlns:r="http://schemas.openxmlformats.org/officeDocument/2006/relationships" xmlns:p="http://schemas.openxmlformats.org/presentationml/2006/main">
+  <p:cSld>
+    <p:spTree>
+      <p:nvGrpSpPr>
+        <p:cNvPr id="1" name=""/>
+        <p:cNvGrpSpPr/>
+        <p:nvPr/>
+      </p:nvGrpSpPr>
+      <p:grpSpPr>
+        <a:xfrm>
+          <a:off x="0" y="0"/>
+          <a:ext cx="0" cy="0"/>
+          <a:chOff x="0" y="0"/>
+          <a:chExt cx="0" cy="0"/>
+        </a:xfrm>
+      </p:grpSpPr>
+      <p:sp>
+        <p:nvSpPr>
+          <p:cNvPr id="2" name="슬라이드 이미지 개체 틀 1"/>
+          <p:cNvSpPr>
+            <a:spLocks noGrp="1" noRot="1" noChangeAspect="1"/>
+          </p:cNvSpPr>
+          <p:nvPr>
+            <p:ph type="sldImg"/>
+          </p:nvPr>
+        </p:nvSpPr>
+        <p:spPr/>
+      </p:sp>
+      <p:sp>
+        <p:nvSpPr>
+          <p:cNvPr id="3" name="슬라이드 노트 개체 틀 2"/>
+          <p:cNvSpPr>
+            <a:spLocks noGrp="1"/>
+          </p:cNvSpPr>
+          <p:nvPr>
+            <p:ph type="body" idx="1"/>
+          </p:nvPr>
+        </p:nvSpPr>
+        <p:spPr/>
+        <p:txBody>
+          <a:bodyPr/>
+          <a:lstStyle/>
+          <a:p>
+            <a:pPr marL="0" marR="0" indent="0" algn="l" defTabSz="914400" rtl="0" eaLnBrk="1" fontAlgn="auto" latinLnBrk="1" hangingPunct="1">
+              <a:lnSpc>
+                <a:spcPct val="100000"/>
+              </a:lnSpc>
+              <a:spcBef>
+                <a:spcPts val="0"/>
+              </a:spcBef>
+              <a:spcAft>
+                <a:spcPts val="0"/>
+              </a:spcAft>
+              <a:buClrTx/>
+              <a:buSzTx/>
+              <a:buFontTx/>
+              <a:buNone/>
+              <a:tabLst/>
+              <a:defRPr/>
+            </a:pPr>
+            <a:endParaRPr lang="ko-KR" altLang="en-US" dirty="0"/>
+          </a:p>
+        </p:txBody>
+      </p:sp>
+      <p:sp>
+        <p:nvSpPr>
+          <p:cNvPr id="4" name="슬라이드 번호 개체 틀 3"/>
+          <p:cNvSpPr>
+            <a:spLocks noGrp="1"/>
+          </p:cNvSpPr>
+          <p:nvPr>
+            <p:ph type="sldNum" sz="quarter" idx="10"/>
+          </p:nvPr>
+        </p:nvSpPr>
+        <p:spPr/>
+        <p:txBody>
+          <a:bodyPr/>
+          <a:lstStyle/>
+          <a:p>
+            <a:fld id="{A6D625BF-EF7C-4F5D-B58E-C92BFFBBF146}" type="slidenum">
+              <a:rPr lang="ko-KR" altLang="en-US" smtClean="0"/>
+              <a:t>24</a:t>
+            </a:fld>
+            <a:endParaRPr lang="ko-KR" altLang="en-US"/>
+          </a:p>
+        </p:txBody>
+      </p:sp>
+    </p:spTree>
+    <p:extLst>
+      <p:ext uri="{BB962C8B-B14F-4D97-AF65-F5344CB8AC3E}">
+        <p14:creationId xmlns:p14="http://schemas.microsoft.com/office/powerpoint/2010/main" val="2499851913"/>
+      </p:ext>
+    </p:extLst>
+  </p:cSld>
+  <p:clrMapOvr>
+    <a:masterClrMapping/>
+  </p:clrMapOvr>
+</p:notes>
+</file>
+
+<file path=ppt/notesSlides/notesSlide24.xml><?xml version="1.0" encoding="utf-8"?>
+<p:notes xmlns:a="http://schemas.openxmlformats.org/drawingml/2006/main" xmlns:r="http://schemas.openxmlformats.org/officeDocument/2006/relationships" xmlns:p="http://schemas.openxmlformats.org/presentationml/2006/main">
+  <p:cSld>
+    <p:spTree>
+      <p:nvGrpSpPr>
+        <p:cNvPr id="1" name=""/>
+        <p:cNvGrpSpPr/>
+        <p:nvPr/>
+      </p:nvGrpSpPr>
+      <p:grpSpPr>
+        <a:xfrm>
+          <a:off x="0" y="0"/>
+          <a:ext cx="0" cy="0"/>
+          <a:chOff x="0" y="0"/>
+          <a:chExt cx="0" cy="0"/>
+        </a:xfrm>
+      </p:grpSpPr>
+      <p:sp>
+        <p:nvSpPr>
+          <p:cNvPr id="2" name="슬라이드 이미지 개체 틀 1"/>
+          <p:cNvSpPr>
+            <a:spLocks noGrp="1" noRot="1" noChangeAspect="1"/>
+          </p:cNvSpPr>
+          <p:nvPr>
+            <p:ph type="sldImg"/>
+          </p:nvPr>
+        </p:nvSpPr>
+        <p:spPr/>
+      </p:sp>
+      <p:sp>
+        <p:nvSpPr>
+          <p:cNvPr id="3" name="슬라이드 노트 개체 틀 2"/>
+          <p:cNvSpPr>
+            <a:spLocks noGrp="1"/>
+          </p:cNvSpPr>
+          <p:nvPr>
+            <p:ph type="body" idx="1"/>
+          </p:nvPr>
+        </p:nvSpPr>
+        <p:spPr/>
+        <p:txBody>
+          <a:bodyPr/>
+          <a:lstStyle/>
+          <a:p>
+            <a:pPr marL="0" marR="0" indent="0" algn="l" defTabSz="914400" rtl="0" eaLnBrk="1" fontAlgn="auto" latinLnBrk="1" hangingPunct="1">
+              <a:lnSpc>
+                <a:spcPct val="100000"/>
+              </a:lnSpc>
+              <a:spcBef>
+                <a:spcPts val="0"/>
+              </a:spcBef>
+              <a:spcAft>
+                <a:spcPts val="0"/>
+              </a:spcAft>
+              <a:buClrTx/>
+              <a:buSzTx/>
+              <a:buFontTx/>
+              <a:buNone/>
+              <a:tabLst/>
+              <a:defRPr/>
+            </a:pPr>
+            <a:endParaRPr lang="ko-KR" altLang="en-US" dirty="0"/>
+          </a:p>
+        </p:txBody>
+      </p:sp>
+      <p:sp>
+        <p:nvSpPr>
+          <p:cNvPr id="4" name="슬라이드 번호 개체 틀 3"/>
+          <p:cNvSpPr>
+            <a:spLocks noGrp="1"/>
+          </p:cNvSpPr>
+          <p:nvPr>
+            <p:ph type="sldNum" sz="quarter" idx="10"/>
+          </p:nvPr>
+        </p:nvSpPr>
+        <p:spPr/>
+        <p:txBody>
+          <a:bodyPr/>
+          <a:lstStyle/>
+          <a:p>
+            <a:fld id="{A6D625BF-EF7C-4F5D-B58E-C92BFFBBF146}" type="slidenum">
+              <a:rPr lang="ko-KR" altLang="en-US" smtClean="0"/>
+              <a:t>25</a:t>
+            </a:fld>
+            <a:endParaRPr lang="ko-KR" altLang="en-US"/>
+          </a:p>
+        </p:txBody>
+      </p:sp>
+    </p:spTree>
+    <p:extLst>
+      <p:ext uri="{BB962C8B-B14F-4D97-AF65-F5344CB8AC3E}">
+        <p14:creationId xmlns:p14="http://schemas.microsoft.com/office/powerpoint/2010/main" val="2745659393"/>
+      </p:ext>
+    </p:extLst>
+  </p:cSld>
+  <p:clrMapOvr>
+    <a:masterClrMapping/>
+  </p:clrMapOvr>
+</p:notes>
+</file>
+
+<file path=ppt/notesSlides/notesSlide25.xml><?xml version="1.0" encoding="utf-8"?>
+<p:notes xmlns:a="http://schemas.openxmlformats.org/drawingml/2006/main" xmlns:r="http://schemas.openxmlformats.org/officeDocument/2006/relationships" xmlns:p="http://schemas.openxmlformats.org/presentationml/2006/main">
+  <p:cSld>
+    <p:spTree>
+      <p:nvGrpSpPr>
+        <p:cNvPr id="1" name=""/>
+        <p:cNvGrpSpPr/>
+        <p:nvPr/>
+      </p:nvGrpSpPr>
+      <p:grpSpPr>
+        <a:xfrm>
+          <a:off x="0" y="0"/>
+          <a:ext cx="0" cy="0"/>
+          <a:chOff x="0" y="0"/>
+          <a:chExt cx="0" cy="0"/>
+        </a:xfrm>
+      </p:grpSpPr>
+      <p:sp>
+        <p:nvSpPr>
+          <p:cNvPr id="2" name="슬라이드 이미지 개체 틀 1"/>
+          <p:cNvSpPr>
+            <a:spLocks noGrp="1" noRot="1" noChangeAspect="1"/>
+          </p:cNvSpPr>
+          <p:nvPr>
+            <p:ph type="sldImg"/>
+          </p:nvPr>
+        </p:nvSpPr>
+        <p:spPr/>
+      </p:sp>
+      <p:sp>
+        <p:nvSpPr>
+          <p:cNvPr id="3" name="슬라이드 노트 개체 틀 2"/>
+          <p:cNvSpPr>
+            <a:spLocks noGrp="1"/>
+          </p:cNvSpPr>
+          <p:nvPr>
+            <p:ph type="body" idx="1"/>
+          </p:nvPr>
+        </p:nvSpPr>
+        <p:spPr/>
+        <p:txBody>
+          <a:bodyPr/>
+          <a:lstStyle/>
+          <a:p>
+            <a:pPr marL="0" marR="0" indent="0" algn="l" defTabSz="914400" rtl="0" eaLnBrk="1" fontAlgn="auto" latinLnBrk="1" hangingPunct="1">
+              <a:lnSpc>
+                <a:spcPct val="100000"/>
+              </a:lnSpc>
+              <a:spcBef>
+                <a:spcPts val="0"/>
+              </a:spcBef>
+              <a:spcAft>
+                <a:spcPts val="0"/>
+              </a:spcAft>
+              <a:buClrTx/>
+              <a:buSzTx/>
+              <a:buFontTx/>
+              <a:buNone/>
+              <a:tabLst/>
+              <a:defRPr/>
+            </a:pPr>
+            <a:endParaRPr lang="ko-KR" altLang="en-US" dirty="0"/>
+          </a:p>
+        </p:txBody>
+      </p:sp>
+      <p:sp>
+        <p:nvSpPr>
+          <p:cNvPr id="4" name="슬라이드 번호 개체 틀 3"/>
+          <p:cNvSpPr>
+            <a:spLocks noGrp="1"/>
+          </p:cNvSpPr>
+          <p:nvPr>
+            <p:ph type="sldNum" sz="quarter" idx="10"/>
+          </p:nvPr>
+        </p:nvSpPr>
+        <p:spPr/>
+        <p:txBody>
+          <a:bodyPr/>
+          <a:lstStyle/>
+          <a:p>
+            <a:fld id="{A6D625BF-EF7C-4F5D-B58E-C92BFFBBF146}" type="slidenum">
+              <a:rPr lang="ko-KR" altLang="en-US" smtClean="0"/>
+              <a:t>26</a:t>
+            </a:fld>
+            <a:endParaRPr lang="ko-KR" altLang="en-US"/>
+          </a:p>
+        </p:txBody>
+      </p:sp>
+    </p:spTree>
+    <p:extLst>
+      <p:ext uri="{BB962C8B-B14F-4D97-AF65-F5344CB8AC3E}">
+        <p14:creationId xmlns:p14="http://schemas.microsoft.com/office/powerpoint/2010/main" val="450879153"/>
       </p:ext>
     </p:extLst>
   </p:cSld>
@@ -2425,7 +3343,7 @@
           <a:p>
             <a:fld id="{D9D21D2B-B161-4A2C-A0F2-324F8DD03E7E}" type="datetimeFigureOut">
               <a:rPr lang="ko-KR" altLang="en-US" smtClean="0"/>
-              <a:t>2020-08-03</a:t>
+              <a:t>2020-08-04</a:t>
             </a:fld>
             <a:endParaRPr lang="ko-KR" altLang="en-US"/>
           </a:p>
@@ -2632,7 +3550,7 @@
           <a:p>
             <a:fld id="{D9D21D2B-B161-4A2C-A0F2-324F8DD03E7E}" type="datetimeFigureOut">
               <a:rPr lang="ko-KR" altLang="en-US" smtClean="0"/>
-              <a:t>2020-08-03</a:t>
+              <a:t>2020-08-04</a:t>
             </a:fld>
             <a:endParaRPr lang="ko-KR" altLang="en-US"/>
           </a:p>
@@ -2812,7 +3730,7 @@
           <a:p>
             <a:fld id="{D9D21D2B-B161-4A2C-A0F2-324F8DD03E7E}" type="datetimeFigureOut">
               <a:rPr lang="ko-KR" altLang="en-US" smtClean="0"/>
-              <a:t>2020-08-03</a:t>
+              <a:t>2020-08-04</a:t>
             </a:fld>
             <a:endParaRPr lang="ko-KR" altLang="en-US"/>
           </a:p>
@@ -2982,7 +3900,7 @@
           <a:p>
             <a:fld id="{D9D21D2B-B161-4A2C-A0F2-324F8DD03E7E}" type="datetimeFigureOut">
               <a:rPr lang="ko-KR" altLang="en-US" smtClean="0"/>
-              <a:t>2020-08-03</a:t>
+              <a:t>2020-08-04</a:t>
             </a:fld>
             <a:endParaRPr lang="ko-KR" altLang="en-US"/>
           </a:p>
@@ -3235,7 +4153,7 @@
           <a:p>
             <a:fld id="{D9D21D2B-B161-4A2C-A0F2-324F8DD03E7E}" type="datetimeFigureOut">
               <a:rPr lang="ko-KR" altLang="en-US" smtClean="0"/>
-              <a:t>2020-08-03</a:t>
+              <a:t>2020-08-04</a:t>
             </a:fld>
             <a:endParaRPr lang="ko-KR" altLang="en-US"/>
           </a:p>
@@ -3474,7 +4392,7 @@
           <a:p>
             <a:fld id="{D9D21D2B-B161-4A2C-A0F2-324F8DD03E7E}" type="datetimeFigureOut">
               <a:rPr lang="ko-KR" altLang="en-US" smtClean="0"/>
-              <a:t>2020-08-03</a:t>
+              <a:t>2020-08-04</a:t>
             </a:fld>
             <a:endParaRPr lang="ko-KR" altLang="en-US"/>
           </a:p>
@@ -3848,7 +4766,7 @@
           <a:p>
             <a:fld id="{D9D21D2B-B161-4A2C-A0F2-324F8DD03E7E}" type="datetimeFigureOut">
               <a:rPr lang="ko-KR" altLang="en-US" smtClean="0"/>
-              <a:t>2020-08-03</a:t>
+              <a:t>2020-08-04</a:t>
             </a:fld>
             <a:endParaRPr lang="ko-KR" altLang="en-US"/>
           </a:p>
@@ -3966,7 +4884,7 @@
           <a:p>
             <a:fld id="{D9D21D2B-B161-4A2C-A0F2-324F8DD03E7E}" type="datetimeFigureOut">
               <a:rPr lang="ko-KR" altLang="en-US" smtClean="0"/>
-              <a:t>2020-08-03</a:t>
+              <a:t>2020-08-04</a:t>
             </a:fld>
             <a:endParaRPr lang="ko-KR" altLang="en-US"/>
           </a:p>
@@ -4061,7 +4979,7 @@
           <a:p>
             <a:fld id="{D9D21D2B-B161-4A2C-A0F2-324F8DD03E7E}" type="datetimeFigureOut">
               <a:rPr lang="ko-KR" altLang="en-US" smtClean="0"/>
-              <a:t>2020-08-03</a:t>
+              <a:t>2020-08-04</a:t>
             </a:fld>
             <a:endParaRPr lang="ko-KR" altLang="en-US"/>
           </a:p>
@@ -4338,7 +5256,7 @@
           <a:p>
             <a:fld id="{D9D21D2B-B161-4A2C-A0F2-324F8DD03E7E}" type="datetimeFigureOut">
               <a:rPr lang="ko-KR" altLang="en-US" smtClean="0"/>
-              <a:t>2020-08-03</a:t>
+              <a:t>2020-08-04</a:t>
             </a:fld>
             <a:endParaRPr lang="ko-KR" altLang="en-US"/>
           </a:p>
@@ -4595,7 +5513,7 @@
           <a:p>
             <a:fld id="{D9D21D2B-B161-4A2C-A0F2-324F8DD03E7E}" type="datetimeFigureOut">
               <a:rPr lang="ko-KR" altLang="en-US" smtClean="0"/>
-              <a:t>2020-08-03</a:t>
+              <a:t>2020-08-04</a:t>
             </a:fld>
             <a:endParaRPr lang="ko-KR" altLang="en-US"/>
           </a:p>
@@ -4811,7 +5729,7 @@
           <a:p>
             <a:fld id="{D9D21D2B-B161-4A2C-A0F2-324F8DD03E7E}" type="datetimeFigureOut">
               <a:rPr lang="ko-KR" altLang="en-US" smtClean="0"/>
-              <a:t>2020-08-03</a:t>
+              <a:t>2020-08-04</a:t>
             </a:fld>
             <a:endParaRPr lang="ko-KR" altLang="en-US"/>
           </a:p>
@@ -5305,21 +6223,7 @@
                 <a:latin typeface="+mn-ea"/>
                 <a:cs typeface="맑은 고딕 Semilight" panose="020B0502040204020203" pitchFamily="50" charset="-127"/>
               </a:rPr>
-              <a:t>2020. </a:t>
-            </a:r>
-            <a:r>
-              <a:rPr lang="en-US" altLang="ko-KR" sz="1100" smtClean="0">
-                <a:ln>
-                  <a:solidFill>
-                    <a:schemeClr val="tx1">
-                      <a:alpha val="29000"/>
-                    </a:schemeClr>
-                  </a:solidFill>
-                </a:ln>
-                <a:latin typeface="+mn-ea"/>
-                <a:cs typeface="맑은 고딕 Semilight" panose="020B0502040204020203" pitchFamily="50" charset="-127"/>
-              </a:rPr>
-              <a:t>08. 03.</a:t>
+              <a:t>2020. 08. 03.</a:t>
             </a:r>
             <a:endParaRPr lang="en-US" altLang="ko-KR" sz="1100" dirty="0" smtClean="0">
               <a:ln>
@@ -5435,21 +6339,7 @@
                 <a:latin typeface="+mn-ea"/>
                 <a:cs typeface="맑은 고딕 Semilight" panose="020B0502040204020203" pitchFamily="50" charset="-127"/>
               </a:rPr>
-              <a:t>의 </a:t>
-            </a:r>
-            <a:r>
-              <a:rPr lang="ko-KR" altLang="en-US" sz="2000" smtClean="0">
-                <a:ln>
-                  <a:solidFill>
-                    <a:schemeClr val="tx1">
-                      <a:alpha val="29000"/>
-                    </a:schemeClr>
-                  </a:solidFill>
-                </a:ln>
-                <a:latin typeface="+mn-ea"/>
-                <a:cs typeface="맑은 고딕 Semilight" panose="020B0502040204020203" pitchFamily="50" charset="-127"/>
-              </a:rPr>
-              <a:t>변수와 타입</a:t>
+              <a:t>의 변수와 타입</a:t>
             </a:r>
             <a:endParaRPr lang="en-US" altLang="ko-KR" sz="2000" dirty="0" smtClean="0">
               <a:ln>
@@ -5794,21 +6684,7 @@
                 <a:latin typeface="+mn-ea"/>
                 <a:cs typeface="맑은 고딕 Semilight" panose="020B0502040204020203" pitchFamily="50" charset="-127"/>
               </a:rPr>
-              <a:t>자바스크립트에서는 숫자와 문자열을 더할 </a:t>
-            </a:r>
-            <a:r>
-              <a:rPr lang="ko-KR" altLang="en-US" sz="1400">
-                <a:ln>
-                  <a:solidFill>
-                    <a:schemeClr val="tx1">
-                      <a:alpha val="29000"/>
-                    </a:schemeClr>
-                  </a:solidFill>
-                </a:ln>
-                <a:latin typeface="+mn-ea"/>
-                <a:cs typeface="맑은 고딕 Semilight" panose="020B0502040204020203" pitchFamily="50" charset="-127"/>
-              </a:rPr>
-              <a:t>수도 </a:t>
+              <a:t>자바스크립트에서는 숫자와 문자열을 더할 수도 </a:t>
             </a:r>
             <a:r>
               <a:rPr lang="ko-KR" altLang="en-US" sz="1400" smtClean="0">
@@ -5929,21 +6805,7 @@
                 <a:latin typeface="+mn-ea"/>
                 <a:cs typeface="맑은 고딕 Semilight" panose="020B0502040204020203" pitchFamily="50" charset="-127"/>
               </a:rPr>
-              <a:t>문자열을 연결하는 </a:t>
-            </a:r>
-            <a:r>
-              <a:rPr lang="ko-KR" altLang="en-US" sz="1400">
-                <a:ln>
-                  <a:solidFill>
-                    <a:schemeClr val="tx1">
-                      <a:alpha val="29000"/>
-                    </a:schemeClr>
-                  </a:solidFill>
-                </a:ln>
-                <a:latin typeface="+mn-ea"/>
-                <a:cs typeface="맑은 고딕 Semilight" panose="020B0502040204020203" pitchFamily="50" charset="-127"/>
-              </a:rPr>
-              <a:t>연산을 </a:t>
+              <a:t>문자열을 연결하는 연산을 </a:t>
             </a:r>
             <a:r>
               <a:rPr lang="ko-KR" altLang="en-US" sz="1400" smtClean="0">
@@ -6454,21 +7316,7 @@
                 <a:latin typeface="+mn-ea"/>
                 <a:cs typeface="맑은 고딕 Semilight" panose="020B0502040204020203" pitchFamily="50" charset="-127"/>
               </a:rPr>
-              <a:t>를 사용하여 나타낼 </a:t>
-            </a:r>
-            <a:r>
-              <a:rPr lang="ko-KR" altLang="en-US" sz="1400">
-                <a:ln>
-                  <a:solidFill>
-                    <a:schemeClr val="tx1">
-                      <a:alpha val="29000"/>
-                    </a:schemeClr>
-                  </a:solidFill>
-                </a:ln>
-                <a:latin typeface="+mn-ea"/>
-                <a:cs typeface="맑은 고딕 Semilight" panose="020B0502040204020203" pitchFamily="50" charset="-127"/>
-              </a:rPr>
-              <a:t>수 </a:t>
+              <a:t>를 사용하여 나타낼 수 </a:t>
             </a:r>
             <a:r>
               <a:rPr lang="ko-KR" altLang="en-US" sz="1400" smtClean="0">
@@ -6843,21 +7691,7 @@
                 <a:latin typeface="+mn-ea"/>
                 <a:cs typeface="맑은 고딕 Semilight" panose="020B0502040204020203" pitchFamily="50" charset="-127"/>
               </a:rPr>
-              <a:t>부터 새롭게 </a:t>
-            </a:r>
-            <a:r>
-              <a:rPr lang="ko-KR" altLang="en-US" sz="1400">
-                <a:ln>
-                  <a:solidFill>
-                    <a:schemeClr val="tx1">
-                      <a:alpha val="29000"/>
-                    </a:schemeClr>
-                  </a:solidFill>
-                </a:ln>
-                <a:latin typeface="+mn-ea"/>
-                <a:cs typeface="맑은 고딕 Semilight" panose="020B0502040204020203" pitchFamily="50" charset="-127"/>
-              </a:rPr>
-              <a:t>추가된 </a:t>
+              <a:t>부터 새롭게 추가된 </a:t>
             </a:r>
             <a:r>
               <a:rPr lang="ko-KR" altLang="en-US" sz="1400" smtClean="0">
@@ -6909,7 +7743,21 @@
                 <a:latin typeface="+mn-ea"/>
                 <a:cs typeface="맑은 고딕 Semilight" panose="020B0502040204020203" pitchFamily="50" charset="-127"/>
               </a:rPr>
-              <a:t>심볼은 유일하고 변경할 수 없는 </a:t>
+              <a:t>심볼은 유일하고 변경할 수 없는 타입으로</a:t>
+            </a:r>
+            <a:r>
+              <a:rPr lang="en-US" altLang="ko-KR" sz="1400">
+                <a:ln>
+                  <a:solidFill>
+                    <a:schemeClr val="tx1">
+                      <a:alpha val="29000"/>
+                    </a:schemeClr>
+                  </a:solidFill>
+                </a:ln>
+                <a:latin typeface="+mn-ea"/>
+                <a:cs typeface="맑은 고딕 Semilight" panose="020B0502040204020203" pitchFamily="50" charset="-127"/>
+              </a:rPr>
+              <a:t>, </a:t>
             </a:r>
             <a:r>
               <a:rPr lang="ko-KR" altLang="en-US" sz="1400">
@@ -6923,49 +7771,7 @@
                 <a:latin typeface="+mn-ea"/>
                 <a:cs typeface="맑은 고딕 Semilight" panose="020B0502040204020203" pitchFamily="50" charset="-127"/>
               </a:rPr>
-              <a:t>타입으로</a:t>
-            </a:r>
-            <a:r>
-              <a:rPr lang="en-US" altLang="ko-KR" sz="1400">
-                <a:ln>
-                  <a:solidFill>
-                    <a:schemeClr val="tx1">
-                      <a:alpha val="29000"/>
-                    </a:schemeClr>
-                  </a:solidFill>
-                </a:ln>
-                <a:latin typeface="+mn-ea"/>
-                <a:cs typeface="맑은 고딕 Semilight" panose="020B0502040204020203" pitchFamily="50" charset="-127"/>
-              </a:rPr>
-              <a:t>, </a:t>
-            </a:r>
-            <a:r>
-              <a:rPr lang="ko-KR" altLang="en-US" sz="1400">
-                <a:ln>
-                  <a:solidFill>
-                    <a:schemeClr val="tx1">
-                      <a:alpha val="29000"/>
-                    </a:schemeClr>
-                  </a:solidFill>
-                </a:ln>
-                <a:latin typeface="+mn-ea"/>
-                <a:cs typeface="맑은 고딕 Semilight" panose="020B0502040204020203" pitchFamily="50" charset="-127"/>
-              </a:rPr>
-              <a:t>객체의 프로퍼티를 위한 식별자로 사용할 수 </a:t>
-            </a:r>
-            <a:r>
-              <a:rPr lang="ko-KR" altLang="en-US" sz="1400">
-                <a:ln>
-                  <a:solidFill>
-                    <a:schemeClr val="tx1">
-                      <a:alpha val="29000"/>
-                    </a:schemeClr>
-                  </a:solidFill>
-                </a:ln>
-                <a:latin typeface="+mn-ea"/>
-                <a:cs typeface="맑은 고딕 Semilight" panose="020B0502040204020203" pitchFamily="50" charset="-127"/>
-              </a:rPr>
-              <a:t>있음</a:t>
+              <a:t>객체의 프로퍼티를 위한 식별자로 사용할 수 있음</a:t>
             </a:r>
             <a:endParaRPr lang="en-US" altLang="ko-KR" sz="1400">
               <a:ln>
@@ -7003,21 +7809,7 @@
                 <a:latin typeface="+mn-ea"/>
                 <a:cs typeface="맑은 고딕 Semilight" panose="020B0502040204020203" pitchFamily="50" charset="-127"/>
               </a:rPr>
-              <a:t>심볼 타입은 익스플로러에서 지원하지 </a:t>
-            </a:r>
-            <a:r>
-              <a:rPr lang="ko-KR" altLang="en-US" sz="1400">
-                <a:ln>
-                  <a:solidFill>
-                    <a:schemeClr val="tx1">
-                      <a:alpha val="29000"/>
-                    </a:schemeClr>
-                  </a:solidFill>
-                </a:ln>
-                <a:latin typeface="+mn-ea"/>
-                <a:cs typeface="맑은 고딕 Semilight" panose="020B0502040204020203" pitchFamily="50" charset="-127"/>
-              </a:rPr>
-              <a:t>않음</a:t>
+              <a:t>심볼 타입은 익스플로러에서 지원하지 않음</a:t>
             </a:r>
             <a:endParaRPr lang="en-US" altLang="ko-KR" sz="1400">
               <a:ln>
@@ -7266,22 +8058,7 @@
                 <a:cs typeface="맑은 고딕 Semilight" panose="020B0502040204020203" pitchFamily="50" charset="-127"/>
                 <a:sym typeface="Wingdings" panose="05000000000000000000" pitchFamily="2" charset="2"/>
               </a:rPr>
-              <a:t>(type) : </a:t>
-            </a:r>
-            <a:r>
-              <a:rPr lang="en-US" altLang="ko-KR" sz="1800">
-                <a:ln>
-                  <a:solidFill>
-                    <a:schemeClr val="tx1">
-                      <a:alpha val="29000"/>
-                    </a:schemeClr>
-                  </a:solidFill>
-                </a:ln>
-                <a:latin typeface="+mn-ea"/>
-                <a:cs typeface="맑은 고딕 Semilight" panose="020B0502040204020203" pitchFamily="50" charset="-127"/>
-                <a:sym typeface="Wingdings" panose="05000000000000000000" pitchFamily="2" charset="2"/>
-              </a:rPr>
-              <a:t>typeof </a:t>
+              <a:t>(type) : typeof </a:t>
             </a:r>
             <a:r>
               <a:rPr lang="ko-KR" altLang="en-US" sz="1800" smtClean="0">
@@ -7349,21 +8126,7 @@
                 <a:latin typeface="+mn-ea"/>
                 <a:cs typeface="맑은 고딕 Semilight" panose="020B0502040204020203" pitchFamily="50" charset="-127"/>
               </a:rPr>
-              <a:t>연산자는 피연산자의 타입을 반환하는 피연산자가 단 </a:t>
-            </a:r>
-            <a:r>
-              <a:rPr lang="ko-KR" altLang="en-US" sz="1400">
-                <a:ln>
-                  <a:solidFill>
-                    <a:schemeClr val="tx1">
-                      <a:alpha val="29000"/>
-                    </a:schemeClr>
-                  </a:solidFill>
-                </a:ln>
-                <a:latin typeface="+mn-ea"/>
-                <a:cs typeface="맑은 고딕 Semilight" panose="020B0502040204020203" pitchFamily="50" charset="-127"/>
-              </a:rPr>
-              <a:t>하나뿐인 </a:t>
+              <a:t>연산자는 피연산자의 타입을 반환하는 피연산자가 단 하나뿐인 </a:t>
             </a:r>
             <a:r>
               <a:rPr lang="ko-KR" altLang="en-US" sz="1400" smtClean="0">
@@ -7626,37 +8389,7 @@
                 <a:cs typeface="맑은 고딕 Semilight" panose="020B0502040204020203" pitchFamily="50" charset="-127"/>
                 <a:sym typeface="Wingdings" panose="05000000000000000000" pitchFamily="2" charset="2"/>
               </a:rPr>
-              <a:t>(type) </a:t>
-            </a:r>
-            <a:r>
-              <a:rPr lang="en-US" altLang="ko-KR" sz="1800">
-                <a:ln>
-                  <a:solidFill>
-                    <a:schemeClr val="tx1">
-                      <a:alpha val="29000"/>
-                    </a:schemeClr>
-                  </a:solidFill>
-                </a:ln>
-                <a:latin typeface="+mn-ea"/>
-                <a:cs typeface="맑은 고딕 Semilight" panose="020B0502040204020203" pitchFamily="50" charset="-127"/>
-                <a:sym typeface="Wingdings" panose="05000000000000000000" pitchFamily="2" charset="2"/>
-              </a:rPr>
-              <a:t>: </a:t>
-            </a:r>
-            <a:r>
-              <a:rPr lang="en-US" altLang="ko-KR" sz="1800">
-                <a:ln>
-                  <a:solidFill>
-                    <a:schemeClr val="tx1">
-                      <a:alpha val="29000"/>
-                    </a:schemeClr>
-                  </a:solidFill>
-                </a:ln>
-                <a:latin typeface="+mn-ea"/>
-                <a:cs typeface="맑은 고딕 Semilight" panose="020B0502040204020203" pitchFamily="50" charset="-127"/>
-                <a:sym typeface="Wingdings" panose="05000000000000000000" pitchFamily="2" charset="2"/>
-              </a:rPr>
-              <a:t>null</a:t>
+              <a:t>(type) : null</a:t>
             </a:r>
             <a:r>
               <a:rPr lang="ko-KR" altLang="en-US" sz="1800">
@@ -7865,21 +8598,7 @@
                 <a:latin typeface="+mn-ea"/>
                 <a:cs typeface="맑은 고딕 Semilight" panose="020B0502040204020203" pitchFamily="50" charset="-127"/>
               </a:rPr>
-              <a:t>이 정해지지 않은 </a:t>
-            </a:r>
-            <a:r>
-              <a:rPr lang="ko-KR" altLang="en-US" sz="1400">
-                <a:ln>
-                  <a:solidFill>
-                    <a:schemeClr val="tx1">
-                      <a:alpha val="29000"/>
-                    </a:schemeClr>
-                  </a:solidFill>
-                </a:ln>
-                <a:latin typeface="+mn-ea"/>
-                <a:cs typeface="맑은 고딕 Semilight" panose="020B0502040204020203" pitchFamily="50" charset="-127"/>
-              </a:rPr>
-              <a:t>것을 </a:t>
+              <a:t>이 정해지지 않은 것을 </a:t>
             </a:r>
             <a:r>
               <a:rPr lang="ko-KR" altLang="en-US" sz="1400" smtClean="0">
@@ -8043,21 +8762,7 @@
                 <a:latin typeface="+mn-ea"/>
                 <a:cs typeface="맑은 고딕 Semilight" panose="020B0502040204020203" pitchFamily="50" charset="-127"/>
               </a:rPr>
-              <a:t>이 정해지지 않은 </a:t>
-            </a:r>
-            <a:r>
-              <a:rPr lang="ko-KR" altLang="en-US" sz="1400">
-                <a:ln>
-                  <a:solidFill>
-                    <a:schemeClr val="tx1">
-                      <a:alpha val="29000"/>
-                    </a:schemeClr>
-                  </a:solidFill>
-                </a:ln>
-                <a:latin typeface="+mn-ea"/>
-                <a:cs typeface="맑은 고딕 Semilight" panose="020B0502040204020203" pitchFamily="50" charset="-127"/>
-              </a:rPr>
-              <a:t>것을 </a:t>
+              <a:t>이 정해지지 않은 것을 </a:t>
             </a:r>
             <a:r>
               <a:rPr lang="ko-KR" altLang="en-US" sz="1400" smtClean="0">
@@ -8137,21 +8842,7 @@
                 <a:latin typeface="+mn-ea"/>
                 <a:cs typeface="맑은 고딕 Semilight" panose="020B0502040204020203" pitchFamily="50" charset="-127"/>
               </a:rPr>
-              <a:t>는 초기화되지 않은 변수나 존재하지 않는 값에 접근할 </a:t>
-            </a:r>
-            <a:r>
-              <a:rPr lang="ko-KR" altLang="en-US" sz="1400">
-                <a:ln>
-                  <a:solidFill>
-                    <a:schemeClr val="tx1">
-                      <a:alpha val="29000"/>
-                    </a:schemeClr>
-                  </a:solidFill>
-                </a:ln>
-                <a:latin typeface="+mn-ea"/>
-                <a:cs typeface="맑은 고딕 Semilight" panose="020B0502040204020203" pitchFamily="50" charset="-127"/>
-              </a:rPr>
-              <a:t>때 </a:t>
+              <a:t>는 초기화되지 않은 변수나 존재하지 않는 값에 접근할 때 </a:t>
             </a:r>
             <a:r>
               <a:rPr lang="ko-KR" altLang="en-US" sz="1400" smtClean="0">
@@ -8414,37 +9105,7 @@
                 <a:cs typeface="맑은 고딕 Semilight" panose="020B0502040204020203" pitchFamily="50" charset="-127"/>
                 <a:sym typeface="Wingdings" panose="05000000000000000000" pitchFamily="2" charset="2"/>
               </a:rPr>
-              <a:t>(type) </a:t>
-            </a:r>
-            <a:r>
-              <a:rPr lang="en-US" altLang="ko-KR" sz="1800">
-                <a:ln>
-                  <a:solidFill>
-                    <a:schemeClr val="tx1">
-                      <a:alpha val="29000"/>
-                    </a:schemeClr>
-                  </a:solidFill>
-                </a:ln>
-                <a:latin typeface="+mn-ea"/>
-                <a:cs typeface="맑은 고딕 Semilight" panose="020B0502040204020203" pitchFamily="50" charset="-127"/>
-                <a:sym typeface="Wingdings" panose="05000000000000000000" pitchFamily="2" charset="2"/>
-              </a:rPr>
-              <a:t>: </a:t>
-            </a:r>
-            <a:r>
-              <a:rPr lang="en-US" altLang="ko-KR" sz="1800">
-                <a:ln>
-                  <a:solidFill>
-                    <a:schemeClr val="tx1">
-                      <a:alpha val="29000"/>
-                    </a:schemeClr>
-                  </a:solidFill>
-                </a:ln>
-                <a:latin typeface="+mn-ea"/>
-                <a:cs typeface="맑은 고딕 Semilight" panose="020B0502040204020203" pitchFamily="50" charset="-127"/>
-                <a:sym typeface="Wingdings" panose="05000000000000000000" pitchFamily="2" charset="2"/>
-              </a:rPr>
-              <a:t>null</a:t>
+              <a:t>(type) : null</a:t>
             </a:r>
             <a:r>
               <a:rPr lang="ko-KR" altLang="en-US" sz="1800">
@@ -8611,21 +9272,7 @@
                 <a:latin typeface="+mn-ea"/>
                 <a:cs typeface="맑은 고딕 Semilight" panose="020B0502040204020203" pitchFamily="50" charset="-127"/>
               </a:rPr>
-              <a:t>로 비교할 때 </a:t>
-            </a:r>
-            <a:r>
-              <a:rPr lang="ko-KR" altLang="en-US" sz="1400">
-                <a:ln>
-                  <a:solidFill>
-                    <a:schemeClr val="tx1">
-                      <a:alpha val="29000"/>
-                    </a:schemeClr>
-                  </a:solidFill>
-                </a:ln>
-                <a:latin typeface="+mn-ea"/>
-                <a:cs typeface="맑은 고딕 Semilight" panose="020B0502040204020203" pitchFamily="50" charset="-127"/>
-              </a:rPr>
-              <a:t>그 </a:t>
+              <a:t>로 비교할 때 그 </a:t>
             </a:r>
             <a:r>
               <a:rPr lang="ko-KR" altLang="en-US" sz="1400" smtClean="0">
@@ -8775,21 +9422,7 @@
                 <a:latin typeface="+mn-ea"/>
                 <a:cs typeface="맑은 고딕 Semilight" panose="020B0502040204020203" pitchFamily="50" charset="-127"/>
               </a:rPr>
-              <a:t>타입이 다르므로 </a:t>
-            </a:r>
-            <a:r>
-              <a:rPr lang="ko-KR" altLang="en-US" sz="1400">
-                <a:ln>
-                  <a:solidFill>
-                    <a:schemeClr val="tx1">
-                      <a:alpha val="29000"/>
-                    </a:schemeClr>
-                  </a:solidFill>
-                </a:ln>
-                <a:latin typeface="+mn-ea"/>
-                <a:cs typeface="맑은 고딕 Semilight" panose="020B0502040204020203" pitchFamily="50" charset="-127"/>
-              </a:rPr>
-              <a:t>일치하지는 </a:t>
+              <a:t>타입이 다르므로 일치하지는 </a:t>
             </a:r>
             <a:r>
               <a:rPr lang="ko-KR" altLang="en-US" sz="1400" smtClean="0">
@@ -9052,22 +9685,7 @@
                 <a:cs typeface="맑은 고딕 Semilight" panose="020B0502040204020203" pitchFamily="50" charset="-127"/>
                 <a:sym typeface="Wingdings" panose="05000000000000000000" pitchFamily="2" charset="2"/>
               </a:rPr>
-              <a:t>(type) </a:t>
-            </a:r>
-            <a:r>
-              <a:rPr lang="en-US" altLang="ko-KR" sz="1800">
-                <a:ln>
-                  <a:solidFill>
-                    <a:schemeClr val="tx1">
-                      <a:alpha val="29000"/>
-                    </a:schemeClr>
-                  </a:solidFill>
-                </a:ln>
-                <a:latin typeface="+mn-ea"/>
-                <a:cs typeface="맑은 고딕 Semilight" panose="020B0502040204020203" pitchFamily="50" charset="-127"/>
-                <a:sym typeface="Wingdings" panose="05000000000000000000" pitchFamily="2" charset="2"/>
-              </a:rPr>
-              <a:t>: </a:t>
+              <a:t>(type) : </a:t>
             </a:r>
             <a:r>
               <a:rPr lang="ko-KR" altLang="en-US" sz="1800">
@@ -9165,21 +9783,7 @@
                 <a:latin typeface="+mn-ea"/>
                 <a:cs typeface="맑은 고딕 Semilight" panose="020B0502040204020203" pitchFamily="50" charset="-127"/>
               </a:rPr>
-              <a:t>(</a:t>
-            </a:r>
-            <a:r>
-              <a:rPr lang="en-US" altLang="ko-KR" sz="1400">
-                <a:ln>
-                  <a:solidFill>
-                    <a:schemeClr val="tx1">
-                      <a:alpha val="29000"/>
-                    </a:schemeClr>
-                  </a:solidFill>
-                </a:ln>
-                <a:latin typeface="+mn-ea"/>
-                <a:cs typeface="맑은 고딕 Semilight" panose="020B0502040204020203" pitchFamily="50" charset="-127"/>
-              </a:rPr>
-              <a:t>object</a:t>
+              <a:t>(object</a:t>
             </a:r>
             <a:r>
               <a:rPr lang="en-US" altLang="ko-KR" sz="1400" smtClean="0">
@@ -9259,21 +9863,7 @@
                 <a:latin typeface="+mn-ea"/>
                 <a:cs typeface="맑은 고딕 Semilight" panose="020B0502040204020203" pitchFamily="50" charset="-127"/>
               </a:rPr>
-              <a:t>란 실생활에서 우리가 인식할 수 있는 사물로 이해할 </a:t>
-            </a:r>
-            <a:r>
-              <a:rPr lang="ko-KR" altLang="en-US" sz="1400">
-                <a:ln>
-                  <a:solidFill>
-                    <a:schemeClr val="tx1">
-                      <a:alpha val="29000"/>
-                    </a:schemeClr>
-                  </a:solidFill>
-                </a:ln>
-                <a:latin typeface="+mn-ea"/>
-                <a:cs typeface="맑은 고딕 Semilight" panose="020B0502040204020203" pitchFamily="50" charset="-127"/>
-              </a:rPr>
-              <a:t>수 </a:t>
+              <a:t>란 실생활에서 우리가 인식할 수 있는 사물로 이해할 수 </a:t>
             </a:r>
             <a:r>
               <a:rPr lang="ko-KR" altLang="en-US" sz="1400" smtClean="0">
@@ -9381,21 +9971,7 @@
                 <a:latin typeface="+mn-ea"/>
                 <a:cs typeface="맑은 고딕 Semilight" panose="020B0502040204020203" pitchFamily="50" charset="-127"/>
               </a:rPr>
-              <a:t>를 같은 이름으로 묶어놓은 </a:t>
-            </a:r>
-            <a:r>
-              <a:rPr lang="ko-KR" altLang="en-US" sz="1400">
-                <a:ln>
-                  <a:solidFill>
-                    <a:schemeClr val="tx1">
-                      <a:alpha val="29000"/>
-                    </a:schemeClr>
-                  </a:solidFill>
-                </a:ln>
-                <a:latin typeface="+mn-ea"/>
-                <a:cs typeface="맑은 고딕 Semilight" panose="020B0502040204020203" pitchFamily="50" charset="-127"/>
-              </a:rPr>
-              <a:t>일종의 </a:t>
+              <a:t>를 같은 이름으로 묶어놓은 일종의 </a:t>
             </a:r>
             <a:r>
               <a:rPr lang="ko-KR" altLang="en-US" sz="1400" smtClean="0">
@@ -9628,10 +10204,10 @@
                 <a:cs typeface="맑은 고딕 Semilight" panose="020B0502040204020203" pitchFamily="50" charset="-127"/>
                 <a:sym typeface="Wingdings" panose="05000000000000000000" pitchFamily="2" charset="2"/>
               </a:rPr>
-              <a:t>자바스크립트 </a:t>
-            </a:r>
-            <a:r>
-              <a:rPr lang="ko-KR" altLang="en-US" sz="1800">
+              <a:t>자바스크립트 변수의 타입 변환</a:t>
+            </a:r>
+            <a:r>
+              <a:rPr lang="en-US" altLang="ko-KR" sz="1800">
                 <a:ln>
                   <a:solidFill>
                     <a:schemeClr val="tx1">
@@ -9643,37 +10219,7 @@
                 <a:cs typeface="맑은 고딕 Semilight" panose="020B0502040204020203" pitchFamily="50" charset="-127"/>
                 <a:sym typeface="Wingdings" panose="05000000000000000000" pitchFamily="2" charset="2"/>
               </a:rPr>
-              <a:t>변수의 타입 변환</a:t>
-            </a:r>
-            <a:r>
-              <a:rPr lang="en-US" altLang="ko-KR" sz="1800">
-                <a:ln>
-                  <a:solidFill>
-                    <a:schemeClr val="tx1">
-                      <a:alpha val="29000"/>
-                    </a:schemeClr>
-                  </a:solidFill>
-                </a:ln>
-                <a:latin typeface="+mn-ea"/>
-                <a:cs typeface="맑은 고딕 Semilight" panose="020B0502040204020203" pitchFamily="50" charset="-127"/>
-                <a:sym typeface="Wingdings" panose="05000000000000000000" pitchFamily="2" charset="2"/>
-              </a:rPr>
-              <a:t>(</a:t>
-            </a:r>
-            <a:r>
-              <a:rPr lang="en-US" altLang="ko-KR" sz="1800">
-                <a:ln>
-                  <a:solidFill>
-                    <a:schemeClr val="tx1">
-                      <a:alpha val="29000"/>
-                    </a:schemeClr>
-                  </a:solidFill>
-                </a:ln>
-                <a:latin typeface="+mn-ea"/>
-                <a:cs typeface="맑은 고딕 Semilight" panose="020B0502040204020203" pitchFamily="50" charset="-127"/>
-                <a:sym typeface="Wingdings" panose="05000000000000000000" pitchFamily="2" charset="2"/>
-              </a:rPr>
-              <a:t>type </a:t>
+              <a:t>(type </a:t>
             </a:r>
             <a:r>
               <a:rPr lang="en-US" altLang="ko-KR" sz="1800" smtClean="0">
@@ -9727,21 +10273,7 @@
                 <a:latin typeface="+mn-ea"/>
                 <a:cs typeface="맑은 고딕 Semilight" panose="020B0502040204020203" pitchFamily="50" charset="-127"/>
               </a:rPr>
-              <a:t>자바스크립트는 타입 검사가 매우 </a:t>
-            </a:r>
-            <a:r>
-              <a:rPr lang="ko-KR" altLang="en-US" sz="1400">
-                <a:ln>
-                  <a:solidFill>
-                    <a:schemeClr val="tx1">
-                      <a:alpha val="29000"/>
-                    </a:schemeClr>
-                  </a:solidFill>
-                </a:ln>
-                <a:latin typeface="+mn-ea"/>
-                <a:cs typeface="맑은 고딕 Semilight" panose="020B0502040204020203" pitchFamily="50" charset="-127"/>
-              </a:rPr>
-              <a:t>유연한 </a:t>
+              <a:t>자바스크립트는 타입 검사가 매우 유연한 </a:t>
             </a:r>
             <a:r>
               <a:rPr lang="ko-KR" altLang="en-US" sz="1400" smtClean="0">
@@ -9862,21 +10394,7 @@
                 <a:latin typeface="+mn-ea"/>
                 <a:cs typeface="맑은 고딕 Semilight" panose="020B0502040204020203" pitchFamily="50" charset="-127"/>
               </a:rPr>
-              <a:t>변수에 다른 타입의 값을 다시 대입할 </a:t>
-            </a:r>
-            <a:r>
-              <a:rPr lang="ko-KR" altLang="en-US" sz="1400">
-                <a:ln>
-                  <a:solidFill>
-                    <a:schemeClr val="tx1">
-                      <a:alpha val="29000"/>
-                    </a:schemeClr>
-                  </a:solidFill>
-                </a:ln>
-                <a:latin typeface="+mn-ea"/>
-                <a:cs typeface="맑은 고딕 Semilight" panose="020B0502040204020203" pitchFamily="50" charset="-127"/>
-              </a:rPr>
-              <a:t>수도 </a:t>
+              <a:t>변수에 다른 타입의 값을 다시 대입할 수도 </a:t>
             </a:r>
             <a:r>
               <a:rPr lang="ko-KR" altLang="en-US" sz="1400" smtClean="0">
@@ -9906,10 +10424,1834 @@
           </a:p>
         </p:txBody>
       </p:sp>
+      <p:pic>
+        <p:nvPicPr>
+          <p:cNvPr id="2" name="그림 1"/>
+          <p:cNvPicPr>
+            <a:picLocks noChangeAspect="1"/>
+          </p:cNvPicPr>
+          <p:nvPr/>
+        </p:nvPicPr>
+        <p:blipFill>
+          <a:blip r:embed="rId3"/>
+          <a:stretch>
+            <a:fillRect/>
+          </a:stretch>
+        </p:blipFill>
+        <p:spPr>
+          <a:xfrm>
+            <a:off x="2055812" y="2719801"/>
+            <a:ext cx="6048375" cy="1362075"/>
+          </a:xfrm>
+          <a:prstGeom prst="rect">
+            <a:avLst/>
+          </a:prstGeom>
+        </p:spPr>
+      </p:pic>
     </p:spTree>
     <p:extLst>
       <p:ext uri="{BB962C8B-B14F-4D97-AF65-F5344CB8AC3E}">
         <p14:creationId xmlns:p14="http://schemas.microsoft.com/office/powerpoint/2010/main" val="2483867893"/>
+      </p:ext>
+    </p:extLst>
+  </p:cSld>
+  <p:clrMapOvr>
+    <a:masterClrMapping/>
+  </p:clrMapOvr>
+  <p:timing>
+    <p:tnLst>
+      <p:par>
+        <p:cTn id="1" dur="indefinite" restart="never" nodeType="tmRoot"/>
+      </p:par>
+    </p:tnLst>
+  </p:timing>
+</p:sld>
+</file>
+
+<file path=ppt/slides/slide18.xml><?xml version="1.0" encoding="utf-8"?>
+<p:sld xmlns:a="http://schemas.openxmlformats.org/drawingml/2006/main" xmlns:r="http://schemas.openxmlformats.org/officeDocument/2006/relationships" xmlns:p="http://schemas.openxmlformats.org/presentationml/2006/main">
+  <p:cSld>
+    <p:spTree>
+      <p:nvGrpSpPr>
+        <p:cNvPr id="1" name=""/>
+        <p:cNvGrpSpPr/>
+        <p:nvPr/>
+      </p:nvGrpSpPr>
+      <p:grpSpPr>
+        <a:xfrm>
+          <a:off x="0" y="0"/>
+          <a:ext cx="0" cy="0"/>
+          <a:chOff x="0" y="0"/>
+          <a:chExt cx="0" cy="0"/>
+        </a:xfrm>
+      </p:grpSpPr>
+      <p:cxnSp>
+        <p:nvCxnSpPr>
+          <p:cNvPr id="7" name="직선 연결선 6"/>
+          <p:cNvCxnSpPr/>
+          <p:nvPr/>
+        </p:nvCxnSpPr>
+        <p:spPr>
+          <a:xfrm>
+            <a:off x="0" y="683316"/>
+            <a:ext cx="3657600" cy="0"/>
+          </a:xfrm>
+          <a:prstGeom prst="line">
+            <a:avLst/>
+          </a:prstGeom>
+          <a:ln w="28575">
+            <a:solidFill>
+              <a:srgbClr val="ED553B"/>
+            </a:solidFill>
+            <a:tailEnd type="oval" w="lg" len="lg"/>
+          </a:ln>
+        </p:spPr>
+        <p:style>
+          <a:lnRef idx="1">
+            <a:schemeClr val="accent1"/>
+          </a:lnRef>
+          <a:fillRef idx="0">
+            <a:schemeClr val="accent1"/>
+          </a:fillRef>
+          <a:effectRef idx="0">
+            <a:schemeClr val="accent1"/>
+          </a:effectRef>
+          <a:fontRef idx="minor">
+            <a:schemeClr val="tx1"/>
+          </a:fontRef>
+        </p:style>
+      </p:cxnSp>
+      <p:sp>
+        <p:nvSpPr>
+          <p:cNvPr id="9" name="TextBox 8"/>
+          <p:cNvSpPr txBox="1"/>
+          <p:nvPr/>
+        </p:nvSpPr>
+        <p:spPr>
+          <a:xfrm>
+            <a:off x="322413" y="140957"/>
+            <a:ext cx="5552787" cy="400110"/>
+          </a:xfrm>
+          <a:prstGeom prst="rect">
+            <a:avLst/>
+          </a:prstGeom>
+          <a:noFill/>
+        </p:spPr>
+        <p:txBody>
+          <a:bodyPr wrap="square" rtlCol="0">
+            <a:spAutoFit/>
+          </a:bodyPr>
+          <a:lstStyle/>
+          <a:p>
+            <a:r>
+              <a:rPr lang="en-US" altLang="ko-KR" sz="2000" smtClean="0">
+                <a:ln>
+                  <a:solidFill>
+                    <a:schemeClr val="tx1">
+                      <a:alpha val="29000"/>
+                    </a:schemeClr>
+                  </a:solidFill>
+                </a:ln>
+                <a:latin typeface="+mn-ea"/>
+                <a:cs typeface="맑은 고딕 Semilight" panose="020B0502040204020203" pitchFamily="50" charset="-127"/>
+              </a:rPr>
+              <a:t>JavaScript</a:t>
+            </a:r>
+            <a:r>
+              <a:rPr lang="ko-KR" altLang="en-US" sz="2000" smtClean="0">
+                <a:ln>
+                  <a:solidFill>
+                    <a:schemeClr val="tx1">
+                      <a:alpha val="29000"/>
+                    </a:schemeClr>
+                  </a:solidFill>
+                </a:ln>
+                <a:latin typeface="+mn-ea"/>
+                <a:cs typeface="맑은 고딕 Semilight" panose="020B0502040204020203" pitchFamily="50" charset="-127"/>
+              </a:rPr>
+              <a:t>의 변수와 타입</a:t>
+            </a:r>
+            <a:endParaRPr lang="en-US" altLang="ko-KR" sz="2000" dirty="0">
+              <a:ln>
+                <a:solidFill>
+                  <a:schemeClr val="tx1">
+                    <a:alpha val="29000"/>
+                  </a:schemeClr>
+                </a:solidFill>
+              </a:ln>
+              <a:latin typeface="+mn-ea"/>
+              <a:cs typeface="맑은 고딕 Semilight" panose="020B0502040204020203" pitchFamily="50" charset="-127"/>
+            </a:endParaRPr>
+          </a:p>
+        </p:txBody>
+      </p:sp>
+      <p:sp>
+        <p:nvSpPr>
+          <p:cNvPr id="74" name="TextBox 73"/>
+          <p:cNvSpPr txBox="1"/>
+          <p:nvPr/>
+        </p:nvSpPr>
+        <p:spPr>
+          <a:xfrm>
+            <a:off x="267599" y="825566"/>
+            <a:ext cx="9578660" cy="2769989"/>
+          </a:xfrm>
+          <a:prstGeom prst="rect">
+            <a:avLst/>
+          </a:prstGeom>
+          <a:noFill/>
+        </p:spPr>
+        <p:txBody>
+          <a:bodyPr wrap="square" rtlCol="0">
+            <a:spAutoFit/>
+          </a:bodyPr>
+          <a:lstStyle/>
+          <a:p>
+            <a:pPr marL="285750" indent="-285750">
+              <a:lnSpc>
+                <a:spcPct val="150000"/>
+              </a:lnSpc>
+              <a:buFont typeface="Arial" panose="020B0604020202020204" pitchFamily="34" charset="0"/>
+              <a:buChar char="•"/>
+            </a:pPr>
+            <a:r>
+              <a:rPr lang="ko-KR" altLang="en-US" sz="1800">
+                <a:ln>
+                  <a:solidFill>
+                    <a:schemeClr val="tx1">
+                      <a:alpha val="29000"/>
+                    </a:schemeClr>
+                  </a:solidFill>
+                </a:ln>
+                <a:latin typeface="+mn-ea"/>
+                <a:cs typeface="맑은 고딕 Semilight" panose="020B0502040204020203" pitchFamily="50" charset="-127"/>
+                <a:sym typeface="Wingdings" panose="05000000000000000000" pitchFamily="2" charset="2"/>
+              </a:rPr>
+              <a:t>자바스크립트 변수의 </a:t>
+            </a:r>
+            <a:r>
+              <a:rPr lang="ko-KR" altLang="en-US" sz="1800" smtClean="0">
+                <a:ln>
+                  <a:solidFill>
+                    <a:schemeClr val="tx1">
+                      <a:alpha val="29000"/>
+                    </a:schemeClr>
+                  </a:solidFill>
+                </a:ln>
+                <a:latin typeface="+mn-ea"/>
+                <a:cs typeface="맑은 고딕 Semilight" panose="020B0502040204020203" pitchFamily="50" charset="-127"/>
+                <a:sym typeface="Wingdings" panose="05000000000000000000" pitchFamily="2" charset="2"/>
+              </a:rPr>
+              <a:t>묵시적 </a:t>
+            </a:r>
+            <a:r>
+              <a:rPr lang="ko-KR" altLang="en-US" sz="1800">
+                <a:ln>
+                  <a:solidFill>
+                    <a:schemeClr val="tx1">
+                      <a:alpha val="29000"/>
+                    </a:schemeClr>
+                  </a:solidFill>
+                </a:ln>
+                <a:latin typeface="+mn-ea"/>
+                <a:cs typeface="맑은 고딕 Semilight" panose="020B0502040204020203" pitchFamily="50" charset="-127"/>
+                <a:sym typeface="Wingdings" panose="05000000000000000000" pitchFamily="2" charset="2"/>
+              </a:rPr>
+              <a:t>타입 </a:t>
+            </a:r>
+            <a:r>
+              <a:rPr lang="ko-KR" altLang="en-US" sz="1800" smtClean="0">
+                <a:ln>
+                  <a:solidFill>
+                    <a:schemeClr val="tx1">
+                      <a:alpha val="29000"/>
+                    </a:schemeClr>
+                  </a:solidFill>
+                </a:ln>
+                <a:latin typeface="+mn-ea"/>
+                <a:cs typeface="맑은 고딕 Semilight" panose="020B0502040204020203" pitchFamily="50" charset="-127"/>
+                <a:sym typeface="Wingdings" panose="05000000000000000000" pitchFamily="2" charset="2"/>
+              </a:rPr>
+              <a:t>변환 </a:t>
+            </a:r>
+            <a:r>
+              <a:rPr lang="en-US" altLang="ko-KR" sz="1800" smtClean="0">
+                <a:ln>
+                  <a:solidFill>
+                    <a:schemeClr val="tx1">
+                      <a:alpha val="29000"/>
+                    </a:schemeClr>
+                  </a:solidFill>
+                </a:ln>
+                <a:latin typeface="+mn-ea"/>
+                <a:cs typeface="맑은 고딕 Semilight" panose="020B0502040204020203" pitchFamily="50" charset="-127"/>
+                <a:sym typeface="Wingdings" panose="05000000000000000000" pitchFamily="2" charset="2"/>
+              </a:rPr>
+              <a:t>(</a:t>
+            </a:r>
+            <a:r>
+              <a:rPr lang="en-US" altLang="ko-KR" sz="1800">
+                <a:ln>
+                  <a:solidFill>
+                    <a:schemeClr val="tx1">
+                      <a:alpha val="29000"/>
+                    </a:schemeClr>
+                  </a:solidFill>
+                </a:ln>
+                <a:latin typeface="+mn-ea"/>
+                <a:cs typeface="맑은 고딕 Semilight" panose="020B0502040204020203" pitchFamily="50" charset="-127"/>
+                <a:sym typeface="Wingdings" panose="05000000000000000000" pitchFamily="2" charset="2"/>
+              </a:rPr>
+              <a:t>implicit type conversion)</a:t>
+            </a:r>
+            <a:endParaRPr lang="en-US" altLang="ko-KR" sz="1800" dirty="0">
+              <a:ln>
+                <a:solidFill>
+                  <a:schemeClr val="tx1">
+                    <a:alpha val="29000"/>
+                  </a:schemeClr>
+                </a:solidFill>
+              </a:ln>
+              <a:latin typeface="+mn-ea"/>
+              <a:cs typeface="맑은 고딕 Semilight" panose="020B0502040204020203" pitchFamily="50" charset="-127"/>
+              <a:sym typeface="Wingdings" panose="05000000000000000000" pitchFamily="2" charset="2"/>
+            </a:endParaRPr>
+          </a:p>
+          <a:p>
+            <a:pPr marL="449263" lvl="1" indent="-182563">
+              <a:lnSpc>
+                <a:spcPct val="150000"/>
+              </a:lnSpc>
+              <a:buFontTx/>
+              <a:buChar char="-"/>
+              <a:tabLst>
+                <a:tab pos="182563" algn="l"/>
+                <a:tab pos="449263" algn="l"/>
+              </a:tabLst>
+            </a:pPr>
+            <a:r>
+              <a:rPr lang="ko-KR" altLang="en-US" sz="1400">
+                <a:ln>
+                  <a:solidFill>
+                    <a:schemeClr val="tx1">
+                      <a:alpha val="29000"/>
+                    </a:schemeClr>
+                  </a:solidFill>
+                </a:ln>
+                <a:latin typeface="+mn-ea"/>
+                <a:cs typeface="맑은 고딕 Semilight" panose="020B0502040204020203" pitchFamily="50" charset="-127"/>
+              </a:rPr>
+              <a:t>자바스크립트는 특정 타입의 값을 기대하는 곳에 다른 타입의 값이 오면</a:t>
+            </a:r>
+            <a:r>
+              <a:rPr lang="en-US" altLang="ko-KR" sz="1400">
+                <a:ln>
+                  <a:solidFill>
+                    <a:schemeClr val="tx1">
+                      <a:alpha val="29000"/>
+                    </a:schemeClr>
+                  </a:solidFill>
+                </a:ln>
+                <a:latin typeface="+mn-ea"/>
+                <a:cs typeface="맑은 고딕 Semilight" panose="020B0502040204020203" pitchFamily="50" charset="-127"/>
+              </a:rPr>
+              <a:t>, </a:t>
+            </a:r>
+            <a:r>
+              <a:rPr lang="en-US" altLang="ko-KR" sz="1400" smtClean="0">
+                <a:ln>
+                  <a:solidFill>
+                    <a:schemeClr val="tx1">
+                      <a:alpha val="29000"/>
+                    </a:schemeClr>
+                  </a:solidFill>
+                </a:ln>
+                <a:latin typeface="+mn-ea"/>
+                <a:cs typeface="맑은 고딕 Semilight" panose="020B0502040204020203" pitchFamily="50" charset="-127"/>
+              </a:rPr>
+              <a:t/>
+            </a:r>
+            <a:br>
+              <a:rPr lang="en-US" altLang="ko-KR" sz="1400" smtClean="0">
+                <a:ln>
+                  <a:solidFill>
+                    <a:schemeClr val="tx1">
+                      <a:alpha val="29000"/>
+                    </a:schemeClr>
+                  </a:solidFill>
+                </a:ln>
+                <a:latin typeface="+mn-ea"/>
+                <a:cs typeface="맑은 고딕 Semilight" panose="020B0502040204020203" pitchFamily="50" charset="-127"/>
+              </a:rPr>
+            </a:br>
+            <a:r>
+              <a:rPr lang="en-US" altLang="ko-KR" sz="1400" smtClean="0">
+                <a:ln>
+                  <a:solidFill>
+                    <a:schemeClr val="tx1">
+                      <a:alpha val="29000"/>
+                    </a:schemeClr>
+                  </a:solidFill>
+                </a:ln>
+                <a:latin typeface="+mn-ea"/>
+                <a:cs typeface="맑은 고딕 Semilight" panose="020B0502040204020203" pitchFamily="50" charset="-127"/>
+              </a:rPr>
+              <a:t> </a:t>
+            </a:r>
+            <a:r>
+              <a:rPr lang="ko-KR" altLang="en-US" sz="1400" smtClean="0">
+                <a:ln>
+                  <a:solidFill>
+                    <a:schemeClr val="tx1">
+                      <a:alpha val="29000"/>
+                    </a:schemeClr>
+                  </a:solidFill>
+                </a:ln>
+                <a:latin typeface="+mn-ea"/>
+                <a:cs typeface="맑은 고딕 Semilight" panose="020B0502040204020203" pitchFamily="50" charset="-127"/>
+              </a:rPr>
+              <a:t>자동으로 </a:t>
+            </a:r>
+            <a:r>
+              <a:rPr lang="ko-KR" altLang="en-US" sz="1400">
+                <a:ln>
+                  <a:solidFill>
+                    <a:schemeClr val="tx1">
+                      <a:alpha val="29000"/>
+                    </a:schemeClr>
+                  </a:solidFill>
+                </a:ln>
+                <a:latin typeface="+mn-ea"/>
+                <a:cs typeface="맑은 고딕 Semilight" panose="020B0502040204020203" pitchFamily="50" charset="-127"/>
+              </a:rPr>
+              <a:t>타입을 </a:t>
+            </a:r>
+            <a:r>
+              <a:rPr lang="ko-KR" altLang="en-US" sz="1400">
+                <a:ln>
+                  <a:solidFill>
+                    <a:schemeClr val="tx1">
+                      <a:alpha val="29000"/>
+                    </a:schemeClr>
+                  </a:solidFill>
+                </a:ln>
+                <a:latin typeface="+mn-ea"/>
+                <a:cs typeface="맑은 고딕 Semilight" panose="020B0502040204020203" pitchFamily="50" charset="-127"/>
+              </a:rPr>
+              <a:t>변환하여 </a:t>
+            </a:r>
+            <a:r>
+              <a:rPr lang="ko-KR" altLang="en-US" sz="1400" smtClean="0">
+                <a:ln>
+                  <a:solidFill>
+                    <a:schemeClr val="tx1">
+                      <a:alpha val="29000"/>
+                    </a:schemeClr>
+                  </a:solidFill>
+                </a:ln>
+                <a:latin typeface="+mn-ea"/>
+                <a:cs typeface="맑은 고딕 Semilight" panose="020B0502040204020203" pitchFamily="50" charset="-127"/>
+              </a:rPr>
+              <a:t>사용</a:t>
+            </a:r>
+            <a:endParaRPr lang="en-US" altLang="ko-KR" sz="1400">
+              <a:ln>
+                <a:solidFill>
+                  <a:schemeClr val="tx1">
+                    <a:alpha val="29000"/>
+                  </a:schemeClr>
+                </a:solidFill>
+              </a:ln>
+              <a:latin typeface="+mn-ea"/>
+              <a:cs typeface="맑은 고딕 Semilight" panose="020B0502040204020203" pitchFamily="50" charset="-127"/>
+            </a:endParaRPr>
+          </a:p>
+          <a:p>
+            <a:pPr marL="449263" lvl="1" indent="-182563">
+              <a:lnSpc>
+                <a:spcPct val="150000"/>
+              </a:lnSpc>
+              <a:buFontTx/>
+              <a:buChar char="-"/>
+              <a:tabLst>
+                <a:tab pos="182563" algn="l"/>
+                <a:tab pos="449263" algn="l"/>
+              </a:tabLst>
+            </a:pPr>
+            <a:r>
+              <a:rPr lang="ko-KR" altLang="en-US" sz="1400">
+                <a:ln>
+                  <a:solidFill>
+                    <a:schemeClr val="tx1">
+                      <a:alpha val="29000"/>
+                    </a:schemeClr>
+                  </a:solidFill>
+                </a:ln>
+                <a:latin typeface="+mn-ea"/>
+                <a:cs typeface="맑은 고딕 Semilight" panose="020B0502040204020203" pitchFamily="50" charset="-127"/>
+              </a:rPr>
+              <a:t>즉</a:t>
+            </a:r>
+            <a:r>
+              <a:rPr lang="en-US" altLang="ko-KR" sz="1400">
+                <a:ln>
+                  <a:solidFill>
+                    <a:schemeClr val="tx1">
+                      <a:alpha val="29000"/>
+                    </a:schemeClr>
+                  </a:solidFill>
+                </a:ln>
+                <a:latin typeface="+mn-ea"/>
+                <a:cs typeface="맑은 고딕 Semilight" panose="020B0502040204020203" pitchFamily="50" charset="-127"/>
+              </a:rPr>
+              <a:t>, </a:t>
+            </a:r>
+            <a:r>
+              <a:rPr lang="ko-KR" altLang="en-US" sz="1400">
+                <a:ln>
+                  <a:solidFill>
+                    <a:schemeClr val="tx1">
+                      <a:alpha val="29000"/>
+                    </a:schemeClr>
+                  </a:solidFill>
+                </a:ln>
+                <a:latin typeface="+mn-ea"/>
+                <a:cs typeface="맑은 고딕 Semilight" panose="020B0502040204020203" pitchFamily="50" charset="-127"/>
+              </a:rPr>
+              <a:t>문자열 값이 오길 기대하는 곳에 </a:t>
+            </a:r>
+            <a:r>
+              <a:rPr lang="ko-KR" altLang="en-US" sz="1400">
+                <a:ln>
+                  <a:solidFill>
+                    <a:schemeClr val="tx1">
+                      <a:alpha val="29000"/>
+                    </a:schemeClr>
+                  </a:solidFill>
+                </a:ln>
+                <a:latin typeface="+mn-ea"/>
+                <a:cs typeface="맑은 고딕 Semilight" panose="020B0502040204020203" pitchFamily="50" charset="-127"/>
+              </a:rPr>
+              <a:t>숫자가 </a:t>
+            </a:r>
+            <a:r>
+              <a:rPr lang="ko-KR" altLang="en-US" sz="1400" smtClean="0">
+                <a:ln>
+                  <a:solidFill>
+                    <a:schemeClr val="tx1">
+                      <a:alpha val="29000"/>
+                    </a:schemeClr>
+                  </a:solidFill>
+                </a:ln>
+                <a:latin typeface="+mn-ea"/>
+                <a:cs typeface="맑은 고딕 Semilight" panose="020B0502040204020203" pitchFamily="50" charset="-127"/>
+              </a:rPr>
+              <a:t>오더라도</a:t>
+            </a:r>
+            <a:r>
+              <a:rPr lang="en-US" altLang="ko-KR" sz="1400" smtClean="0">
+                <a:ln>
+                  <a:solidFill>
+                    <a:schemeClr val="tx1">
+                      <a:alpha val="29000"/>
+                    </a:schemeClr>
+                  </a:solidFill>
+                </a:ln>
+                <a:latin typeface="+mn-ea"/>
+                <a:cs typeface="맑은 고딕 Semilight" panose="020B0502040204020203" pitchFamily="50" charset="-127"/>
+              </a:rPr>
+              <a:t/>
+            </a:r>
+            <a:br>
+              <a:rPr lang="en-US" altLang="ko-KR" sz="1400" smtClean="0">
+                <a:ln>
+                  <a:solidFill>
+                    <a:schemeClr val="tx1">
+                      <a:alpha val="29000"/>
+                    </a:schemeClr>
+                  </a:solidFill>
+                </a:ln>
+                <a:latin typeface="+mn-ea"/>
+                <a:cs typeface="맑은 고딕 Semilight" panose="020B0502040204020203" pitchFamily="50" charset="-127"/>
+              </a:rPr>
+            </a:br>
+            <a:r>
+              <a:rPr lang="ko-KR" altLang="en-US" sz="1400" smtClean="0">
+                <a:ln>
+                  <a:solidFill>
+                    <a:schemeClr val="tx1">
+                      <a:alpha val="29000"/>
+                    </a:schemeClr>
+                  </a:solidFill>
+                </a:ln>
+                <a:latin typeface="+mn-ea"/>
+                <a:cs typeface="맑은 고딕 Semilight" panose="020B0502040204020203" pitchFamily="50" charset="-127"/>
+              </a:rPr>
+              <a:t> </a:t>
+            </a:r>
+            <a:r>
+              <a:rPr lang="ko-KR" altLang="en-US" sz="1400">
+                <a:ln>
+                  <a:solidFill>
+                    <a:schemeClr val="tx1">
+                      <a:alpha val="29000"/>
+                    </a:schemeClr>
+                  </a:solidFill>
+                </a:ln>
+                <a:latin typeface="+mn-ea"/>
+                <a:cs typeface="맑은 고딕 Semilight" panose="020B0502040204020203" pitchFamily="50" charset="-127"/>
+              </a:rPr>
+              <a:t>자바스크립트는 알아서 숫자를 문자열로 </a:t>
+            </a:r>
+            <a:r>
+              <a:rPr lang="ko-KR" altLang="en-US" sz="1400">
+                <a:ln>
+                  <a:solidFill>
+                    <a:schemeClr val="tx1">
+                      <a:alpha val="29000"/>
+                    </a:schemeClr>
+                  </a:solidFill>
+                </a:ln>
+                <a:latin typeface="+mn-ea"/>
+                <a:cs typeface="맑은 고딕 Semilight" panose="020B0502040204020203" pitchFamily="50" charset="-127"/>
+              </a:rPr>
+              <a:t>변환하여 </a:t>
+            </a:r>
+            <a:r>
+              <a:rPr lang="ko-KR" altLang="en-US" sz="1400" smtClean="0">
+                <a:ln>
+                  <a:solidFill>
+                    <a:schemeClr val="tx1">
+                      <a:alpha val="29000"/>
+                    </a:schemeClr>
+                  </a:solidFill>
+                </a:ln>
+                <a:latin typeface="+mn-ea"/>
+                <a:cs typeface="맑은 고딕 Semilight" panose="020B0502040204020203" pitchFamily="50" charset="-127"/>
+              </a:rPr>
+              <a:t>사용</a:t>
+            </a:r>
+            <a:endParaRPr lang="en-US" altLang="ko-KR" sz="1400" smtClean="0">
+              <a:ln>
+                <a:solidFill>
+                  <a:schemeClr val="tx1">
+                    <a:alpha val="29000"/>
+                  </a:schemeClr>
+                </a:solidFill>
+              </a:ln>
+              <a:latin typeface="+mn-ea"/>
+              <a:cs typeface="맑은 고딕 Semilight" panose="020B0502040204020203" pitchFamily="50" charset="-127"/>
+            </a:endParaRPr>
+          </a:p>
+          <a:p>
+            <a:pPr marL="449263" lvl="1" indent="-182563">
+              <a:lnSpc>
+                <a:spcPct val="150000"/>
+              </a:lnSpc>
+              <a:buFontTx/>
+              <a:buChar char="-"/>
+              <a:tabLst>
+                <a:tab pos="182563" algn="l"/>
+                <a:tab pos="449263" algn="l"/>
+              </a:tabLst>
+            </a:pPr>
+            <a:r>
+              <a:rPr lang="ko-KR" altLang="en-US" sz="1400" smtClean="0">
+                <a:ln>
+                  <a:solidFill>
+                    <a:schemeClr val="tx1">
+                      <a:alpha val="29000"/>
+                    </a:schemeClr>
+                  </a:solidFill>
+                </a:ln>
+                <a:latin typeface="+mn-ea"/>
+                <a:cs typeface="맑은 고딕 Semilight" panose="020B0502040204020203" pitchFamily="50" charset="-127"/>
+              </a:rPr>
+              <a:t>아래의 </a:t>
+            </a:r>
+            <a:r>
+              <a:rPr lang="ko-KR" altLang="en-US" sz="1400">
+                <a:ln>
+                  <a:solidFill>
+                    <a:schemeClr val="tx1">
+                      <a:alpha val="29000"/>
+                    </a:schemeClr>
+                  </a:solidFill>
+                </a:ln>
+                <a:latin typeface="+mn-ea"/>
+                <a:cs typeface="맑은 고딕 Semilight" panose="020B0502040204020203" pitchFamily="50" charset="-127"/>
+              </a:rPr>
+              <a:t>세 번째 예제에서 뺄셈 연산을 위해 문자열이 숫자로 변환되어야 </a:t>
+            </a:r>
+            <a:r>
+              <a:rPr lang="ko-KR" altLang="en-US" sz="1400">
+                <a:ln>
+                  <a:solidFill>
+                    <a:schemeClr val="tx1">
+                      <a:alpha val="29000"/>
+                    </a:schemeClr>
+                  </a:solidFill>
+                </a:ln>
+                <a:latin typeface="+mn-ea"/>
+                <a:cs typeface="맑은 고딕 Semilight" panose="020B0502040204020203" pitchFamily="50" charset="-127"/>
+              </a:rPr>
+              <a:t>하나</a:t>
+            </a:r>
+            <a:r>
+              <a:rPr lang="en-US" altLang="ko-KR" sz="1400" smtClean="0">
+                <a:ln>
+                  <a:solidFill>
+                    <a:schemeClr val="tx1">
+                      <a:alpha val="29000"/>
+                    </a:schemeClr>
+                  </a:solidFill>
+                </a:ln>
+                <a:latin typeface="+mn-ea"/>
+                <a:cs typeface="맑은 고딕 Semilight" panose="020B0502040204020203" pitchFamily="50" charset="-127"/>
+              </a:rPr>
+              <a:t>,</a:t>
+            </a:r>
+            <a:br>
+              <a:rPr lang="en-US" altLang="ko-KR" sz="1400" smtClean="0">
+                <a:ln>
+                  <a:solidFill>
+                    <a:schemeClr val="tx1">
+                      <a:alpha val="29000"/>
+                    </a:schemeClr>
+                  </a:solidFill>
+                </a:ln>
+                <a:latin typeface="+mn-ea"/>
+                <a:cs typeface="맑은 고딕 Semilight" panose="020B0502040204020203" pitchFamily="50" charset="-127"/>
+              </a:rPr>
+            </a:br>
+            <a:r>
+              <a:rPr lang="en-US" altLang="ko-KR" sz="1400" smtClean="0">
+                <a:ln>
+                  <a:solidFill>
+                    <a:schemeClr val="tx1">
+                      <a:alpha val="29000"/>
+                    </a:schemeClr>
+                  </a:solidFill>
+                </a:ln>
+                <a:latin typeface="+mn-ea"/>
+                <a:cs typeface="맑은 고딕 Semilight" panose="020B0502040204020203" pitchFamily="50" charset="-127"/>
+              </a:rPr>
+              <a:t> </a:t>
+            </a:r>
+            <a:r>
+              <a:rPr lang="ko-KR" altLang="en-US" sz="1400">
+                <a:ln>
+                  <a:solidFill>
+                    <a:schemeClr val="tx1">
+                      <a:alpha val="29000"/>
+                    </a:schemeClr>
+                  </a:solidFill>
+                </a:ln>
+                <a:latin typeface="+mn-ea"/>
+                <a:cs typeface="맑은 고딕 Semilight" panose="020B0502040204020203" pitchFamily="50" charset="-127"/>
+              </a:rPr>
+              <a:t>해당 문자열은 두 번째 예제의 문자열과는 달리 숫자로 변환될 수 </a:t>
+            </a:r>
+            <a:r>
+              <a:rPr lang="ko-KR" altLang="en-US" sz="1400">
+                <a:ln>
+                  <a:solidFill>
+                    <a:schemeClr val="tx1">
+                      <a:alpha val="29000"/>
+                    </a:schemeClr>
+                  </a:solidFill>
+                </a:ln>
+                <a:latin typeface="+mn-ea"/>
+                <a:cs typeface="맑은 고딕 Semilight" panose="020B0502040204020203" pitchFamily="50" charset="-127"/>
+              </a:rPr>
+              <a:t>없는 </a:t>
+            </a:r>
+            <a:r>
+              <a:rPr lang="ko-KR" altLang="en-US" sz="1400" smtClean="0">
+                <a:ln>
+                  <a:solidFill>
+                    <a:schemeClr val="tx1">
+                      <a:alpha val="29000"/>
+                    </a:schemeClr>
+                  </a:solidFill>
+                </a:ln>
+                <a:latin typeface="+mn-ea"/>
+                <a:cs typeface="맑은 고딕 Semilight" panose="020B0502040204020203" pitchFamily="50" charset="-127"/>
+              </a:rPr>
+              <a:t>문자열</a:t>
+            </a:r>
+            <a:r>
+              <a:rPr lang="en-US" altLang="ko-KR" sz="1400" smtClean="0">
+                <a:ln>
+                  <a:solidFill>
+                    <a:schemeClr val="tx1">
+                      <a:alpha val="29000"/>
+                    </a:schemeClr>
+                  </a:solidFill>
+                </a:ln>
+                <a:latin typeface="+mn-ea"/>
+                <a:cs typeface="맑은 고딕 Semilight" panose="020B0502040204020203" pitchFamily="50" charset="-127"/>
+              </a:rPr>
+              <a:t/>
+            </a:r>
+            <a:br>
+              <a:rPr lang="en-US" altLang="ko-KR" sz="1400" smtClean="0">
+                <a:ln>
+                  <a:solidFill>
+                    <a:schemeClr val="tx1">
+                      <a:alpha val="29000"/>
+                    </a:schemeClr>
+                  </a:solidFill>
+                </a:ln>
+                <a:latin typeface="+mn-ea"/>
+                <a:cs typeface="맑은 고딕 Semilight" panose="020B0502040204020203" pitchFamily="50" charset="-127"/>
+              </a:rPr>
+            </a:br>
+            <a:r>
+              <a:rPr lang="en-US" altLang="ko-KR" sz="1400" smtClean="0">
+                <a:ln>
+                  <a:solidFill>
+                    <a:schemeClr val="tx1">
+                      <a:alpha val="29000"/>
+                    </a:schemeClr>
+                  </a:solidFill>
+                </a:ln>
+                <a:latin typeface="+mn-ea"/>
+                <a:cs typeface="맑은 고딕 Semilight" panose="020B0502040204020203" pitchFamily="50" charset="-127"/>
+              </a:rPr>
+              <a:t> </a:t>
+            </a:r>
+            <a:r>
+              <a:rPr lang="en-US" altLang="ko-KR" sz="1400" smtClean="0">
+                <a:ln>
+                  <a:solidFill>
+                    <a:schemeClr val="tx1">
+                      <a:alpha val="29000"/>
+                    </a:schemeClr>
+                  </a:solidFill>
+                </a:ln>
+                <a:latin typeface="+mn-ea"/>
+                <a:cs typeface="맑은 고딕 Semilight" panose="020B0502040204020203" pitchFamily="50" charset="-127"/>
+                <a:sym typeface="Wingdings" panose="05000000000000000000" pitchFamily="2" charset="2"/>
+              </a:rPr>
+              <a:t> </a:t>
+            </a:r>
+            <a:r>
+              <a:rPr lang="ko-KR" altLang="en-US" sz="1400" smtClean="0">
+                <a:ln>
+                  <a:solidFill>
+                    <a:schemeClr val="tx1">
+                      <a:alpha val="29000"/>
+                    </a:schemeClr>
+                  </a:solidFill>
+                </a:ln>
+                <a:latin typeface="+mn-ea"/>
+                <a:cs typeface="맑은 고딕 Semilight" panose="020B0502040204020203" pitchFamily="50" charset="-127"/>
+              </a:rPr>
+              <a:t>따라서 </a:t>
+            </a:r>
+            <a:r>
+              <a:rPr lang="ko-KR" altLang="en-US" sz="1400">
+                <a:ln>
+                  <a:solidFill>
+                    <a:schemeClr val="tx1">
+                      <a:alpha val="29000"/>
+                    </a:schemeClr>
+                  </a:solidFill>
+                </a:ln>
+                <a:latin typeface="+mn-ea"/>
+                <a:cs typeface="맑은 고딕 Semilight" panose="020B0502040204020203" pitchFamily="50" charset="-127"/>
+              </a:rPr>
+              <a:t>의미에 맞게 자동으로 타입을 변환할 수 없으므로</a:t>
+            </a:r>
+            <a:r>
+              <a:rPr lang="en-US" altLang="ko-KR" sz="1400">
+                <a:ln>
+                  <a:solidFill>
+                    <a:schemeClr val="tx1">
+                      <a:alpha val="29000"/>
+                    </a:schemeClr>
+                  </a:solidFill>
+                </a:ln>
+                <a:latin typeface="+mn-ea"/>
+                <a:cs typeface="맑은 고딕 Semilight" panose="020B0502040204020203" pitchFamily="50" charset="-127"/>
+              </a:rPr>
+              <a:t>, </a:t>
+            </a:r>
+            <a:r>
+              <a:rPr lang="ko-KR" altLang="en-US" sz="1400">
+                <a:ln>
+                  <a:solidFill>
+                    <a:schemeClr val="tx1">
+                      <a:alpha val="29000"/>
+                    </a:schemeClr>
+                  </a:solidFill>
+                </a:ln>
+                <a:latin typeface="+mn-ea"/>
+                <a:cs typeface="맑은 고딕 Semilight" panose="020B0502040204020203" pitchFamily="50" charset="-127"/>
+              </a:rPr>
+              <a:t>자바스크립트는 </a:t>
+            </a:r>
+            <a:r>
+              <a:rPr lang="en-US" altLang="ko-KR" sz="1400">
+                <a:ln>
+                  <a:solidFill>
+                    <a:schemeClr val="tx1">
+                      <a:alpha val="29000"/>
+                    </a:schemeClr>
+                  </a:solidFill>
+                </a:ln>
+                <a:latin typeface="+mn-ea"/>
+                <a:cs typeface="맑은 고딕 Semilight" panose="020B0502040204020203" pitchFamily="50" charset="-127"/>
+              </a:rPr>
+              <a:t>NaN </a:t>
+            </a:r>
+            <a:r>
+              <a:rPr lang="ko-KR" altLang="en-US" sz="1400">
+                <a:ln>
+                  <a:solidFill>
+                    <a:schemeClr val="tx1">
+                      <a:alpha val="29000"/>
+                    </a:schemeClr>
+                  </a:solidFill>
+                </a:ln>
+                <a:latin typeface="+mn-ea"/>
+                <a:cs typeface="맑은 고딕 Semilight" panose="020B0502040204020203" pitchFamily="50" charset="-127"/>
+              </a:rPr>
+              <a:t>값을 </a:t>
+            </a:r>
+            <a:r>
+              <a:rPr lang="ko-KR" altLang="en-US" sz="1400" smtClean="0">
+                <a:ln>
+                  <a:solidFill>
+                    <a:schemeClr val="tx1">
+                      <a:alpha val="29000"/>
+                    </a:schemeClr>
+                  </a:solidFill>
+                </a:ln>
+                <a:latin typeface="+mn-ea"/>
+                <a:cs typeface="맑은 고딕 Semilight" panose="020B0502040204020203" pitchFamily="50" charset="-127"/>
+              </a:rPr>
+              <a:t>반환</a:t>
+            </a:r>
+            <a:endParaRPr lang="en-US" altLang="ko-KR" sz="1400">
+              <a:ln>
+                <a:solidFill>
+                  <a:schemeClr val="tx1">
+                    <a:alpha val="29000"/>
+                  </a:schemeClr>
+                </a:solidFill>
+              </a:ln>
+              <a:latin typeface="+mn-ea"/>
+              <a:cs typeface="맑은 고딕 Semilight" panose="020B0502040204020203" pitchFamily="50" charset="-127"/>
+            </a:endParaRPr>
+          </a:p>
+        </p:txBody>
+      </p:sp>
+      <p:pic>
+        <p:nvPicPr>
+          <p:cNvPr id="3" name="그림 2"/>
+          <p:cNvPicPr>
+            <a:picLocks noChangeAspect="1"/>
+          </p:cNvPicPr>
+          <p:nvPr/>
+        </p:nvPicPr>
+        <p:blipFill>
+          <a:blip r:embed="rId3"/>
+          <a:stretch>
+            <a:fillRect/>
+          </a:stretch>
+        </p:blipFill>
+        <p:spPr>
+          <a:xfrm>
+            <a:off x="2046287" y="3737804"/>
+            <a:ext cx="6067425" cy="1152525"/>
+          </a:xfrm>
+          <a:prstGeom prst="rect">
+            <a:avLst/>
+          </a:prstGeom>
+        </p:spPr>
+      </p:pic>
+      <p:sp>
+        <p:nvSpPr>
+          <p:cNvPr id="8" name="직사각형 7"/>
+          <p:cNvSpPr/>
+          <p:nvPr/>
+        </p:nvSpPr>
+        <p:spPr>
+          <a:xfrm>
+            <a:off x="4716625" y="5402848"/>
+            <a:ext cx="5367175" cy="246221"/>
+          </a:xfrm>
+          <a:prstGeom prst="rect">
+            <a:avLst/>
+          </a:prstGeom>
+        </p:spPr>
+        <p:txBody>
+          <a:bodyPr wrap="none">
+            <a:spAutoFit/>
+          </a:bodyPr>
+          <a:lstStyle/>
+          <a:p>
+            <a:pPr algn="r"/>
+            <a:r>
+              <a:rPr lang="en-US" altLang="ko-KR" sz="1000" i="1">
+                <a:ln>
+                  <a:solidFill>
+                    <a:schemeClr val="tx1">
+                      <a:alpha val="29000"/>
+                    </a:schemeClr>
+                  </a:solidFill>
+                </a:ln>
+                <a:latin typeface="+mn-ea"/>
+                <a:cs typeface="맑은 고딕 Semilight" panose="020B0502040204020203" pitchFamily="50" charset="-127"/>
+              </a:rPr>
+              <a:t>NaN</a:t>
+            </a:r>
+            <a:r>
+              <a:rPr lang="ko-KR" altLang="en-US" sz="1000" i="1">
+                <a:ln>
+                  <a:solidFill>
+                    <a:schemeClr val="tx1">
+                      <a:alpha val="29000"/>
+                    </a:schemeClr>
+                  </a:solidFill>
+                </a:ln>
+                <a:latin typeface="+mn-ea"/>
+                <a:cs typeface="맑은 고딕 Semilight" panose="020B0502040204020203" pitchFamily="50" charset="-127"/>
+              </a:rPr>
+              <a:t>은 </a:t>
+            </a:r>
+            <a:r>
+              <a:rPr lang="en-US" altLang="ko-KR" sz="1000" i="1">
+                <a:ln>
+                  <a:solidFill>
+                    <a:schemeClr val="tx1">
+                      <a:alpha val="29000"/>
+                    </a:schemeClr>
+                  </a:solidFill>
+                </a:ln>
+                <a:latin typeface="+mn-ea"/>
+                <a:cs typeface="맑은 고딕 Semilight" panose="020B0502040204020203" pitchFamily="50" charset="-127"/>
+              </a:rPr>
+              <a:t>Not a Number</a:t>
+            </a:r>
+            <a:r>
+              <a:rPr lang="ko-KR" altLang="en-US" sz="1000" i="1">
+                <a:ln>
+                  <a:solidFill>
+                    <a:schemeClr val="tx1">
+                      <a:alpha val="29000"/>
+                    </a:schemeClr>
+                  </a:solidFill>
+                </a:ln>
+                <a:latin typeface="+mn-ea"/>
+                <a:cs typeface="맑은 고딕 Semilight" panose="020B0502040204020203" pitchFamily="50" charset="-127"/>
+              </a:rPr>
+              <a:t>의 축약형으로</a:t>
+            </a:r>
+            <a:r>
+              <a:rPr lang="en-US" altLang="ko-KR" sz="1000" i="1">
+                <a:ln>
+                  <a:solidFill>
+                    <a:schemeClr val="tx1">
+                      <a:alpha val="29000"/>
+                    </a:schemeClr>
+                  </a:solidFill>
+                </a:ln>
+                <a:latin typeface="+mn-ea"/>
+                <a:cs typeface="맑은 고딕 Semilight" panose="020B0502040204020203" pitchFamily="50" charset="-127"/>
+              </a:rPr>
+              <a:t>, </a:t>
+            </a:r>
+            <a:r>
+              <a:rPr lang="ko-KR" altLang="en-US" sz="1000" i="1">
+                <a:ln>
+                  <a:solidFill>
+                    <a:schemeClr val="tx1">
+                      <a:alpha val="29000"/>
+                    </a:schemeClr>
+                  </a:solidFill>
+                </a:ln>
+                <a:latin typeface="+mn-ea"/>
+                <a:cs typeface="맑은 고딕 Semilight" panose="020B0502040204020203" pitchFamily="50" charset="-127"/>
+              </a:rPr>
+              <a:t>정의되지 않은 값이나 표현할 수 없는 값이라는 의미</a:t>
+            </a:r>
+            <a:endParaRPr lang="ko-KR" altLang="en-US" sz="1000" i="1"/>
+          </a:p>
+        </p:txBody>
+      </p:sp>
+    </p:spTree>
+    <p:extLst>
+      <p:ext uri="{BB962C8B-B14F-4D97-AF65-F5344CB8AC3E}">
+        <p14:creationId xmlns:p14="http://schemas.microsoft.com/office/powerpoint/2010/main" val="4074079532"/>
+      </p:ext>
+    </p:extLst>
+  </p:cSld>
+  <p:clrMapOvr>
+    <a:masterClrMapping/>
+  </p:clrMapOvr>
+  <p:timing>
+    <p:tnLst>
+      <p:par>
+        <p:cTn id="1" dur="indefinite" restart="never" nodeType="tmRoot"/>
+      </p:par>
+    </p:tnLst>
+  </p:timing>
+</p:sld>
+</file>
+
+<file path=ppt/slides/slide19.xml><?xml version="1.0" encoding="utf-8"?>
+<p:sld xmlns:a="http://schemas.openxmlformats.org/drawingml/2006/main" xmlns:r="http://schemas.openxmlformats.org/officeDocument/2006/relationships" xmlns:p="http://schemas.openxmlformats.org/presentationml/2006/main">
+  <p:cSld>
+    <p:spTree>
+      <p:nvGrpSpPr>
+        <p:cNvPr id="1" name=""/>
+        <p:cNvGrpSpPr/>
+        <p:nvPr/>
+      </p:nvGrpSpPr>
+      <p:grpSpPr>
+        <a:xfrm>
+          <a:off x="0" y="0"/>
+          <a:ext cx="0" cy="0"/>
+          <a:chOff x="0" y="0"/>
+          <a:chExt cx="0" cy="0"/>
+        </a:xfrm>
+      </p:grpSpPr>
+      <p:cxnSp>
+        <p:nvCxnSpPr>
+          <p:cNvPr id="7" name="직선 연결선 6"/>
+          <p:cNvCxnSpPr/>
+          <p:nvPr/>
+        </p:nvCxnSpPr>
+        <p:spPr>
+          <a:xfrm>
+            <a:off x="0" y="683316"/>
+            <a:ext cx="3657600" cy="0"/>
+          </a:xfrm>
+          <a:prstGeom prst="line">
+            <a:avLst/>
+          </a:prstGeom>
+          <a:ln w="28575">
+            <a:solidFill>
+              <a:srgbClr val="ED553B"/>
+            </a:solidFill>
+            <a:tailEnd type="oval" w="lg" len="lg"/>
+          </a:ln>
+        </p:spPr>
+        <p:style>
+          <a:lnRef idx="1">
+            <a:schemeClr val="accent1"/>
+          </a:lnRef>
+          <a:fillRef idx="0">
+            <a:schemeClr val="accent1"/>
+          </a:fillRef>
+          <a:effectRef idx="0">
+            <a:schemeClr val="accent1"/>
+          </a:effectRef>
+          <a:fontRef idx="minor">
+            <a:schemeClr val="tx1"/>
+          </a:fontRef>
+        </p:style>
+      </p:cxnSp>
+      <p:sp>
+        <p:nvSpPr>
+          <p:cNvPr id="9" name="TextBox 8"/>
+          <p:cNvSpPr txBox="1"/>
+          <p:nvPr/>
+        </p:nvSpPr>
+        <p:spPr>
+          <a:xfrm>
+            <a:off x="322413" y="140957"/>
+            <a:ext cx="5552787" cy="400110"/>
+          </a:xfrm>
+          <a:prstGeom prst="rect">
+            <a:avLst/>
+          </a:prstGeom>
+          <a:noFill/>
+        </p:spPr>
+        <p:txBody>
+          <a:bodyPr wrap="square" rtlCol="0">
+            <a:spAutoFit/>
+          </a:bodyPr>
+          <a:lstStyle/>
+          <a:p>
+            <a:r>
+              <a:rPr lang="en-US" altLang="ko-KR" sz="2000" smtClean="0">
+                <a:ln>
+                  <a:solidFill>
+                    <a:schemeClr val="tx1">
+                      <a:alpha val="29000"/>
+                    </a:schemeClr>
+                  </a:solidFill>
+                </a:ln>
+                <a:latin typeface="+mn-ea"/>
+                <a:cs typeface="맑은 고딕 Semilight" panose="020B0502040204020203" pitchFamily="50" charset="-127"/>
+              </a:rPr>
+              <a:t>JavaScript</a:t>
+            </a:r>
+            <a:r>
+              <a:rPr lang="ko-KR" altLang="en-US" sz="2000" smtClean="0">
+                <a:ln>
+                  <a:solidFill>
+                    <a:schemeClr val="tx1">
+                      <a:alpha val="29000"/>
+                    </a:schemeClr>
+                  </a:solidFill>
+                </a:ln>
+                <a:latin typeface="+mn-ea"/>
+                <a:cs typeface="맑은 고딕 Semilight" panose="020B0502040204020203" pitchFamily="50" charset="-127"/>
+              </a:rPr>
+              <a:t>의 변수와 타입</a:t>
+            </a:r>
+            <a:endParaRPr lang="en-US" altLang="ko-KR" sz="2000" dirty="0">
+              <a:ln>
+                <a:solidFill>
+                  <a:schemeClr val="tx1">
+                    <a:alpha val="29000"/>
+                  </a:schemeClr>
+                </a:solidFill>
+              </a:ln>
+              <a:latin typeface="+mn-ea"/>
+              <a:cs typeface="맑은 고딕 Semilight" panose="020B0502040204020203" pitchFamily="50" charset="-127"/>
+            </a:endParaRPr>
+          </a:p>
+        </p:txBody>
+      </p:sp>
+      <p:sp>
+        <p:nvSpPr>
+          <p:cNvPr id="74" name="TextBox 73"/>
+          <p:cNvSpPr txBox="1"/>
+          <p:nvPr/>
+        </p:nvSpPr>
+        <p:spPr>
+          <a:xfrm>
+            <a:off x="267599" y="825566"/>
+            <a:ext cx="9578660" cy="3139321"/>
+          </a:xfrm>
+          <a:prstGeom prst="rect">
+            <a:avLst/>
+          </a:prstGeom>
+          <a:noFill/>
+        </p:spPr>
+        <p:txBody>
+          <a:bodyPr wrap="square" rtlCol="0">
+            <a:spAutoFit/>
+          </a:bodyPr>
+          <a:lstStyle/>
+          <a:p>
+            <a:pPr marL="285750" indent="-285750">
+              <a:lnSpc>
+                <a:spcPct val="150000"/>
+              </a:lnSpc>
+              <a:buFont typeface="Arial" panose="020B0604020202020204" pitchFamily="34" charset="0"/>
+              <a:buChar char="•"/>
+            </a:pPr>
+            <a:r>
+              <a:rPr lang="ko-KR" altLang="en-US" sz="1800">
+                <a:ln>
+                  <a:solidFill>
+                    <a:schemeClr val="tx1">
+                      <a:alpha val="29000"/>
+                    </a:schemeClr>
+                  </a:solidFill>
+                </a:ln>
+                <a:latin typeface="+mn-ea"/>
+                <a:cs typeface="맑은 고딕 Semilight" panose="020B0502040204020203" pitchFamily="50" charset="-127"/>
+                <a:sym typeface="Wingdings" panose="05000000000000000000" pitchFamily="2" charset="2"/>
+              </a:rPr>
+              <a:t>자바스크립트 변수의 </a:t>
+            </a:r>
+            <a:r>
+              <a:rPr lang="ko-KR" altLang="en-US" sz="1800">
+                <a:ln>
+                  <a:solidFill>
+                    <a:schemeClr val="tx1">
+                      <a:alpha val="29000"/>
+                    </a:schemeClr>
+                  </a:solidFill>
+                </a:ln>
+                <a:latin typeface="+mn-ea"/>
+                <a:cs typeface="맑은 고딕 Semilight" panose="020B0502040204020203" pitchFamily="50" charset="-127"/>
+                <a:sym typeface="Wingdings" panose="05000000000000000000" pitchFamily="2" charset="2"/>
+              </a:rPr>
+              <a:t>명시적 타입 변환</a:t>
+            </a:r>
+            <a:r>
+              <a:rPr lang="en-US" altLang="ko-KR" sz="1800">
+                <a:ln>
+                  <a:solidFill>
+                    <a:schemeClr val="tx1">
+                      <a:alpha val="29000"/>
+                    </a:schemeClr>
+                  </a:solidFill>
+                </a:ln>
+                <a:latin typeface="+mn-ea"/>
+                <a:cs typeface="맑은 고딕 Semilight" panose="020B0502040204020203" pitchFamily="50" charset="-127"/>
+                <a:sym typeface="Wingdings" panose="05000000000000000000" pitchFamily="2" charset="2"/>
+              </a:rPr>
+              <a:t>(explicit </a:t>
+            </a:r>
+            <a:r>
+              <a:rPr lang="en-US" altLang="ko-KR" sz="1800">
+                <a:ln>
+                  <a:solidFill>
+                    <a:schemeClr val="tx1">
+                      <a:alpha val="29000"/>
+                    </a:schemeClr>
+                  </a:solidFill>
+                </a:ln>
+                <a:latin typeface="+mn-ea"/>
+                <a:cs typeface="맑은 고딕 Semilight" panose="020B0502040204020203" pitchFamily="50" charset="-127"/>
+                <a:sym typeface="Wingdings" panose="05000000000000000000" pitchFamily="2" charset="2"/>
+              </a:rPr>
+              <a:t>type </a:t>
+            </a:r>
+            <a:r>
+              <a:rPr lang="en-US" altLang="ko-KR" sz="1800" smtClean="0">
+                <a:ln>
+                  <a:solidFill>
+                    <a:schemeClr val="tx1">
+                      <a:alpha val="29000"/>
+                    </a:schemeClr>
+                  </a:solidFill>
+                </a:ln>
+                <a:latin typeface="+mn-ea"/>
+                <a:cs typeface="맑은 고딕 Semilight" panose="020B0502040204020203" pitchFamily="50" charset="-127"/>
+                <a:sym typeface="Wingdings" panose="05000000000000000000" pitchFamily="2" charset="2"/>
+              </a:rPr>
+              <a:t>conversion)</a:t>
+            </a:r>
+            <a:endParaRPr lang="en-US" altLang="ko-KR" sz="1800" dirty="0">
+              <a:ln>
+                <a:solidFill>
+                  <a:schemeClr val="tx1">
+                    <a:alpha val="29000"/>
+                  </a:schemeClr>
+                </a:solidFill>
+              </a:ln>
+              <a:latin typeface="+mn-ea"/>
+              <a:cs typeface="맑은 고딕 Semilight" panose="020B0502040204020203" pitchFamily="50" charset="-127"/>
+              <a:sym typeface="Wingdings" panose="05000000000000000000" pitchFamily="2" charset="2"/>
+            </a:endParaRPr>
+          </a:p>
+          <a:p>
+            <a:pPr marL="449263" lvl="1" indent="-182563">
+              <a:lnSpc>
+                <a:spcPct val="150000"/>
+              </a:lnSpc>
+              <a:buFontTx/>
+              <a:buChar char="-"/>
+              <a:tabLst>
+                <a:tab pos="182563" algn="l"/>
+                <a:tab pos="449263" algn="l"/>
+              </a:tabLst>
+            </a:pPr>
+            <a:r>
+              <a:rPr lang="ko-KR" altLang="en-US" sz="1400">
+                <a:ln>
+                  <a:solidFill>
+                    <a:schemeClr val="tx1">
+                      <a:alpha val="29000"/>
+                    </a:schemeClr>
+                  </a:solidFill>
+                </a:ln>
+                <a:latin typeface="+mn-ea"/>
+                <a:cs typeface="맑은 고딕 Semilight" panose="020B0502040204020203" pitchFamily="50" charset="-127"/>
+              </a:rPr>
+              <a:t>자바스크립트에서는 묵시적 타입 변환을 </a:t>
+            </a:r>
+            <a:r>
+              <a:rPr lang="ko-KR" altLang="en-US" sz="1400">
+                <a:ln>
+                  <a:solidFill>
+                    <a:schemeClr val="tx1">
+                      <a:alpha val="29000"/>
+                    </a:schemeClr>
+                  </a:solidFill>
+                </a:ln>
+                <a:latin typeface="+mn-ea"/>
+                <a:cs typeface="맑은 고딕 Semilight" panose="020B0502040204020203" pitchFamily="50" charset="-127"/>
+              </a:rPr>
+              <a:t>많이 </a:t>
+            </a:r>
+            <a:r>
+              <a:rPr lang="ko-KR" altLang="en-US" sz="1400" smtClean="0">
+                <a:ln>
+                  <a:solidFill>
+                    <a:schemeClr val="tx1">
+                      <a:alpha val="29000"/>
+                    </a:schemeClr>
+                  </a:solidFill>
+                </a:ln>
+                <a:latin typeface="+mn-ea"/>
+                <a:cs typeface="맑은 고딕 Semilight" panose="020B0502040204020203" pitchFamily="50" charset="-127"/>
+              </a:rPr>
+              <a:t>사용</a:t>
+            </a:r>
+            <a:r>
+              <a:rPr lang="en-US" altLang="ko-KR" sz="1400" smtClean="0">
+                <a:ln>
+                  <a:solidFill>
+                    <a:schemeClr val="tx1">
+                      <a:alpha val="29000"/>
+                    </a:schemeClr>
+                  </a:solidFill>
+                </a:ln>
+                <a:latin typeface="+mn-ea"/>
+                <a:cs typeface="맑은 고딕 Semilight" panose="020B0502040204020203" pitchFamily="50" charset="-127"/>
+              </a:rPr>
+              <a:t/>
+            </a:r>
+            <a:br>
+              <a:rPr lang="en-US" altLang="ko-KR" sz="1400" smtClean="0">
+                <a:ln>
+                  <a:solidFill>
+                    <a:schemeClr val="tx1">
+                      <a:alpha val="29000"/>
+                    </a:schemeClr>
+                  </a:solidFill>
+                </a:ln>
+                <a:latin typeface="+mn-ea"/>
+                <a:cs typeface="맑은 고딕 Semilight" panose="020B0502040204020203" pitchFamily="50" charset="-127"/>
+              </a:rPr>
+            </a:br>
+            <a:r>
+              <a:rPr lang="en-US" altLang="ko-KR" sz="1400" smtClean="0">
+                <a:ln>
+                  <a:solidFill>
+                    <a:schemeClr val="tx1">
+                      <a:alpha val="29000"/>
+                    </a:schemeClr>
+                  </a:solidFill>
+                </a:ln>
+                <a:latin typeface="+mn-ea"/>
+                <a:cs typeface="맑은 고딕 Semilight" panose="020B0502040204020203" pitchFamily="50" charset="-127"/>
+              </a:rPr>
+              <a:t> </a:t>
+            </a:r>
+            <a:r>
+              <a:rPr lang="en-US" altLang="ko-KR" sz="1400" smtClean="0">
+                <a:ln>
+                  <a:solidFill>
+                    <a:schemeClr val="tx1">
+                      <a:alpha val="29000"/>
+                    </a:schemeClr>
+                  </a:solidFill>
+                </a:ln>
+                <a:latin typeface="+mn-ea"/>
+                <a:cs typeface="맑은 고딕 Semilight" panose="020B0502040204020203" pitchFamily="50" charset="-127"/>
+                <a:sym typeface="Wingdings" panose="05000000000000000000" pitchFamily="2" charset="2"/>
+              </a:rPr>
+              <a:t> </a:t>
+            </a:r>
+            <a:r>
+              <a:rPr lang="ko-KR" altLang="en-US" sz="1400" smtClean="0">
+                <a:ln>
+                  <a:solidFill>
+                    <a:schemeClr val="tx1">
+                      <a:alpha val="29000"/>
+                    </a:schemeClr>
+                  </a:solidFill>
+                </a:ln>
+                <a:latin typeface="+mn-ea"/>
+                <a:cs typeface="맑은 고딕 Semilight" panose="020B0502040204020203" pitchFamily="50" charset="-127"/>
+              </a:rPr>
+              <a:t>명시적으로 </a:t>
+            </a:r>
+            <a:r>
+              <a:rPr lang="ko-KR" altLang="en-US" sz="1400">
+                <a:ln>
+                  <a:solidFill>
+                    <a:schemeClr val="tx1">
+                      <a:alpha val="29000"/>
+                    </a:schemeClr>
+                  </a:solidFill>
+                </a:ln>
+                <a:latin typeface="+mn-ea"/>
+                <a:cs typeface="맑은 고딕 Semilight" panose="020B0502040204020203" pitchFamily="50" charset="-127"/>
+              </a:rPr>
+              <a:t>타입을 변환할 </a:t>
+            </a:r>
+            <a:r>
+              <a:rPr lang="ko-KR" altLang="en-US" sz="1400">
+                <a:ln>
+                  <a:solidFill>
+                    <a:schemeClr val="tx1">
+                      <a:alpha val="29000"/>
+                    </a:schemeClr>
+                  </a:solidFill>
+                </a:ln>
+                <a:latin typeface="+mn-ea"/>
+                <a:cs typeface="맑은 고딕 Semilight" panose="020B0502040204020203" pitchFamily="50" charset="-127"/>
+              </a:rPr>
+              <a:t>방법도 </a:t>
+            </a:r>
+            <a:r>
+              <a:rPr lang="ko-KR" altLang="en-US" sz="1400" smtClean="0">
+                <a:ln>
+                  <a:solidFill>
+                    <a:schemeClr val="tx1">
+                      <a:alpha val="29000"/>
+                    </a:schemeClr>
+                  </a:solidFill>
+                </a:ln>
+                <a:latin typeface="+mn-ea"/>
+                <a:cs typeface="맑은 고딕 Semilight" panose="020B0502040204020203" pitchFamily="50" charset="-127"/>
+              </a:rPr>
+              <a:t>제공</a:t>
+            </a:r>
+            <a:endParaRPr lang="en-US" altLang="ko-KR" sz="1400">
+              <a:ln>
+                <a:solidFill>
+                  <a:schemeClr val="tx1">
+                    <a:alpha val="29000"/>
+                  </a:schemeClr>
+                </a:solidFill>
+              </a:ln>
+              <a:latin typeface="+mn-ea"/>
+              <a:cs typeface="맑은 고딕 Semilight" panose="020B0502040204020203" pitchFamily="50" charset="-127"/>
+            </a:endParaRPr>
+          </a:p>
+          <a:p>
+            <a:pPr marL="449263" lvl="1" indent="-182563">
+              <a:lnSpc>
+                <a:spcPct val="150000"/>
+              </a:lnSpc>
+              <a:buFontTx/>
+              <a:buChar char="-"/>
+              <a:tabLst>
+                <a:tab pos="182563" algn="l"/>
+                <a:tab pos="449263" algn="l"/>
+              </a:tabLst>
+            </a:pPr>
+            <a:r>
+              <a:rPr lang="ko-KR" altLang="en-US" sz="1400">
+                <a:ln>
+                  <a:solidFill>
+                    <a:schemeClr val="tx1">
+                      <a:alpha val="29000"/>
+                    </a:schemeClr>
+                  </a:solidFill>
+                </a:ln>
+                <a:latin typeface="+mn-ea"/>
+                <a:cs typeface="맑은 고딕 Semilight" panose="020B0502040204020203" pitchFamily="50" charset="-127"/>
+              </a:rPr>
+              <a:t>명시적 타입 변환을 위해 자바스크립트가 제공하는 전역 </a:t>
+            </a:r>
+            <a:r>
+              <a:rPr lang="ko-KR" altLang="en-US" sz="1400">
+                <a:ln>
+                  <a:solidFill>
+                    <a:schemeClr val="tx1">
+                      <a:alpha val="29000"/>
+                    </a:schemeClr>
+                  </a:solidFill>
+                </a:ln>
+                <a:latin typeface="+mn-ea"/>
+                <a:cs typeface="맑은 고딕 Semilight" panose="020B0502040204020203" pitchFamily="50" charset="-127"/>
+              </a:rPr>
+              <a:t>함수는 </a:t>
+            </a:r>
+            <a:r>
+              <a:rPr lang="ko-KR" altLang="en-US" sz="1400" smtClean="0">
+                <a:ln>
+                  <a:solidFill>
+                    <a:schemeClr val="tx1">
+                      <a:alpha val="29000"/>
+                    </a:schemeClr>
+                  </a:solidFill>
+                </a:ln>
+                <a:latin typeface="+mn-ea"/>
+                <a:cs typeface="맑은 고딕 Semilight" panose="020B0502040204020203" pitchFamily="50" charset="-127"/>
+              </a:rPr>
+              <a:t>아래와 같음</a:t>
+            </a:r>
+            <a:endParaRPr lang="en-US" altLang="ko-KR" sz="1400">
+              <a:ln>
+                <a:solidFill>
+                  <a:schemeClr val="tx1">
+                    <a:alpha val="29000"/>
+                  </a:schemeClr>
+                </a:solidFill>
+              </a:ln>
+              <a:latin typeface="+mn-ea"/>
+              <a:cs typeface="맑은 고딕 Semilight" panose="020B0502040204020203" pitchFamily="50" charset="-127"/>
+            </a:endParaRPr>
+          </a:p>
+          <a:p>
+            <a:pPr marL="966216" lvl="2" indent="-342900">
+              <a:lnSpc>
+                <a:spcPct val="150000"/>
+              </a:lnSpc>
+              <a:buFont typeface="+mj-lt"/>
+              <a:buAutoNum type="arabicParenR"/>
+              <a:tabLst>
+                <a:tab pos="182563" algn="l"/>
+                <a:tab pos="449263" algn="l"/>
+              </a:tabLst>
+            </a:pPr>
+            <a:r>
+              <a:rPr lang="en-US" altLang="ko-KR" sz="1200" smtClean="0">
+                <a:ln>
+                  <a:solidFill>
+                    <a:schemeClr val="tx1">
+                      <a:alpha val="29000"/>
+                    </a:schemeClr>
+                  </a:solidFill>
+                </a:ln>
+                <a:latin typeface="+mn-ea"/>
+                <a:cs typeface="맑은 고딕 Semilight" panose="020B0502040204020203" pitchFamily="50" charset="-127"/>
+              </a:rPr>
+              <a:t>Number()</a:t>
+            </a:r>
+            <a:endParaRPr lang="en-US" altLang="ko-KR" sz="1200">
+              <a:ln>
+                <a:solidFill>
+                  <a:schemeClr val="tx1">
+                    <a:alpha val="29000"/>
+                  </a:schemeClr>
+                </a:solidFill>
+              </a:ln>
+              <a:latin typeface="+mn-ea"/>
+              <a:cs typeface="맑은 고딕 Semilight" panose="020B0502040204020203" pitchFamily="50" charset="-127"/>
+            </a:endParaRPr>
+          </a:p>
+          <a:p>
+            <a:pPr marL="966216" lvl="2" indent="-342900">
+              <a:lnSpc>
+                <a:spcPct val="150000"/>
+              </a:lnSpc>
+              <a:buFont typeface="+mj-lt"/>
+              <a:buAutoNum type="arabicParenR"/>
+              <a:tabLst>
+                <a:tab pos="182563" algn="l"/>
+                <a:tab pos="449263" algn="l"/>
+              </a:tabLst>
+            </a:pPr>
+            <a:r>
+              <a:rPr lang="en-US" altLang="ko-KR" sz="1200" smtClean="0">
+                <a:ln>
+                  <a:solidFill>
+                    <a:schemeClr val="tx1">
+                      <a:alpha val="29000"/>
+                    </a:schemeClr>
+                  </a:solidFill>
+                </a:ln>
+                <a:latin typeface="+mn-ea"/>
+                <a:cs typeface="맑은 고딕 Semilight" panose="020B0502040204020203" pitchFamily="50" charset="-127"/>
+              </a:rPr>
+              <a:t>String()</a:t>
+            </a:r>
+            <a:endParaRPr lang="en-US" altLang="ko-KR" sz="1200">
+              <a:ln>
+                <a:solidFill>
+                  <a:schemeClr val="tx1">
+                    <a:alpha val="29000"/>
+                  </a:schemeClr>
+                </a:solidFill>
+              </a:ln>
+              <a:latin typeface="+mn-ea"/>
+              <a:cs typeface="맑은 고딕 Semilight" panose="020B0502040204020203" pitchFamily="50" charset="-127"/>
+            </a:endParaRPr>
+          </a:p>
+          <a:p>
+            <a:pPr marL="966216" lvl="2" indent="-342900">
+              <a:lnSpc>
+                <a:spcPct val="150000"/>
+              </a:lnSpc>
+              <a:buFont typeface="+mj-lt"/>
+              <a:buAutoNum type="arabicParenR"/>
+              <a:tabLst>
+                <a:tab pos="182563" algn="l"/>
+                <a:tab pos="449263" algn="l"/>
+              </a:tabLst>
+            </a:pPr>
+            <a:r>
+              <a:rPr lang="en-US" altLang="ko-KR" sz="1200" smtClean="0">
+                <a:ln>
+                  <a:solidFill>
+                    <a:schemeClr val="tx1">
+                      <a:alpha val="29000"/>
+                    </a:schemeClr>
+                  </a:solidFill>
+                </a:ln>
+                <a:latin typeface="+mn-ea"/>
+                <a:cs typeface="맑은 고딕 Semilight" panose="020B0502040204020203" pitchFamily="50" charset="-127"/>
+              </a:rPr>
+              <a:t>Boolean()</a:t>
+            </a:r>
+            <a:endParaRPr lang="en-US" altLang="ko-KR" sz="1200">
+              <a:ln>
+                <a:solidFill>
+                  <a:schemeClr val="tx1">
+                    <a:alpha val="29000"/>
+                  </a:schemeClr>
+                </a:solidFill>
+              </a:ln>
+              <a:latin typeface="+mn-ea"/>
+              <a:cs typeface="맑은 고딕 Semilight" panose="020B0502040204020203" pitchFamily="50" charset="-127"/>
+            </a:endParaRPr>
+          </a:p>
+          <a:p>
+            <a:pPr marL="966216" lvl="2" indent="-342900">
+              <a:lnSpc>
+                <a:spcPct val="150000"/>
+              </a:lnSpc>
+              <a:buFont typeface="+mj-lt"/>
+              <a:buAutoNum type="arabicParenR"/>
+              <a:tabLst>
+                <a:tab pos="182563" algn="l"/>
+                <a:tab pos="449263" algn="l"/>
+              </a:tabLst>
+            </a:pPr>
+            <a:r>
+              <a:rPr lang="en-US" altLang="ko-KR" sz="1200" smtClean="0">
+                <a:ln>
+                  <a:solidFill>
+                    <a:schemeClr val="tx1">
+                      <a:alpha val="29000"/>
+                    </a:schemeClr>
+                  </a:solidFill>
+                </a:ln>
+                <a:latin typeface="+mn-ea"/>
+                <a:cs typeface="맑은 고딕 Semilight" panose="020B0502040204020203" pitchFamily="50" charset="-127"/>
+              </a:rPr>
+              <a:t>Object()</a:t>
+            </a:r>
+            <a:endParaRPr lang="en-US" altLang="ko-KR" sz="1200">
+              <a:ln>
+                <a:solidFill>
+                  <a:schemeClr val="tx1">
+                    <a:alpha val="29000"/>
+                  </a:schemeClr>
+                </a:solidFill>
+              </a:ln>
+              <a:latin typeface="+mn-ea"/>
+              <a:cs typeface="맑은 고딕 Semilight" panose="020B0502040204020203" pitchFamily="50" charset="-127"/>
+            </a:endParaRPr>
+          </a:p>
+          <a:p>
+            <a:pPr marL="966216" lvl="2" indent="-342900">
+              <a:lnSpc>
+                <a:spcPct val="150000"/>
+              </a:lnSpc>
+              <a:buFont typeface="+mj-lt"/>
+              <a:buAutoNum type="arabicParenR"/>
+              <a:tabLst>
+                <a:tab pos="182563" algn="l"/>
+                <a:tab pos="449263" algn="l"/>
+              </a:tabLst>
+            </a:pPr>
+            <a:r>
+              <a:rPr lang="en-US" altLang="ko-KR" sz="1200" smtClean="0">
+                <a:ln>
+                  <a:solidFill>
+                    <a:schemeClr val="tx1">
+                      <a:alpha val="29000"/>
+                    </a:schemeClr>
+                  </a:solidFill>
+                </a:ln>
+                <a:latin typeface="+mn-ea"/>
+                <a:cs typeface="맑은 고딕 Semilight" panose="020B0502040204020203" pitchFamily="50" charset="-127"/>
+              </a:rPr>
+              <a:t>parseInt()</a:t>
+            </a:r>
+            <a:endParaRPr lang="en-US" altLang="ko-KR" sz="1200">
+              <a:ln>
+                <a:solidFill>
+                  <a:schemeClr val="tx1">
+                    <a:alpha val="29000"/>
+                  </a:schemeClr>
+                </a:solidFill>
+              </a:ln>
+              <a:latin typeface="+mn-ea"/>
+              <a:cs typeface="맑은 고딕 Semilight" panose="020B0502040204020203" pitchFamily="50" charset="-127"/>
+            </a:endParaRPr>
+          </a:p>
+          <a:p>
+            <a:pPr marL="966216" lvl="2" indent="-342900">
+              <a:lnSpc>
+                <a:spcPct val="150000"/>
+              </a:lnSpc>
+              <a:buFont typeface="+mj-lt"/>
+              <a:buAutoNum type="arabicParenR"/>
+              <a:tabLst>
+                <a:tab pos="182563" algn="l"/>
+                <a:tab pos="449263" algn="l"/>
+              </a:tabLst>
+            </a:pPr>
+            <a:r>
+              <a:rPr lang="en-US" altLang="ko-KR" sz="1200" smtClean="0">
+                <a:ln>
+                  <a:solidFill>
+                    <a:schemeClr val="tx1">
+                      <a:alpha val="29000"/>
+                    </a:schemeClr>
+                  </a:solidFill>
+                </a:ln>
+                <a:latin typeface="+mn-ea"/>
+                <a:cs typeface="맑은 고딕 Semilight" panose="020B0502040204020203" pitchFamily="50" charset="-127"/>
+              </a:rPr>
+              <a:t>parseFloat</a:t>
+            </a:r>
+            <a:r>
+              <a:rPr lang="en-US" altLang="ko-KR" sz="1200">
+                <a:ln>
+                  <a:solidFill>
+                    <a:schemeClr val="tx1">
+                      <a:alpha val="29000"/>
+                    </a:schemeClr>
+                  </a:solidFill>
+                </a:ln>
+                <a:latin typeface="+mn-ea"/>
+                <a:cs typeface="맑은 고딕 Semilight" panose="020B0502040204020203" pitchFamily="50" charset="-127"/>
+              </a:rPr>
+              <a:t>()</a:t>
+            </a:r>
+            <a:endParaRPr lang="en-US" altLang="ko-KR" sz="1200">
+              <a:ln>
+                <a:solidFill>
+                  <a:schemeClr val="tx1">
+                    <a:alpha val="29000"/>
+                  </a:schemeClr>
+                </a:solidFill>
+              </a:ln>
+              <a:latin typeface="+mn-ea"/>
+              <a:cs typeface="맑은 고딕 Semilight" panose="020B0502040204020203" pitchFamily="50" charset="-127"/>
+            </a:endParaRPr>
+          </a:p>
+        </p:txBody>
+      </p:sp>
+      <p:pic>
+        <p:nvPicPr>
+          <p:cNvPr id="2" name="그림 1"/>
+          <p:cNvPicPr>
+            <a:picLocks noChangeAspect="1"/>
+          </p:cNvPicPr>
+          <p:nvPr/>
+        </p:nvPicPr>
+        <p:blipFill>
+          <a:blip r:embed="rId3"/>
+          <a:stretch>
+            <a:fillRect/>
+          </a:stretch>
+        </p:blipFill>
+        <p:spPr>
+          <a:xfrm>
+            <a:off x="2055812" y="4106517"/>
+            <a:ext cx="6048375" cy="1371600"/>
+          </a:xfrm>
+          <a:prstGeom prst="rect">
+            <a:avLst/>
+          </a:prstGeom>
+        </p:spPr>
+      </p:pic>
+    </p:spTree>
+    <p:extLst>
+      <p:ext uri="{BB962C8B-B14F-4D97-AF65-F5344CB8AC3E}">
+        <p14:creationId xmlns:p14="http://schemas.microsoft.com/office/powerpoint/2010/main" val="248840781"/>
       </p:ext>
     </p:extLst>
   </p:cSld>
@@ -10195,7 +12537,49 @@
                 <a:latin typeface="+mn-ea"/>
                 <a:cs typeface="맑은 고딕 Semilight" panose="020B0502040204020203" pitchFamily="50" charset="-127"/>
               </a:rPr>
-              <a:t>를 저장할 수 있는 메모리 </a:t>
+              <a:t>를 저장할 수 있는 메모리 공간을 </a:t>
+            </a:r>
+            <a:r>
+              <a:rPr lang="ko-KR" altLang="en-US" sz="1400" smtClean="0">
+                <a:ln>
+                  <a:solidFill>
+                    <a:schemeClr val="tx1">
+                      <a:alpha val="29000"/>
+                    </a:schemeClr>
+                  </a:solidFill>
+                </a:ln>
+                <a:latin typeface="+mn-ea"/>
+                <a:cs typeface="맑은 고딕 Semilight" panose="020B0502040204020203" pitchFamily="50" charset="-127"/>
+              </a:rPr>
+              <a:t>의미</a:t>
+            </a:r>
+            <a:r>
+              <a:rPr lang="en-US" altLang="ko-KR" sz="1400" smtClean="0">
+                <a:ln>
+                  <a:solidFill>
+                    <a:schemeClr val="tx1">
+                      <a:alpha val="29000"/>
+                    </a:schemeClr>
+                  </a:solidFill>
+                </a:ln>
+                <a:latin typeface="+mn-ea"/>
+                <a:cs typeface="맑은 고딕 Semilight" panose="020B0502040204020203" pitchFamily="50" charset="-127"/>
+              </a:rPr>
+              <a:t>, </a:t>
+            </a:r>
+            <a:r>
+              <a:rPr lang="ko-KR" altLang="en-US" sz="1400" smtClean="0">
+                <a:ln>
+                  <a:solidFill>
+                    <a:schemeClr val="tx1">
+                      <a:alpha val="29000"/>
+                    </a:schemeClr>
+                  </a:solidFill>
+                </a:ln>
+                <a:latin typeface="+mn-ea"/>
+                <a:cs typeface="맑은 고딕 Semilight" panose="020B0502040204020203" pitchFamily="50" charset="-127"/>
+              </a:rPr>
+              <a:t>그 값은 </a:t>
             </a:r>
             <a:r>
               <a:rPr lang="ko-KR" altLang="en-US" sz="1400">
@@ -10209,77 +12593,7 @@
                 <a:latin typeface="+mn-ea"/>
                 <a:cs typeface="맑은 고딕 Semilight" panose="020B0502040204020203" pitchFamily="50" charset="-127"/>
               </a:rPr>
-              <a:t>공간을 </a:t>
-            </a:r>
-            <a:r>
-              <a:rPr lang="ko-KR" altLang="en-US" sz="1400" smtClean="0">
-                <a:ln>
-                  <a:solidFill>
-                    <a:schemeClr val="tx1">
-                      <a:alpha val="29000"/>
-                    </a:schemeClr>
-                  </a:solidFill>
-                </a:ln>
-                <a:latin typeface="+mn-ea"/>
-                <a:cs typeface="맑은 고딕 Semilight" panose="020B0502040204020203" pitchFamily="50" charset="-127"/>
-              </a:rPr>
-              <a:t>의미</a:t>
-            </a:r>
-            <a:r>
-              <a:rPr lang="en-US" altLang="ko-KR" sz="1400" smtClean="0">
-                <a:ln>
-                  <a:solidFill>
-                    <a:schemeClr val="tx1">
-                      <a:alpha val="29000"/>
-                    </a:schemeClr>
-                  </a:solidFill>
-                </a:ln>
-                <a:latin typeface="+mn-ea"/>
-                <a:cs typeface="맑은 고딕 Semilight" panose="020B0502040204020203" pitchFamily="50" charset="-127"/>
-              </a:rPr>
-              <a:t>, </a:t>
-            </a:r>
-            <a:r>
-              <a:rPr lang="ko-KR" altLang="en-US" sz="1400" smtClean="0">
-                <a:ln>
-                  <a:solidFill>
-                    <a:schemeClr val="tx1">
-                      <a:alpha val="29000"/>
-                    </a:schemeClr>
-                  </a:solidFill>
-                </a:ln>
-                <a:latin typeface="+mn-ea"/>
-                <a:cs typeface="맑은 고딕 Semilight" panose="020B0502040204020203" pitchFamily="50" charset="-127"/>
-              </a:rPr>
-              <a:t>그 값은 </a:t>
-            </a:r>
-            <a:r>
-              <a:rPr lang="ko-KR" altLang="en-US" sz="1400">
-                <a:ln>
-                  <a:solidFill>
-                    <a:schemeClr val="tx1">
-                      <a:alpha val="29000"/>
-                    </a:schemeClr>
-                  </a:solidFill>
-                </a:ln>
-                <a:latin typeface="+mn-ea"/>
-                <a:cs typeface="맑은 고딕 Semilight" panose="020B0502040204020203" pitchFamily="50" charset="-127"/>
-              </a:rPr>
-              <a:t>변경될 </a:t>
-            </a:r>
-            <a:r>
-              <a:rPr lang="ko-KR" altLang="en-US" sz="1400">
-                <a:ln>
-                  <a:solidFill>
-                    <a:schemeClr val="tx1">
-                      <a:alpha val="29000"/>
-                    </a:schemeClr>
-                  </a:solidFill>
-                </a:ln>
-                <a:latin typeface="+mn-ea"/>
-                <a:cs typeface="맑은 고딕 Semilight" panose="020B0502040204020203" pitchFamily="50" charset="-127"/>
-              </a:rPr>
-              <a:t>수 </a:t>
+              <a:t>변경될 수 </a:t>
             </a:r>
             <a:r>
               <a:rPr lang="ko-KR" altLang="en-US" sz="1400" smtClean="0">
@@ -10359,21 +12673,7 @@
                 <a:latin typeface="+mn-ea"/>
                 <a:cs typeface="맑은 고딕 Semilight" panose="020B0502040204020203" pitchFamily="50" charset="-127"/>
               </a:rPr>
-              <a:t>키워드를 사용하여 </a:t>
-            </a:r>
-            <a:r>
-              <a:rPr lang="ko-KR" altLang="en-US" sz="1400">
-                <a:ln>
-                  <a:solidFill>
-                    <a:schemeClr val="tx1">
-                      <a:alpha val="29000"/>
-                    </a:schemeClr>
-                  </a:solidFill>
-                </a:ln>
-                <a:latin typeface="+mn-ea"/>
-                <a:cs typeface="맑은 고딕 Semilight" panose="020B0502040204020203" pitchFamily="50" charset="-127"/>
-              </a:rPr>
-              <a:t>변수를 </a:t>
+              <a:t>키워드를 사용하여 변수를 </a:t>
             </a:r>
             <a:r>
               <a:rPr lang="ko-KR" altLang="en-US" sz="1400" smtClean="0">
@@ -10425,21 +12725,7 @@
                 <a:latin typeface="+mn-ea"/>
                 <a:cs typeface="맑은 고딕 Semilight" panose="020B0502040204020203" pitchFamily="50" charset="-127"/>
               </a:rPr>
-              <a:t>자바스크립트에서는 선언되지 않은 변수를 사용하려고 하거나 접근하려고 하면 </a:t>
-            </a:r>
-            <a:r>
-              <a:rPr lang="ko-KR" altLang="en-US" sz="1400">
-                <a:ln>
-                  <a:solidFill>
-                    <a:schemeClr val="tx1">
-                      <a:alpha val="29000"/>
-                    </a:schemeClr>
-                  </a:solidFill>
-                </a:ln>
-                <a:latin typeface="+mn-ea"/>
-                <a:cs typeface="맑은 고딕 Semilight" panose="020B0502040204020203" pitchFamily="50" charset="-127"/>
-              </a:rPr>
-              <a:t>오류가 </a:t>
+              <a:t>자바스크립트에서는 선언되지 않은 변수를 사용하려고 하거나 접근하려고 하면 오류가 </a:t>
             </a:r>
             <a:r>
               <a:rPr lang="ko-KR" altLang="en-US" sz="1400" smtClean="0">
@@ -10519,21 +12805,7 @@
                 <a:latin typeface="+mn-ea"/>
                 <a:cs typeface="맑은 고딕 Semilight" panose="020B0502040204020203" pitchFamily="50" charset="-127"/>
               </a:rPr>
-              <a:t>선언되지 않은 변수를 초기화할 경우에는 자동으로 선언을 먼저 한 후 </a:t>
-            </a:r>
-            <a:r>
-              <a:rPr lang="ko-KR" altLang="en-US" sz="1400">
-                <a:ln>
-                  <a:solidFill>
-                    <a:schemeClr val="tx1">
-                      <a:alpha val="29000"/>
-                    </a:schemeClr>
-                  </a:solidFill>
-                </a:ln>
-                <a:latin typeface="+mn-ea"/>
-                <a:cs typeface="맑은 고딕 Semilight" panose="020B0502040204020203" pitchFamily="50" charset="-127"/>
-              </a:rPr>
-              <a:t>초기화를 </a:t>
+              <a:t>선언되지 않은 변수를 초기화할 경우에는 자동으로 선언을 먼저 한 후 초기화를 </a:t>
             </a:r>
             <a:r>
               <a:rPr lang="ko-KR" altLang="en-US" sz="1400" smtClean="0">
@@ -10591,6 +12863,3571 @@
     <p:extLst>
       <p:ext uri="{BB962C8B-B14F-4D97-AF65-F5344CB8AC3E}">
         <p14:creationId xmlns:p14="http://schemas.microsoft.com/office/powerpoint/2010/main" val="3378598342"/>
+      </p:ext>
+    </p:extLst>
+  </p:cSld>
+  <p:clrMapOvr>
+    <a:masterClrMapping/>
+  </p:clrMapOvr>
+  <p:timing>
+    <p:tnLst>
+      <p:par>
+        <p:cTn id="1" dur="indefinite" restart="never" nodeType="tmRoot"/>
+      </p:par>
+    </p:tnLst>
+  </p:timing>
+</p:sld>
+</file>
+
+<file path=ppt/slides/slide20.xml><?xml version="1.0" encoding="utf-8"?>
+<p:sld xmlns:a="http://schemas.openxmlformats.org/drawingml/2006/main" xmlns:r="http://schemas.openxmlformats.org/officeDocument/2006/relationships" xmlns:p="http://schemas.openxmlformats.org/presentationml/2006/main">
+  <p:cSld>
+    <p:spTree>
+      <p:nvGrpSpPr>
+        <p:cNvPr id="1" name=""/>
+        <p:cNvGrpSpPr/>
+        <p:nvPr/>
+      </p:nvGrpSpPr>
+      <p:grpSpPr>
+        <a:xfrm>
+          <a:off x="0" y="0"/>
+          <a:ext cx="0" cy="0"/>
+          <a:chOff x="0" y="0"/>
+          <a:chExt cx="0" cy="0"/>
+        </a:xfrm>
+      </p:grpSpPr>
+      <p:cxnSp>
+        <p:nvCxnSpPr>
+          <p:cNvPr id="7" name="직선 연결선 6"/>
+          <p:cNvCxnSpPr/>
+          <p:nvPr/>
+        </p:nvCxnSpPr>
+        <p:spPr>
+          <a:xfrm>
+            <a:off x="0" y="683316"/>
+            <a:ext cx="3657600" cy="0"/>
+          </a:xfrm>
+          <a:prstGeom prst="line">
+            <a:avLst/>
+          </a:prstGeom>
+          <a:ln w="28575">
+            <a:solidFill>
+              <a:srgbClr val="ED553B"/>
+            </a:solidFill>
+            <a:tailEnd type="oval" w="lg" len="lg"/>
+          </a:ln>
+        </p:spPr>
+        <p:style>
+          <a:lnRef idx="1">
+            <a:schemeClr val="accent1"/>
+          </a:lnRef>
+          <a:fillRef idx="0">
+            <a:schemeClr val="accent1"/>
+          </a:fillRef>
+          <a:effectRef idx="0">
+            <a:schemeClr val="accent1"/>
+          </a:effectRef>
+          <a:fontRef idx="minor">
+            <a:schemeClr val="tx1"/>
+          </a:fontRef>
+        </p:style>
+      </p:cxnSp>
+      <p:sp>
+        <p:nvSpPr>
+          <p:cNvPr id="9" name="TextBox 8"/>
+          <p:cNvSpPr txBox="1"/>
+          <p:nvPr/>
+        </p:nvSpPr>
+        <p:spPr>
+          <a:xfrm>
+            <a:off x="322413" y="140957"/>
+            <a:ext cx="5552787" cy="400110"/>
+          </a:xfrm>
+          <a:prstGeom prst="rect">
+            <a:avLst/>
+          </a:prstGeom>
+          <a:noFill/>
+        </p:spPr>
+        <p:txBody>
+          <a:bodyPr wrap="square" rtlCol="0">
+            <a:spAutoFit/>
+          </a:bodyPr>
+          <a:lstStyle/>
+          <a:p>
+            <a:r>
+              <a:rPr lang="en-US" altLang="ko-KR" sz="2000" smtClean="0">
+                <a:ln>
+                  <a:solidFill>
+                    <a:schemeClr val="tx1">
+                      <a:alpha val="29000"/>
+                    </a:schemeClr>
+                  </a:solidFill>
+                </a:ln>
+                <a:latin typeface="+mn-ea"/>
+                <a:cs typeface="맑은 고딕 Semilight" panose="020B0502040204020203" pitchFamily="50" charset="-127"/>
+              </a:rPr>
+              <a:t>JavaScript</a:t>
+            </a:r>
+            <a:r>
+              <a:rPr lang="ko-KR" altLang="en-US" sz="2000" smtClean="0">
+                <a:ln>
+                  <a:solidFill>
+                    <a:schemeClr val="tx1">
+                      <a:alpha val="29000"/>
+                    </a:schemeClr>
+                  </a:solidFill>
+                </a:ln>
+                <a:latin typeface="+mn-ea"/>
+                <a:cs typeface="맑은 고딕 Semilight" panose="020B0502040204020203" pitchFamily="50" charset="-127"/>
+              </a:rPr>
+              <a:t>의 변수와 타입</a:t>
+            </a:r>
+            <a:endParaRPr lang="en-US" altLang="ko-KR" sz="2000" dirty="0">
+              <a:ln>
+                <a:solidFill>
+                  <a:schemeClr val="tx1">
+                    <a:alpha val="29000"/>
+                  </a:schemeClr>
+                </a:solidFill>
+              </a:ln>
+              <a:latin typeface="+mn-ea"/>
+              <a:cs typeface="맑은 고딕 Semilight" panose="020B0502040204020203" pitchFamily="50" charset="-127"/>
+            </a:endParaRPr>
+          </a:p>
+        </p:txBody>
+      </p:sp>
+      <p:sp>
+        <p:nvSpPr>
+          <p:cNvPr id="74" name="TextBox 73"/>
+          <p:cNvSpPr txBox="1"/>
+          <p:nvPr/>
+        </p:nvSpPr>
+        <p:spPr>
+          <a:xfrm>
+            <a:off x="267599" y="825566"/>
+            <a:ext cx="9578660" cy="2954655"/>
+          </a:xfrm>
+          <a:prstGeom prst="rect">
+            <a:avLst/>
+          </a:prstGeom>
+          <a:noFill/>
+        </p:spPr>
+        <p:txBody>
+          <a:bodyPr wrap="square" rtlCol="0">
+            <a:spAutoFit/>
+          </a:bodyPr>
+          <a:lstStyle/>
+          <a:p>
+            <a:pPr marL="285750" indent="-285750">
+              <a:lnSpc>
+                <a:spcPct val="150000"/>
+              </a:lnSpc>
+              <a:buFont typeface="Arial" panose="020B0604020202020204" pitchFamily="34" charset="0"/>
+              <a:buChar char="•"/>
+            </a:pPr>
+            <a:r>
+              <a:rPr lang="ko-KR" altLang="en-US" sz="1800">
+                <a:ln>
+                  <a:solidFill>
+                    <a:schemeClr val="tx1">
+                      <a:alpha val="29000"/>
+                    </a:schemeClr>
+                  </a:solidFill>
+                </a:ln>
+                <a:latin typeface="+mn-ea"/>
+                <a:cs typeface="맑은 고딕 Semilight" panose="020B0502040204020203" pitchFamily="50" charset="-127"/>
+                <a:sym typeface="Wingdings" panose="05000000000000000000" pitchFamily="2" charset="2"/>
+              </a:rPr>
+              <a:t>자바스크립트 변수의 </a:t>
+            </a:r>
+            <a:r>
+              <a:rPr lang="ko-KR" altLang="en-US" sz="1800">
+                <a:ln>
+                  <a:solidFill>
+                    <a:schemeClr val="tx1">
+                      <a:alpha val="29000"/>
+                    </a:schemeClr>
+                  </a:solidFill>
+                </a:ln>
+                <a:latin typeface="+mn-ea"/>
+                <a:cs typeface="맑은 고딕 Semilight" panose="020B0502040204020203" pitchFamily="50" charset="-127"/>
+                <a:sym typeface="Wingdings" panose="05000000000000000000" pitchFamily="2" charset="2"/>
+              </a:rPr>
+              <a:t>숫자를 </a:t>
+            </a:r>
+            <a:r>
+              <a:rPr lang="ko-KR" altLang="en-US" sz="1800">
+                <a:ln>
+                  <a:solidFill>
+                    <a:schemeClr val="tx1">
+                      <a:alpha val="29000"/>
+                    </a:schemeClr>
+                  </a:solidFill>
+                </a:ln>
+                <a:latin typeface="+mn-ea"/>
+                <a:cs typeface="맑은 고딕 Semilight" panose="020B0502040204020203" pitchFamily="50" charset="-127"/>
+                <a:sym typeface="Wingdings" panose="05000000000000000000" pitchFamily="2" charset="2"/>
+              </a:rPr>
+              <a:t>문자열로 </a:t>
+            </a:r>
+            <a:r>
+              <a:rPr lang="ko-KR" altLang="en-US" sz="1800" smtClean="0">
+                <a:ln>
+                  <a:solidFill>
+                    <a:schemeClr val="tx1">
+                      <a:alpha val="29000"/>
+                    </a:schemeClr>
+                  </a:solidFill>
+                </a:ln>
+                <a:latin typeface="+mn-ea"/>
+                <a:cs typeface="맑은 고딕 Semilight" panose="020B0502040204020203" pitchFamily="50" charset="-127"/>
+                <a:sym typeface="Wingdings" panose="05000000000000000000" pitchFamily="2" charset="2"/>
+              </a:rPr>
+              <a:t>변환</a:t>
+            </a:r>
+            <a:endParaRPr lang="en-US" altLang="ko-KR" sz="1800" dirty="0">
+              <a:ln>
+                <a:solidFill>
+                  <a:schemeClr val="tx1">
+                    <a:alpha val="29000"/>
+                  </a:schemeClr>
+                </a:solidFill>
+              </a:ln>
+              <a:latin typeface="+mn-ea"/>
+              <a:cs typeface="맑은 고딕 Semilight" panose="020B0502040204020203" pitchFamily="50" charset="-127"/>
+              <a:sym typeface="Wingdings" panose="05000000000000000000" pitchFamily="2" charset="2"/>
+            </a:endParaRPr>
+          </a:p>
+          <a:p>
+            <a:pPr marL="449263" lvl="1" indent="-182563">
+              <a:lnSpc>
+                <a:spcPct val="150000"/>
+              </a:lnSpc>
+              <a:buFontTx/>
+              <a:buChar char="-"/>
+              <a:tabLst>
+                <a:tab pos="182563" algn="l"/>
+                <a:tab pos="449263" algn="l"/>
+              </a:tabLst>
+            </a:pPr>
+            <a:r>
+              <a:rPr lang="ko-KR" altLang="en-US" sz="1400">
+                <a:ln>
+                  <a:solidFill>
+                    <a:schemeClr val="tx1">
+                      <a:alpha val="29000"/>
+                    </a:schemeClr>
+                  </a:solidFill>
+                </a:ln>
+                <a:latin typeface="+mn-ea"/>
+                <a:cs typeface="맑은 고딕 Semilight" panose="020B0502040204020203" pitchFamily="50" charset="-127"/>
+              </a:rPr>
+              <a:t>숫자를 문자열로 변환하는 가장 간단한 방법은 </a:t>
+            </a:r>
+            <a:r>
+              <a:rPr lang="en-US" altLang="ko-KR" sz="1400">
+                <a:ln>
+                  <a:solidFill>
+                    <a:schemeClr val="tx1">
+                      <a:alpha val="29000"/>
+                    </a:schemeClr>
+                  </a:solidFill>
+                </a:ln>
+                <a:latin typeface="+mn-ea"/>
+                <a:cs typeface="맑은 고딕 Semilight" panose="020B0502040204020203" pitchFamily="50" charset="-127"/>
+              </a:rPr>
+              <a:t>String() </a:t>
+            </a:r>
+            <a:r>
+              <a:rPr lang="ko-KR" altLang="en-US" sz="1400">
+                <a:ln>
+                  <a:solidFill>
+                    <a:schemeClr val="tx1">
+                      <a:alpha val="29000"/>
+                    </a:schemeClr>
+                  </a:solidFill>
+                </a:ln>
+                <a:latin typeface="+mn-ea"/>
+                <a:cs typeface="맑은 고딕 Semilight" panose="020B0502040204020203" pitchFamily="50" charset="-127"/>
+              </a:rPr>
+              <a:t>함수를 </a:t>
+            </a:r>
+            <a:r>
+              <a:rPr lang="ko-KR" altLang="en-US" sz="1400">
+                <a:ln>
+                  <a:solidFill>
+                    <a:schemeClr val="tx1">
+                      <a:alpha val="29000"/>
+                    </a:schemeClr>
+                  </a:solidFill>
+                </a:ln>
+                <a:latin typeface="+mn-ea"/>
+                <a:cs typeface="맑은 고딕 Semilight" panose="020B0502040204020203" pitchFamily="50" charset="-127"/>
+              </a:rPr>
+              <a:t>사용하는 </a:t>
+            </a:r>
+            <a:r>
+              <a:rPr lang="ko-KR" altLang="en-US" sz="1400" smtClean="0">
+                <a:ln>
+                  <a:solidFill>
+                    <a:schemeClr val="tx1">
+                      <a:alpha val="29000"/>
+                    </a:schemeClr>
+                  </a:solidFill>
+                </a:ln>
+                <a:latin typeface="+mn-ea"/>
+                <a:cs typeface="맑은 고딕 Semilight" panose="020B0502040204020203" pitchFamily="50" charset="-127"/>
+              </a:rPr>
+              <a:t>것</a:t>
+            </a:r>
+            <a:endParaRPr lang="en-US" altLang="ko-KR" sz="1400">
+              <a:ln>
+                <a:solidFill>
+                  <a:schemeClr val="tx1">
+                    <a:alpha val="29000"/>
+                  </a:schemeClr>
+                </a:solidFill>
+              </a:ln>
+              <a:latin typeface="+mn-ea"/>
+              <a:cs typeface="맑은 고딕 Semilight" panose="020B0502040204020203" pitchFamily="50" charset="-127"/>
+            </a:endParaRPr>
+          </a:p>
+          <a:p>
+            <a:pPr marL="449263" lvl="1" indent="-182563">
+              <a:lnSpc>
+                <a:spcPct val="150000"/>
+              </a:lnSpc>
+              <a:buFontTx/>
+              <a:buChar char="-"/>
+              <a:tabLst>
+                <a:tab pos="182563" algn="l"/>
+                <a:tab pos="449263" algn="l"/>
+              </a:tabLst>
+            </a:pPr>
+            <a:r>
+              <a:rPr lang="ko-KR" altLang="en-US" sz="1400">
+                <a:ln>
+                  <a:solidFill>
+                    <a:schemeClr val="tx1">
+                      <a:alpha val="29000"/>
+                    </a:schemeClr>
+                  </a:solidFill>
+                </a:ln>
+                <a:latin typeface="+mn-ea"/>
+                <a:cs typeface="맑은 고딕 Semilight" panose="020B0502040204020203" pitchFamily="50" charset="-127"/>
+              </a:rPr>
+              <a:t>또한</a:t>
+            </a:r>
+            <a:r>
+              <a:rPr lang="en-US" altLang="ko-KR" sz="1400">
+                <a:ln>
+                  <a:solidFill>
+                    <a:schemeClr val="tx1">
+                      <a:alpha val="29000"/>
+                    </a:schemeClr>
+                  </a:solidFill>
+                </a:ln>
+                <a:latin typeface="+mn-ea"/>
+                <a:cs typeface="맑은 고딕 Semilight" panose="020B0502040204020203" pitchFamily="50" charset="-127"/>
+              </a:rPr>
+              <a:t>, null</a:t>
+            </a:r>
+            <a:r>
+              <a:rPr lang="ko-KR" altLang="en-US" sz="1400">
+                <a:ln>
+                  <a:solidFill>
+                    <a:schemeClr val="tx1">
+                      <a:alpha val="29000"/>
+                    </a:schemeClr>
+                  </a:solidFill>
+                </a:ln>
+                <a:latin typeface="+mn-ea"/>
+                <a:cs typeface="맑은 고딕 Semilight" panose="020B0502040204020203" pitchFamily="50" charset="-127"/>
+              </a:rPr>
+              <a:t>과 </a:t>
+            </a:r>
+            <a:r>
+              <a:rPr lang="en-US" altLang="ko-KR" sz="1400">
+                <a:ln>
+                  <a:solidFill>
+                    <a:schemeClr val="tx1">
+                      <a:alpha val="29000"/>
+                    </a:schemeClr>
+                  </a:solidFill>
+                </a:ln>
+                <a:latin typeface="+mn-ea"/>
+                <a:cs typeface="맑은 고딕 Semilight" panose="020B0502040204020203" pitchFamily="50" charset="-127"/>
+              </a:rPr>
+              <a:t>undefined</a:t>
+            </a:r>
+            <a:r>
+              <a:rPr lang="ko-KR" altLang="en-US" sz="1400">
+                <a:ln>
+                  <a:solidFill>
+                    <a:schemeClr val="tx1">
+                      <a:alpha val="29000"/>
+                    </a:schemeClr>
+                  </a:solidFill>
+                </a:ln>
+                <a:latin typeface="+mn-ea"/>
+                <a:cs typeface="맑은 고딕 Semilight" panose="020B0502040204020203" pitchFamily="50" charset="-127"/>
+              </a:rPr>
+              <a:t>를 제외한 모든 타입의 값이 </a:t>
+            </a:r>
+            <a:r>
+              <a:rPr lang="ko-KR" altLang="en-US" sz="1400">
+                <a:ln>
+                  <a:solidFill>
+                    <a:schemeClr val="tx1">
+                      <a:alpha val="29000"/>
+                    </a:schemeClr>
+                  </a:solidFill>
+                </a:ln>
+                <a:latin typeface="+mn-ea"/>
+                <a:cs typeface="맑은 고딕 Semilight" panose="020B0502040204020203" pitchFamily="50" charset="-127"/>
+              </a:rPr>
+              <a:t>가지고 </a:t>
+            </a:r>
+            <a:r>
+              <a:rPr lang="ko-KR" altLang="en-US" sz="1400" smtClean="0">
+                <a:ln>
+                  <a:solidFill>
+                    <a:schemeClr val="tx1">
+                      <a:alpha val="29000"/>
+                    </a:schemeClr>
+                  </a:solidFill>
+                </a:ln>
+                <a:latin typeface="+mn-ea"/>
+                <a:cs typeface="맑은 고딕 Semilight" panose="020B0502040204020203" pitchFamily="50" charset="-127"/>
+              </a:rPr>
+              <a:t>있는</a:t>
+            </a:r>
+            <a:r>
+              <a:rPr lang="en-US" altLang="ko-KR" sz="1400" smtClean="0">
+                <a:ln>
+                  <a:solidFill>
+                    <a:schemeClr val="tx1">
+                      <a:alpha val="29000"/>
+                    </a:schemeClr>
+                  </a:solidFill>
+                </a:ln>
+                <a:latin typeface="+mn-ea"/>
+                <a:cs typeface="맑은 고딕 Semilight" panose="020B0502040204020203" pitchFamily="50" charset="-127"/>
+              </a:rPr>
+              <a:t/>
+            </a:r>
+            <a:br>
+              <a:rPr lang="en-US" altLang="ko-KR" sz="1400" smtClean="0">
+                <a:ln>
+                  <a:solidFill>
+                    <a:schemeClr val="tx1">
+                      <a:alpha val="29000"/>
+                    </a:schemeClr>
+                  </a:solidFill>
+                </a:ln>
+                <a:latin typeface="+mn-ea"/>
+                <a:cs typeface="맑은 고딕 Semilight" panose="020B0502040204020203" pitchFamily="50" charset="-127"/>
+              </a:rPr>
+            </a:br>
+            <a:r>
+              <a:rPr lang="ko-KR" altLang="en-US" sz="1400" smtClean="0">
+                <a:ln>
+                  <a:solidFill>
+                    <a:schemeClr val="tx1">
+                      <a:alpha val="29000"/>
+                    </a:schemeClr>
+                  </a:solidFill>
+                </a:ln>
+                <a:latin typeface="+mn-ea"/>
+                <a:cs typeface="맑은 고딕 Semilight" panose="020B0502040204020203" pitchFamily="50" charset="-127"/>
+              </a:rPr>
+              <a:t> </a:t>
+            </a:r>
+            <a:r>
+              <a:rPr lang="en-US" altLang="ko-KR" sz="1400">
+                <a:ln>
+                  <a:solidFill>
+                    <a:schemeClr val="tx1">
+                      <a:alpha val="29000"/>
+                    </a:schemeClr>
+                  </a:solidFill>
+                </a:ln>
+                <a:latin typeface="+mn-ea"/>
+                <a:cs typeface="맑은 고딕 Semilight" panose="020B0502040204020203" pitchFamily="50" charset="-127"/>
+              </a:rPr>
+              <a:t>toString() </a:t>
+            </a:r>
+            <a:r>
+              <a:rPr lang="ko-KR" altLang="en-US" sz="1400">
+                <a:ln>
+                  <a:solidFill>
+                    <a:schemeClr val="tx1">
+                      <a:alpha val="29000"/>
+                    </a:schemeClr>
+                  </a:solidFill>
+                </a:ln>
+                <a:latin typeface="+mn-ea"/>
+                <a:cs typeface="맑은 고딕 Semilight" panose="020B0502040204020203" pitchFamily="50" charset="-127"/>
+              </a:rPr>
+              <a:t>메소드를 사용할 </a:t>
+            </a:r>
+            <a:r>
+              <a:rPr lang="ko-KR" altLang="en-US" sz="1400">
+                <a:ln>
+                  <a:solidFill>
+                    <a:schemeClr val="tx1">
+                      <a:alpha val="29000"/>
+                    </a:schemeClr>
+                  </a:solidFill>
+                </a:ln>
+                <a:latin typeface="+mn-ea"/>
+                <a:cs typeface="맑은 고딕 Semilight" panose="020B0502040204020203" pitchFamily="50" charset="-127"/>
+              </a:rPr>
+              <a:t>수도 </a:t>
+            </a:r>
+            <a:r>
+              <a:rPr lang="ko-KR" altLang="en-US" sz="1400" smtClean="0">
+                <a:ln>
+                  <a:solidFill>
+                    <a:schemeClr val="tx1">
+                      <a:alpha val="29000"/>
+                    </a:schemeClr>
+                  </a:solidFill>
+                </a:ln>
+                <a:latin typeface="+mn-ea"/>
+                <a:cs typeface="맑은 고딕 Semilight" panose="020B0502040204020203" pitchFamily="50" charset="-127"/>
+              </a:rPr>
+              <a:t>있음</a:t>
+            </a:r>
+            <a:endParaRPr lang="en-US" altLang="ko-KR" sz="1400">
+              <a:ln>
+                <a:solidFill>
+                  <a:schemeClr val="tx1">
+                    <a:alpha val="29000"/>
+                  </a:schemeClr>
+                </a:solidFill>
+              </a:ln>
+              <a:latin typeface="+mn-ea"/>
+              <a:cs typeface="맑은 고딕 Semilight" panose="020B0502040204020203" pitchFamily="50" charset="-127"/>
+            </a:endParaRPr>
+          </a:p>
+          <a:p>
+            <a:pPr marL="449263" lvl="1" indent="-182563">
+              <a:lnSpc>
+                <a:spcPct val="150000"/>
+              </a:lnSpc>
+              <a:buFontTx/>
+              <a:buChar char="-"/>
+              <a:tabLst>
+                <a:tab pos="182563" algn="l"/>
+                <a:tab pos="449263" algn="l"/>
+              </a:tabLst>
+            </a:pPr>
+            <a:r>
+              <a:rPr lang="ko-KR" altLang="en-US" sz="1400">
+                <a:ln>
+                  <a:solidFill>
+                    <a:schemeClr val="tx1">
+                      <a:alpha val="29000"/>
+                    </a:schemeClr>
+                  </a:solidFill>
+                </a:ln>
+                <a:latin typeface="+mn-ea"/>
+                <a:cs typeface="맑은 고딕 Semilight" panose="020B0502040204020203" pitchFamily="50" charset="-127"/>
+              </a:rPr>
+              <a:t>숫자</a:t>
+            </a:r>
+            <a:r>
+              <a:rPr lang="en-US" altLang="ko-KR" sz="1400">
+                <a:ln>
+                  <a:solidFill>
+                    <a:schemeClr val="tx1">
+                      <a:alpha val="29000"/>
+                    </a:schemeClr>
+                  </a:solidFill>
+                </a:ln>
+                <a:latin typeface="+mn-ea"/>
+                <a:cs typeface="맑은 고딕 Semilight" panose="020B0502040204020203" pitchFamily="50" charset="-127"/>
+              </a:rPr>
+              <a:t>(Number) </a:t>
+            </a:r>
+            <a:r>
+              <a:rPr lang="ko-KR" altLang="en-US" sz="1400">
+                <a:ln>
+                  <a:solidFill>
+                    <a:schemeClr val="tx1">
+                      <a:alpha val="29000"/>
+                    </a:schemeClr>
+                  </a:solidFill>
+                </a:ln>
+                <a:latin typeface="+mn-ea"/>
+                <a:cs typeface="맑은 고딕 Semilight" panose="020B0502040204020203" pitchFamily="50" charset="-127"/>
+              </a:rPr>
+              <a:t>객체는 숫자를 </a:t>
+            </a:r>
+            <a:r>
+              <a:rPr lang="ko-KR" altLang="en-US" sz="1400">
+                <a:ln>
+                  <a:solidFill>
+                    <a:schemeClr val="tx1">
+                      <a:alpha val="29000"/>
+                    </a:schemeClr>
+                  </a:solidFill>
+                </a:ln>
+                <a:latin typeface="+mn-ea"/>
+                <a:cs typeface="맑은 고딕 Semilight" panose="020B0502040204020203" pitchFamily="50" charset="-127"/>
+              </a:rPr>
+              <a:t>문자열로 </a:t>
+            </a:r>
+            <a:r>
+              <a:rPr lang="ko-KR" altLang="en-US" sz="1400" smtClean="0">
+                <a:ln>
+                  <a:solidFill>
+                    <a:schemeClr val="tx1">
+                      <a:alpha val="29000"/>
+                    </a:schemeClr>
+                  </a:solidFill>
+                </a:ln>
+                <a:latin typeface="+mn-ea"/>
+                <a:cs typeface="맑은 고딕 Semilight" panose="020B0502040204020203" pitchFamily="50" charset="-127"/>
+              </a:rPr>
+              <a:t>변환하는</a:t>
+            </a:r>
+            <a:r>
+              <a:rPr lang="en-US" altLang="ko-KR" sz="1400">
+                <a:ln>
+                  <a:solidFill>
+                    <a:schemeClr val="tx1">
+                      <a:alpha val="29000"/>
+                    </a:schemeClr>
+                  </a:solidFill>
+                </a:ln>
+                <a:latin typeface="+mn-ea"/>
+                <a:cs typeface="맑은 고딕 Semilight" panose="020B0502040204020203" pitchFamily="50" charset="-127"/>
+              </a:rPr>
+              <a:t/>
+            </a:r>
+            <a:br>
+              <a:rPr lang="en-US" altLang="ko-KR" sz="1400">
+                <a:ln>
+                  <a:solidFill>
+                    <a:schemeClr val="tx1">
+                      <a:alpha val="29000"/>
+                    </a:schemeClr>
+                  </a:solidFill>
+                </a:ln>
+                <a:latin typeface="+mn-ea"/>
+                <a:cs typeface="맑은 고딕 Semilight" panose="020B0502040204020203" pitchFamily="50" charset="-127"/>
+              </a:rPr>
+            </a:br>
+            <a:r>
+              <a:rPr lang="ko-KR" altLang="en-US" sz="1400" smtClean="0">
+                <a:ln>
+                  <a:solidFill>
+                    <a:schemeClr val="tx1">
+                      <a:alpha val="29000"/>
+                    </a:schemeClr>
+                  </a:solidFill>
+                </a:ln>
+                <a:latin typeface="+mn-ea"/>
+                <a:cs typeface="맑은 고딕 Semilight" panose="020B0502040204020203" pitchFamily="50" charset="-127"/>
+              </a:rPr>
+              <a:t> </a:t>
+            </a:r>
+            <a:r>
+              <a:rPr lang="ko-KR" altLang="en-US" sz="1400">
+                <a:ln>
+                  <a:solidFill>
+                    <a:schemeClr val="tx1">
+                      <a:alpha val="29000"/>
+                    </a:schemeClr>
+                  </a:solidFill>
+                </a:ln>
+                <a:latin typeface="+mn-ea"/>
+                <a:cs typeface="맑은 고딕 Semilight" panose="020B0502040204020203" pitchFamily="50" charset="-127"/>
+              </a:rPr>
+              <a:t>다음과 같은 메소드를 </a:t>
+            </a:r>
+            <a:r>
+              <a:rPr lang="ko-KR" altLang="en-US" sz="1400">
+                <a:ln>
+                  <a:solidFill>
+                    <a:schemeClr val="tx1">
+                      <a:alpha val="29000"/>
+                    </a:schemeClr>
+                  </a:solidFill>
+                </a:ln>
+                <a:latin typeface="+mn-ea"/>
+                <a:cs typeface="맑은 고딕 Semilight" panose="020B0502040204020203" pitchFamily="50" charset="-127"/>
+              </a:rPr>
+              <a:t>별도로 </a:t>
+            </a:r>
+            <a:r>
+              <a:rPr lang="ko-KR" altLang="en-US" sz="1400" smtClean="0">
+                <a:ln>
+                  <a:solidFill>
+                    <a:schemeClr val="tx1">
+                      <a:alpha val="29000"/>
+                    </a:schemeClr>
+                  </a:solidFill>
+                </a:ln>
+                <a:latin typeface="+mn-ea"/>
+                <a:cs typeface="맑은 고딕 Semilight" panose="020B0502040204020203" pitchFamily="50" charset="-127"/>
+              </a:rPr>
+              <a:t>제공</a:t>
+            </a:r>
+            <a:endParaRPr lang="en-US" altLang="ko-KR" sz="1400" smtClean="0">
+              <a:ln>
+                <a:solidFill>
+                  <a:schemeClr val="tx1">
+                    <a:alpha val="29000"/>
+                  </a:schemeClr>
+                </a:solidFill>
+              </a:ln>
+              <a:latin typeface="+mn-ea"/>
+              <a:cs typeface="맑은 고딕 Semilight" panose="020B0502040204020203" pitchFamily="50" charset="-127"/>
+            </a:endParaRPr>
+          </a:p>
+          <a:p>
+            <a:pPr marL="851916" lvl="2" indent="-228600">
+              <a:lnSpc>
+                <a:spcPct val="150000"/>
+              </a:lnSpc>
+              <a:buFont typeface="+mj-lt"/>
+              <a:buAutoNum type="arabicParenR"/>
+              <a:tabLst>
+                <a:tab pos="182563" algn="l"/>
+                <a:tab pos="449263" algn="l"/>
+              </a:tabLst>
+            </a:pPr>
+            <a:r>
+              <a:rPr lang="en-US" altLang="ko-KR" sz="1200" smtClean="0">
+                <a:ln>
+                  <a:solidFill>
+                    <a:schemeClr val="tx1">
+                      <a:alpha val="29000"/>
+                    </a:schemeClr>
+                  </a:solidFill>
+                </a:ln>
+                <a:latin typeface="+mn-ea"/>
+                <a:cs typeface="맑은 고딕 Semilight" panose="020B0502040204020203" pitchFamily="50" charset="-127"/>
+              </a:rPr>
+              <a:t>toExponential</a:t>
+            </a:r>
+            <a:r>
+              <a:rPr lang="en-US" altLang="ko-KR" sz="1200">
+                <a:ln>
+                  <a:solidFill>
+                    <a:schemeClr val="tx1">
+                      <a:alpha val="29000"/>
+                    </a:schemeClr>
+                  </a:solidFill>
+                </a:ln>
+                <a:latin typeface="+mn-ea"/>
+                <a:cs typeface="맑은 고딕 Semilight" panose="020B0502040204020203" pitchFamily="50" charset="-127"/>
+              </a:rPr>
+              <a:t>()</a:t>
+            </a:r>
+          </a:p>
+          <a:p>
+            <a:pPr marL="851916" lvl="2" indent="-228600">
+              <a:lnSpc>
+                <a:spcPct val="150000"/>
+              </a:lnSpc>
+              <a:buFont typeface="+mj-lt"/>
+              <a:buAutoNum type="arabicParenR"/>
+              <a:tabLst>
+                <a:tab pos="182563" algn="l"/>
+                <a:tab pos="449263" algn="l"/>
+              </a:tabLst>
+            </a:pPr>
+            <a:r>
+              <a:rPr lang="en-US" altLang="ko-KR" sz="1200" smtClean="0">
+                <a:ln>
+                  <a:solidFill>
+                    <a:schemeClr val="tx1">
+                      <a:alpha val="29000"/>
+                    </a:schemeClr>
+                  </a:solidFill>
+                </a:ln>
+                <a:latin typeface="+mn-ea"/>
+                <a:cs typeface="맑은 고딕 Semilight" panose="020B0502040204020203" pitchFamily="50" charset="-127"/>
+              </a:rPr>
+              <a:t>toFixed</a:t>
+            </a:r>
+            <a:r>
+              <a:rPr lang="en-US" altLang="ko-KR" sz="1200">
+                <a:ln>
+                  <a:solidFill>
+                    <a:schemeClr val="tx1">
+                      <a:alpha val="29000"/>
+                    </a:schemeClr>
+                  </a:solidFill>
+                </a:ln>
+                <a:latin typeface="+mn-ea"/>
+                <a:cs typeface="맑은 고딕 Semilight" panose="020B0502040204020203" pitchFamily="50" charset="-127"/>
+              </a:rPr>
+              <a:t>()</a:t>
+            </a:r>
+          </a:p>
+          <a:p>
+            <a:pPr marL="851916" lvl="2" indent="-228600">
+              <a:lnSpc>
+                <a:spcPct val="150000"/>
+              </a:lnSpc>
+              <a:buFont typeface="+mj-lt"/>
+              <a:buAutoNum type="arabicParenR"/>
+              <a:tabLst>
+                <a:tab pos="182563" algn="l"/>
+                <a:tab pos="449263" algn="l"/>
+              </a:tabLst>
+            </a:pPr>
+            <a:r>
+              <a:rPr lang="en-US" altLang="ko-KR" sz="1200" smtClean="0">
+                <a:ln>
+                  <a:solidFill>
+                    <a:schemeClr val="tx1">
+                      <a:alpha val="29000"/>
+                    </a:schemeClr>
+                  </a:solidFill>
+                </a:ln>
+                <a:latin typeface="+mn-ea"/>
+                <a:cs typeface="맑은 고딕 Semilight" panose="020B0502040204020203" pitchFamily="50" charset="-127"/>
+              </a:rPr>
+              <a:t>toPrecision</a:t>
+            </a:r>
+            <a:r>
+              <a:rPr lang="en-US" altLang="ko-KR" sz="1200">
+                <a:ln>
+                  <a:solidFill>
+                    <a:schemeClr val="tx1">
+                      <a:alpha val="29000"/>
+                    </a:schemeClr>
+                  </a:solidFill>
+                </a:ln>
+                <a:latin typeface="+mn-ea"/>
+                <a:cs typeface="맑은 고딕 Semilight" panose="020B0502040204020203" pitchFamily="50" charset="-127"/>
+              </a:rPr>
+              <a:t>()</a:t>
+            </a:r>
+            <a:endParaRPr lang="en-US" altLang="ko-KR" sz="1200">
+              <a:ln>
+                <a:solidFill>
+                  <a:schemeClr val="tx1">
+                    <a:alpha val="29000"/>
+                  </a:schemeClr>
+                </a:solidFill>
+              </a:ln>
+              <a:latin typeface="+mn-ea"/>
+              <a:cs typeface="맑은 고딕 Semilight" panose="020B0502040204020203" pitchFamily="50" charset="-127"/>
+            </a:endParaRPr>
+          </a:p>
+        </p:txBody>
+      </p:sp>
+      <p:pic>
+        <p:nvPicPr>
+          <p:cNvPr id="3" name="그림 2"/>
+          <p:cNvPicPr>
+            <a:picLocks noChangeAspect="1"/>
+          </p:cNvPicPr>
+          <p:nvPr/>
+        </p:nvPicPr>
+        <p:blipFill>
+          <a:blip r:embed="rId3"/>
+          <a:stretch>
+            <a:fillRect/>
+          </a:stretch>
+        </p:blipFill>
+        <p:spPr>
+          <a:xfrm>
+            <a:off x="3483559" y="3339962"/>
+            <a:ext cx="6362700" cy="1924050"/>
+          </a:xfrm>
+          <a:prstGeom prst="rect">
+            <a:avLst/>
+          </a:prstGeom>
+        </p:spPr>
+      </p:pic>
+    </p:spTree>
+    <p:extLst>
+      <p:ext uri="{BB962C8B-B14F-4D97-AF65-F5344CB8AC3E}">
+        <p14:creationId xmlns:p14="http://schemas.microsoft.com/office/powerpoint/2010/main" val="3159764346"/>
+      </p:ext>
+    </p:extLst>
+  </p:cSld>
+  <p:clrMapOvr>
+    <a:masterClrMapping/>
+  </p:clrMapOvr>
+  <p:timing>
+    <p:tnLst>
+      <p:par>
+        <p:cTn id="1" dur="indefinite" restart="never" nodeType="tmRoot"/>
+      </p:par>
+    </p:tnLst>
+  </p:timing>
+</p:sld>
+</file>
+
+<file path=ppt/slides/slide21.xml><?xml version="1.0" encoding="utf-8"?>
+<p:sld xmlns:a="http://schemas.openxmlformats.org/drawingml/2006/main" xmlns:r="http://schemas.openxmlformats.org/officeDocument/2006/relationships" xmlns:p="http://schemas.openxmlformats.org/presentationml/2006/main">
+  <p:cSld>
+    <p:spTree>
+      <p:nvGrpSpPr>
+        <p:cNvPr id="1" name=""/>
+        <p:cNvGrpSpPr/>
+        <p:nvPr/>
+      </p:nvGrpSpPr>
+      <p:grpSpPr>
+        <a:xfrm>
+          <a:off x="0" y="0"/>
+          <a:ext cx="0" cy="0"/>
+          <a:chOff x="0" y="0"/>
+          <a:chExt cx="0" cy="0"/>
+        </a:xfrm>
+      </p:grpSpPr>
+      <p:cxnSp>
+        <p:nvCxnSpPr>
+          <p:cNvPr id="7" name="직선 연결선 6"/>
+          <p:cNvCxnSpPr/>
+          <p:nvPr/>
+        </p:nvCxnSpPr>
+        <p:spPr>
+          <a:xfrm>
+            <a:off x="0" y="683316"/>
+            <a:ext cx="3657600" cy="0"/>
+          </a:xfrm>
+          <a:prstGeom prst="line">
+            <a:avLst/>
+          </a:prstGeom>
+          <a:ln w="28575">
+            <a:solidFill>
+              <a:srgbClr val="ED553B"/>
+            </a:solidFill>
+            <a:tailEnd type="oval" w="lg" len="lg"/>
+          </a:ln>
+        </p:spPr>
+        <p:style>
+          <a:lnRef idx="1">
+            <a:schemeClr val="accent1"/>
+          </a:lnRef>
+          <a:fillRef idx="0">
+            <a:schemeClr val="accent1"/>
+          </a:fillRef>
+          <a:effectRef idx="0">
+            <a:schemeClr val="accent1"/>
+          </a:effectRef>
+          <a:fontRef idx="minor">
+            <a:schemeClr val="tx1"/>
+          </a:fontRef>
+        </p:style>
+      </p:cxnSp>
+      <p:sp>
+        <p:nvSpPr>
+          <p:cNvPr id="9" name="TextBox 8"/>
+          <p:cNvSpPr txBox="1"/>
+          <p:nvPr/>
+        </p:nvSpPr>
+        <p:spPr>
+          <a:xfrm>
+            <a:off x="322413" y="140957"/>
+            <a:ext cx="5552787" cy="400110"/>
+          </a:xfrm>
+          <a:prstGeom prst="rect">
+            <a:avLst/>
+          </a:prstGeom>
+          <a:noFill/>
+        </p:spPr>
+        <p:txBody>
+          <a:bodyPr wrap="square" rtlCol="0">
+            <a:spAutoFit/>
+          </a:bodyPr>
+          <a:lstStyle/>
+          <a:p>
+            <a:r>
+              <a:rPr lang="en-US" altLang="ko-KR" sz="2000" smtClean="0">
+                <a:ln>
+                  <a:solidFill>
+                    <a:schemeClr val="tx1">
+                      <a:alpha val="29000"/>
+                    </a:schemeClr>
+                  </a:solidFill>
+                </a:ln>
+                <a:latin typeface="+mn-ea"/>
+                <a:cs typeface="맑은 고딕 Semilight" panose="020B0502040204020203" pitchFamily="50" charset="-127"/>
+              </a:rPr>
+              <a:t>JavaScript</a:t>
+            </a:r>
+            <a:r>
+              <a:rPr lang="ko-KR" altLang="en-US" sz="2000" smtClean="0">
+                <a:ln>
+                  <a:solidFill>
+                    <a:schemeClr val="tx1">
+                      <a:alpha val="29000"/>
+                    </a:schemeClr>
+                  </a:solidFill>
+                </a:ln>
+                <a:latin typeface="+mn-ea"/>
+                <a:cs typeface="맑은 고딕 Semilight" panose="020B0502040204020203" pitchFamily="50" charset="-127"/>
+              </a:rPr>
+              <a:t>의 변수와 타입</a:t>
+            </a:r>
+            <a:endParaRPr lang="en-US" altLang="ko-KR" sz="2000" dirty="0">
+              <a:ln>
+                <a:solidFill>
+                  <a:schemeClr val="tx1">
+                    <a:alpha val="29000"/>
+                  </a:schemeClr>
+                </a:solidFill>
+              </a:ln>
+              <a:latin typeface="+mn-ea"/>
+              <a:cs typeface="맑은 고딕 Semilight" panose="020B0502040204020203" pitchFamily="50" charset="-127"/>
+            </a:endParaRPr>
+          </a:p>
+        </p:txBody>
+      </p:sp>
+      <p:sp>
+        <p:nvSpPr>
+          <p:cNvPr id="74" name="TextBox 73"/>
+          <p:cNvSpPr txBox="1"/>
+          <p:nvPr/>
+        </p:nvSpPr>
+        <p:spPr>
+          <a:xfrm>
+            <a:off x="267599" y="825566"/>
+            <a:ext cx="9578660" cy="830997"/>
+          </a:xfrm>
+          <a:prstGeom prst="rect">
+            <a:avLst/>
+          </a:prstGeom>
+          <a:noFill/>
+        </p:spPr>
+        <p:txBody>
+          <a:bodyPr wrap="square" rtlCol="0">
+            <a:spAutoFit/>
+          </a:bodyPr>
+          <a:lstStyle/>
+          <a:p>
+            <a:pPr marL="285750" indent="-285750">
+              <a:lnSpc>
+                <a:spcPct val="150000"/>
+              </a:lnSpc>
+              <a:buFont typeface="Arial" panose="020B0604020202020204" pitchFamily="34" charset="0"/>
+              <a:buChar char="•"/>
+            </a:pPr>
+            <a:r>
+              <a:rPr lang="ko-KR" altLang="en-US" sz="1800">
+                <a:ln>
+                  <a:solidFill>
+                    <a:schemeClr val="tx1">
+                      <a:alpha val="29000"/>
+                    </a:schemeClr>
+                  </a:solidFill>
+                </a:ln>
+                <a:latin typeface="+mn-ea"/>
+                <a:cs typeface="맑은 고딕 Semilight" panose="020B0502040204020203" pitchFamily="50" charset="-127"/>
+                <a:sym typeface="Wingdings" panose="05000000000000000000" pitchFamily="2" charset="2"/>
+              </a:rPr>
+              <a:t>자바스크립트 변수의 </a:t>
+            </a:r>
+            <a:r>
+              <a:rPr lang="ko-KR" altLang="en-US" sz="1800">
+                <a:ln>
+                  <a:solidFill>
+                    <a:schemeClr val="tx1">
+                      <a:alpha val="29000"/>
+                    </a:schemeClr>
+                  </a:solidFill>
+                </a:ln>
+                <a:latin typeface="+mn-ea"/>
+                <a:cs typeface="맑은 고딕 Semilight" panose="020B0502040204020203" pitchFamily="50" charset="-127"/>
+                <a:sym typeface="Wingdings" panose="05000000000000000000" pitchFamily="2" charset="2"/>
+              </a:rPr>
+              <a:t>불리언 값을 </a:t>
+            </a:r>
+            <a:r>
+              <a:rPr lang="ko-KR" altLang="en-US" sz="1800">
+                <a:ln>
+                  <a:solidFill>
+                    <a:schemeClr val="tx1">
+                      <a:alpha val="29000"/>
+                    </a:schemeClr>
+                  </a:solidFill>
+                </a:ln>
+                <a:latin typeface="+mn-ea"/>
+                <a:cs typeface="맑은 고딕 Semilight" panose="020B0502040204020203" pitchFamily="50" charset="-127"/>
+                <a:sym typeface="Wingdings" panose="05000000000000000000" pitchFamily="2" charset="2"/>
+              </a:rPr>
+              <a:t>문자열로 </a:t>
+            </a:r>
+            <a:r>
+              <a:rPr lang="ko-KR" altLang="en-US" sz="1800" smtClean="0">
+                <a:ln>
+                  <a:solidFill>
+                    <a:schemeClr val="tx1">
+                      <a:alpha val="29000"/>
+                    </a:schemeClr>
+                  </a:solidFill>
+                </a:ln>
+                <a:latin typeface="+mn-ea"/>
+                <a:cs typeface="맑은 고딕 Semilight" panose="020B0502040204020203" pitchFamily="50" charset="-127"/>
+                <a:sym typeface="Wingdings" panose="05000000000000000000" pitchFamily="2" charset="2"/>
+              </a:rPr>
+              <a:t>변환</a:t>
+            </a:r>
+            <a:endParaRPr lang="en-US" altLang="ko-KR" sz="1800" dirty="0">
+              <a:ln>
+                <a:solidFill>
+                  <a:schemeClr val="tx1">
+                    <a:alpha val="29000"/>
+                  </a:schemeClr>
+                </a:solidFill>
+              </a:ln>
+              <a:latin typeface="+mn-ea"/>
+              <a:cs typeface="맑은 고딕 Semilight" panose="020B0502040204020203" pitchFamily="50" charset="-127"/>
+              <a:sym typeface="Wingdings" panose="05000000000000000000" pitchFamily="2" charset="2"/>
+            </a:endParaRPr>
+          </a:p>
+          <a:p>
+            <a:pPr marL="449263" lvl="1" indent="-182563">
+              <a:lnSpc>
+                <a:spcPct val="150000"/>
+              </a:lnSpc>
+              <a:buFontTx/>
+              <a:buChar char="-"/>
+              <a:tabLst>
+                <a:tab pos="182563" algn="l"/>
+                <a:tab pos="449263" algn="l"/>
+              </a:tabLst>
+            </a:pPr>
+            <a:r>
+              <a:rPr lang="ko-KR" altLang="en-US" sz="1400">
+                <a:ln>
+                  <a:solidFill>
+                    <a:schemeClr val="tx1">
+                      <a:alpha val="29000"/>
+                    </a:schemeClr>
+                  </a:solidFill>
+                </a:ln>
+                <a:latin typeface="+mn-ea"/>
+                <a:cs typeface="맑은 고딕 Semilight" panose="020B0502040204020203" pitchFamily="50" charset="-127"/>
+              </a:rPr>
+              <a:t>불리언 값을 문자열로 변환하는 방법에는 </a:t>
+            </a:r>
+            <a:r>
+              <a:rPr lang="en-US" altLang="ko-KR" sz="1400">
+                <a:ln>
+                  <a:solidFill>
+                    <a:schemeClr val="tx1">
+                      <a:alpha val="29000"/>
+                    </a:schemeClr>
+                  </a:solidFill>
+                </a:ln>
+                <a:latin typeface="+mn-ea"/>
+                <a:cs typeface="맑은 고딕 Semilight" panose="020B0502040204020203" pitchFamily="50" charset="-127"/>
+              </a:rPr>
+              <a:t>String() </a:t>
+            </a:r>
+            <a:r>
+              <a:rPr lang="ko-KR" altLang="en-US" sz="1400">
+                <a:ln>
+                  <a:solidFill>
+                    <a:schemeClr val="tx1">
+                      <a:alpha val="29000"/>
+                    </a:schemeClr>
+                  </a:solidFill>
+                </a:ln>
+                <a:latin typeface="+mn-ea"/>
+                <a:cs typeface="맑은 고딕 Semilight" panose="020B0502040204020203" pitchFamily="50" charset="-127"/>
+              </a:rPr>
+              <a:t>함수와 </a:t>
+            </a:r>
+            <a:r>
+              <a:rPr lang="en-US" altLang="ko-KR" sz="1400">
+                <a:ln>
+                  <a:solidFill>
+                    <a:schemeClr val="tx1">
+                      <a:alpha val="29000"/>
+                    </a:schemeClr>
+                  </a:solidFill>
+                </a:ln>
+                <a:latin typeface="+mn-ea"/>
+                <a:cs typeface="맑은 고딕 Semilight" panose="020B0502040204020203" pitchFamily="50" charset="-127"/>
+              </a:rPr>
+              <a:t>toString() </a:t>
+            </a:r>
+            <a:r>
+              <a:rPr lang="ko-KR" altLang="en-US" sz="1400">
+                <a:ln>
+                  <a:solidFill>
+                    <a:schemeClr val="tx1">
+                      <a:alpha val="29000"/>
+                    </a:schemeClr>
+                  </a:solidFill>
+                </a:ln>
+                <a:latin typeface="+mn-ea"/>
+                <a:cs typeface="맑은 고딕 Semilight" panose="020B0502040204020203" pitchFamily="50" charset="-127"/>
+              </a:rPr>
+              <a:t>메소드를 사용하는 </a:t>
+            </a:r>
+            <a:r>
+              <a:rPr lang="ko-KR" altLang="en-US" sz="1400">
+                <a:ln>
+                  <a:solidFill>
+                    <a:schemeClr val="tx1">
+                      <a:alpha val="29000"/>
+                    </a:schemeClr>
+                  </a:solidFill>
+                </a:ln>
+                <a:latin typeface="+mn-ea"/>
+                <a:cs typeface="맑은 고딕 Semilight" panose="020B0502040204020203" pitchFamily="50" charset="-127"/>
+              </a:rPr>
+              <a:t>방법이 </a:t>
+            </a:r>
+            <a:r>
+              <a:rPr lang="ko-KR" altLang="en-US" sz="1400" smtClean="0">
+                <a:ln>
+                  <a:solidFill>
+                    <a:schemeClr val="tx1">
+                      <a:alpha val="29000"/>
+                    </a:schemeClr>
+                  </a:solidFill>
+                </a:ln>
+                <a:latin typeface="+mn-ea"/>
+                <a:cs typeface="맑은 고딕 Semilight" panose="020B0502040204020203" pitchFamily="50" charset="-127"/>
+              </a:rPr>
+              <a:t>있음</a:t>
+            </a:r>
+            <a:endParaRPr lang="en-US" altLang="ko-KR" sz="1400">
+              <a:ln>
+                <a:solidFill>
+                  <a:schemeClr val="tx1">
+                    <a:alpha val="29000"/>
+                  </a:schemeClr>
+                </a:solidFill>
+              </a:ln>
+              <a:latin typeface="+mn-ea"/>
+              <a:cs typeface="맑은 고딕 Semilight" panose="020B0502040204020203" pitchFamily="50" charset="-127"/>
+            </a:endParaRPr>
+          </a:p>
+        </p:txBody>
+      </p:sp>
+      <p:pic>
+        <p:nvPicPr>
+          <p:cNvPr id="2" name="그림 1"/>
+          <p:cNvPicPr>
+            <a:picLocks noChangeAspect="1"/>
+          </p:cNvPicPr>
+          <p:nvPr/>
+        </p:nvPicPr>
+        <p:blipFill>
+          <a:blip r:embed="rId3"/>
+          <a:stretch>
+            <a:fillRect/>
+          </a:stretch>
+        </p:blipFill>
+        <p:spPr>
+          <a:xfrm>
+            <a:off x="2032000" y="2419350"/>
+            <a:ext cx="6096000" cy="876300"/>
+          </a:xfrm>
+          <a:prstGeom prst="rect">
+            <a:avLst/>
+          </a:prstGeom>
+        </p:spPr>
+      </p:pic>
+    </p:spTree>
+    <p:extLst>
+      <p:ext uri="{BB962C8B-B14F-4D97-AF65-F5344CB8AC3E}">
+        <p14:creationId xmlns:p14="http://schemas.microsoft.com/office/powerpoint/2010/main" val="761335635"/>
+      </p:ext>
+    </p:extLst>
+  </p:cSld>
+  <p:clrMapOvr>
+    <a:masterClrMapping/>
+  </p:clrMapOvr>
+  <p:timing>
+    <p:tnLst>
+      <p:par>
+        <p:cTn id="1" dur="indefinite" restart="never" nodeType="tmRoot"/>
+      </p:par>
+    </p:tnLst>
+  </p:timing>
+</p:sld>
+</file>
+
+<file path=ppt/slides/slide22.xml><?xml version="1.0" encoding="utf-8"?>
+<p:sld xmlns:a="http://schemas.openxmlformats.org/drawingml/2006/main" xmlns:r="http://schemas.openxmlformats.org/officeDocument/2006/relationships" xmlns:p="http://schemas.openxmlformats.org/presentationml/2006/main">
+  <p:cSld>
+    <p:spTree>
+      <p:nvGrpSpPr>
+        <p:cNvPr id="1" name=""/>
+        <p:cNvGrpSpPr/>
+        <p:nvPr/>
+      </p:nvGrpSpPr>
+      <p:grpSpPr>
+        <a:xfrm>
+          <a:off x="0" y="0"/>
+          <a:ext cx="0" cy="0"/>
+          <a:chOff x="0" y="0"/>
+          <a:chExt cx="0" cy="0"/>
+        </a:xfrm>
+      </p:grpSpPr>
+      <p:cxnSp>
+        <p:nvCxnSpPr>
+          <p:cNvPr id="7" name="직선 연결선 6"/>
+          <p:cNvCxnSpPr/>
+          <p:nvPr/>
+        </p:nvCxnSpPr>
+        <p:spPr>
+          <a:xfrm>
+            <a:off x="0" y="683316"/>
+            <a:ext cx="3657600" cy="0"/>
+          </a:xfrm>
+          <a:prstGeom prst="line">
+            <a:avLst/>
+          </a:prstGeom>
+          <a:ln w="28575">
+            <a:solidFill>
+              <a:srgbClr val="ED553B"/>
+            </a:solidFill>
+            <a:tailEnd type="oval" w="lg" len="lg"/>
+          </a:ln>
+        </p:spPr>
+        <p:style>
+          <a:lnRef idx="1">
+            <a:schemeClr val="accent1"/>
+          </a:lnRef>
+          <a:fillRef idx="0">
+            <a:schemeClr val="accent1"/>
+          </a:fillRef>
+          <a:effectRef idx="0">
+            <a:schemeClr val="accent1"/>
+          </a:effectRef>
+          <a:fontRef idx="minor">
+            <a:schemeClr val="tx1"/>
+          </a:fontRef>
+        </p:style>
+      </p:cxnSp>
+      <p:sp>
+        <p:nvSpPr>
+          <p:cNvPr id="9" name="TextBox 8"/>
+          <p:cNvSpPr txBox="1"/>
+          <p:nvPr/>
+        </p:nvSpPr>
+        <p:spPr>
+          <a:xfrm>
+            <a:off x="322413" y="140957"/>
+            <a:ext cx="5552787" cy="400110"/>
+          </a:xfrm>
+          <a:prstGeom prst="rect">
+            <a:avLst/>
+          </a:prstGeom>
+          <a:noFill/>
+        </p:spPr>
+        <p:txBody>
+          <a:bodyPr wrap="square" rtlCol="0">
+            <a:spAutoFit/>
+          </a:bodyPr>
+          <a:lstStyle/>
+          <a:p>
+            <a:r>
+              <a:rPr lang="en-US" altLang="ko-KR" sz="2000" smtClean="0">
+                <a:ln>
+                  <a:solidFill>
+                    <a:schemeClr val="tx1">
+                      <a:alpha val="29000"/>
+                    </a:schemeClr>
+                  </a:solidFill>
+                </a:ln>
+                <a:latin typeface="+mn-ea"/>
+                <a:cs typeface="맑은 고딕 Semilight" panose="020B0502040204020203" pitchFamily="50" charset="-127"/>
+              </a:rPr>
+              <a:t>JavaScript</a:t>
+            </a:r>
+            <a:r>
+              <a:rPr lang="ko-KR" altLang="en-US" sz="2000" smtClean="0">
+                <a:ln>
+                  <a:solidFill>
+                    <a:schemeClr val="tx1">
+                      <a:alpha val="29000"/>
+                    </a:schemeClr>
+                  </a:solidFill>
+                </a:ln>
+                <a:latin typeface="+mn-ea"/>
+                <a:cs typeface="맑은 고딕 Semilight" panose="020B0502040204020203" pitchFamily="50" charset="-127"/>
+              </a:rPr>
+              <a:t>의 변수와 타입</a:t>
+            </a:r>
+            <a:endParaRPr lang="en-US" altLang="ko-KR" sz="2000" dirty="0">
+              <a:ln>
+                <a:solidFill>
+                  <a:schemeClr val="tx1">
+                    <a:alpha val="29000"/>
+                  </a:schemeClr>
+                </a:solidFill>
+              </a:ln>
+              <a:latin typeface="+mn-ea"/>
+              <a:cs typeface="맑은 고딕 Semilight" panose="020B0502040204020203" pitchFamily="50" charset="-127"/>
+            </a:endParaRPr>
+          </a:p>
+        </p:txBody>
+      </p:sp>
+      <p:sp>
+        <p:nvSpPr>
+          <p:cNvPr id="74" name="TextBox 73"/>
+          <p:cNvSpPr txBox="1"/>
+          <p:nvPr/>
+        </p:nvSpPr>
+        <p:spPr>
+          <a:xfrm>
+            <a:off x="267599" y="825566"/>
+            <a:ext cx="9578660" cy="3970318"/>
+          </a:xfrm>
+          <a:prstGeom prst="rect">
+            <a:avLst/>
+          </a:prstGeom>
+          <a:noFill/>
+        </p:spPr>
+        <p:txBody>
+          <a:bodyPr wrap="square" rtlCol="0">
+            <a:spAutoFit/>
+          </a:bodyPr>
+          <a:lstStyle/>
+          <a:p>
+            <a:pPr marL="285750" indent="-285750">
+              <a:lnSpc>
+                <a:spcPct val="150000"/>
+              </a:lnSpc>
+              <a:buFont typeface="Arial" panose="020B0604020202020204" pitchFamily="34" charset="0"/>
+              <a:buChar char="•"/>
+            </a:pPr>
+            <a:r>
+              <a:rPr lang="ko-KR" altLang="en-US" sz="1800">
+                <a:ln>
+                  <a:solidFill>
+                    <a:schemeClr val="tx1">
+                      <a:alpha val="29000"/>
+                    </a:schemeClr>
+                  </a:solidFill>
+                </a:ln>
+                <a:latin typeface="+mn-ea"/>
+                <a:cs typeface="맑은 고딕 Semilight" panose="020B0502040204020203" pitchFamily="50" charset="-127"/>
+                <a:sym typeface="Wingdings" panose="05000000000000000000" pitchFamily="2" charset="2"/>
+              </a:rPr>
+              <a:t>자바스크립트 변수의 </a:t>
+            </a:r>
+            <a:r>
+              <a:rPr lang="ko-KR" altLang="en-US" sz="1800">
+                <a:ln>
+                  <a:solidFill>
+                    <a:schemeClr val="tx1">
+                      <a:alpha val="29000"/>
+                    </a:schemeClr>
+                  </a:solidFill>
+                </a:ln>
+                <a:latin typeface="+mn-ea"/>
+                <a:cs typeface="맑은 고딕 Semilight" panose="020B0502040204020203" pitchFamily="50" charset="-127"/>
+                <a:sym typeface="Wingdings" panose="05000000000000000000" pitchFamily="2" charset="2"/>
+              </a:rPr>
+              <a:t>날짜를 문자열이나 </a:t>
+            </a:r>
+            <a:r>
+              <a:rPr lang="ko-KR" altLang="en-US" sz="1800">
+                <a:ln>
+                  <a:solidFill>
+                    <a:schemeClr val="tx1">
+                      <a:alpha val="29000"/>
+                    </a:schemeClr>
+                  </a:solidFill>
+                </a:ln>
+                <a:latin typeface="+mn-ea"/>
+                <a:cs typeface="맑은 고딕 Semilight" panose="020B0502040204020203" pitchFamily="50" charset="-127"/>
+                <a:sym typeface="Wingdings" panose="05000000000000000000" pitchFamily="2" charset="2"/>
+              </a:rPr>
+              <a:t>숫자로 </a:t>
+            </a:r>
+            <a:r>
+              <a:rPr lang="ko-KR" altLang="en-US" sz="1800" smtClean="0">
+                <a:ln>
+                  <a:solidFill>
+                    <a:schemeClr val="tx1">
+                      <a:alpha val="29000"/>
+                    </a:schemeClr>
+                  </a:solidFill>
+                </a:ln>
+                <a:latin typeface="+mn-ea"/>
+                <a:cs typeface="맑은 고딕 Semilight" panose="020B0502040204020203" pitchFamily="50" charset="-127"/>
+                <a:sym typeface="Wingdings" panose="05000000000000000000" pitchFamily="2" charset="2"/>
+              </a:rPr>
+              <a:t>변환</a:t>
+            </a:r>
+            <a:endParaRPr lang="en-US" altLang="ko-KR" sz="1800" dirty="0">
+              <a:ln>
+                <a:solidFill>
+                  <a:schemeClr val="tx1">
+                    <a:alpha val="29000"/>
+                  </a:schemeClr>
+                </a:solidFill>
+              </a:ln>
+              <a:latin typeface="+mn-ea"/>
+              <a:cs typeface="맑은 고딕 Semilight" panose="020B0502040204020203" pitchFamily="50" charset="-127"/>
+              <a:sym typeface="Wingdings" panose="05000000000000000000" pitchFamily="2" charset="2"/>
+            </a:endParaRPr>
+          </a:p>
+          <a:p>
+            <a:pPr marL="449263" lvl="1" indent="-182563">
+              <a:lnSpc>
+                <a:spcPct val="150000"/>
+              </a:lnSpc>
+              <a:buFontTx/>
+              <a:buChar char="-"/>
+              <a:tabLst>
+                <a:tab pos="182563" algn="l"/>
+                <a:tab pos="449263" algn="l"/>
+              </a:tabLst>
+            </a:pPr>
+            <a:r>
+              <a:rPr lang="ko-KR" altLang="en-US" sz="1400">
+                <a:ln>
+                  <a:solidFill>
+                    <a:schemeClr val="tx1">
+                      <a:alpha val="29000"/>
+                    </a:schemeClr>
+                  </a:solidFill>
+                </a:ln>
+                <a:latin typeface="+mn-ea"/>
+                <a:cs typeface="맑은 고딕 Semilight" panose="020B0502040204020203" pitchFamily="50" charset="-127"/>
+              </a:rPr>
+              <a:t>날짜를 문자열로 변환하는 방법에는 </a:t>
+            </a:r>
+            <a:r>
+              <a:rPr lang="en-US" altLang="ko-KR" sz="1400">
+                <a:ln>
+                  <a:solidFill>
+                    <a:schemeClr val="tx1">
+                      <a:alpha val="29000"/>
+                    </a:schemeClr>
+                  </a:solidFill>
+                </a:ln>
+                <a:latin typeface="+mn-ea"/>
+                <a:cs typeface="맑은 고딕 Semilight" panose="020B0502040204020203" pitchFamily="50" charset="-127"/>
+              </a:rPr>
+              <a:t>String() </a:t>
+            </a:r>
+            <a:r>
+              <a:rPr lang="ko-KR" altLang="en-US" sz="1400">
+                <a:ln>
+                  <a:solidFill>
+                    <a:schemeClr val="tx1">
+                      <a:alpha val="29000"/>
+                    </a:schemeClr>
+                  </a:solidFill>
+                </a:ln>
+                <a:latin typeface="+mn-ea"/>
+                <a:cs typeface="맑은 고딕 Semilight" panose="020B0502040204020203" pitchFamily="50" charset="-127"/>
+              </a:rPr>
+              <a:t>함수와 </a:t>
+            </a:r>
+            <a:r>
+              <a:rPr lang="en-US" altLang="ko-KR" sz="1400">
+                <a:ln>
+                  <a:solidFill>
+                    <a:schemeClr val="tx1">
+                      <a:alpha val="29000"/>
+                    </a:schemeClr>
+                  </a:solidFill>
+                </a:ln>
+                <a:latin typeface="+mn-ea"/>
+                <a:cs typeface="맑은 고딕 Semilight" panose="020B0502040204020203" pitchFamily="50" charset="-127"/>
+              </a:rPr>
+              <a:t>toString() </a:t>
+            </a:r>
+            <a:r>
+              <a:rPr lang="ko-KR" altLang="en-US" sz="1400">
+                <a:ln>
+                  <a:solidFill>
+                    <a:schemeClr val="tx1">
+                      <a:alpha val="29000"/>
+                    </a:schemeClr>
+                  </a:solidFill>
+                </a:ln>
+                <a:latin typeface="+mn-ea"/>
+                <a:cs typeface="맑은 고딕 Semilight" panose="020B0502040204020203" pitchFamily="50" charset="-127"/>
+              </a:rPr>
+              <a:t>메소드를 사용하는 </a:t>
+            </a:r>
+            <a:r>
+              <a:rPr lang="ko-KR" altLang="en-US" sz="1400">
+                <a:ln>
+                  <a:solidFill>
+                    <a:schemeClr val="tx1">
+                      <a:alpha val="29000"/>
+                    </a:schemeClr>
+                  </a:solidFill>
+                </a:ln>
+                <a:latin typeface="+mn-ea"/>
+                <a:cs typeface="맑은 고딕 Semilight" panose="020B0502040204020203" pitchFamily="50" charset="-127"/>
+              </a:rPr>
+              <a:t>방법이 </a:t>
+            </a:r>
+            <a:r>
+              <a:rPr lang="ko-KR" altLang="en-US" sz="1400" smtClean="0">
+                <a:ln>
+                  <a:solidFill>
+                    <a:schemeClr val="tx1">
+                      <a:alpha val="29000"/>
+                    </a:schemeClr>
+                  </a:solidFill>
+                </a:ln>
+                <a:latin typeface="+mn-ea"/>
+                <a:cs typeface="맑은 고딕 Semilight" panose="020B0502040204020203" pitchFamily="50" charset="-127"/>
+              </a:rPr>
+              <a:t>있음</a:t>
+            </a:r>
+            <a:endParaRPr lang="en-US" altLang="ko-KR" sz="1400">
+              <a:ln>
+                <a:solidFill>
+                  <a:schemeClr val="tx1">
+                    <a:alpha val="29000"/>
+                  </a:schemeClr>
+                </a:solidFill>
+              </a:ln>
+              <a:latin typeface="+mn-ea"/>
+              <a:cs typeface="맑은 고딕 Semilight" panose="020B0502040204020203" pitchFamily="50" charset="-127"/>
+            </a:endParaRPr>
+          </a:p>
+          <a:p>
+            <a:pPr marL="449263" lvl="1" indent="-182563">
+              <a:lnSpc>
+                <a:spcPct val="150000"/>
+              </a:lnSpc>
+              <a:buFontTx/>
+              <a:buChar char="-"/>
+              <a:tabLst>
+                <a:tab pos="182563" algn="l"/>
+                <a:tab pos="449263" algn="l"/>
+              </a:tabLst>
+            </a:pPr>
+            <a:r>
+              <a:rPr lang="ko-KR" altLang="en-US" sz="1400">
+                <a:ln>
+                  <a:solidFill>
+                    <a:schemeClr val="tx1">
+                      <a:alpha val="29000"/>
+                    </a:schemeClr>
+                  </a:solidFill>
+                </a:ln>
+                <a:latin typeface="+mn-ea"/>
+                <a:cs typeface="맑은 고딕 Semilight" panose="020B0502040204020203" pitchFamily="50" charset="-127"/>
+              </a:rPr>
+              <a:t>자바스크립트에서 날짜</a:t>
+            </a:r>
+            <a:r>
+              <a:rPr lang="en-US" altLang="ko-KR" sz="1400">
+                <a:ln>
+                  <a:solidFill>
+                    <a:schemeClr val="tx1">
+                      <a:alpha val="29000"/>
+                    </a:schemeClr>
+                  </a:solidFill>
+                </a:ln>
+                <a:latin typeface="+mn-ea"/>
+                <a:cs typeface="맑은 고딕 Semilight" panose="020B0502040204020203" pitchFamily="50" charset="-127"/>
+              </a:rPr>
+              <a:t>(Date) </a:t>
+            </a:r>
+            <a:r>
+              <a:rPr lang="ko-KR" altLang="en-US" sz="1400">
+                <a:ln>
+                  <a:solidFill>
+                    <a:schemeClr val="tx1">
+                      <a:alpha val="29000"/>
+                    </a:schemeClr>
+                  </a:solidFill>
+                </a:ln>
+                <a:latin typeface="+mn-ea"/>
+                <a:cs typeface="맑은 고딕 Semilight" panose="020B0502040204020203" pitchFamily="50" charset="-127"/>
+              </a:rPr>
+              <a:t>객체는 문자열과 숫자로 모두 변환할 수 있는 </a:t>
+            </a:r>
+            <a:r>
+              <a:rPr lang="ko-KR" altLang="en-US" sz="1400">
+                <a:ln>
+                  <a:solidFill>
+                    <a:schemeClr val="tx1">
+                      <a:alpha val="29000"/>
+                    </a:schemeClr>
+                  </a:solidFill>
+                </a:ln>
+                <a:latin typeface="+mn-ea"/>
+                <a:cs typeface="맑은 고딕 Semilight" panose="020B0502040204020203" pitchFamily="50" charset="-127"/>
+              </a:rPr>
+              <a:t>유일한 </a:t>
+            </a:r>
+            <a:r>
+              <a:rPr lang="ko-KR" altLang="en-US" sz="1400" smtClean="0">
+                <a:ln>
+                  <a:solidFill>
+                    <a:schemeClr val="tx1">
+                      <a:alpha val="29000"/>
+                    </a:schemeClr>
+                  </a:solidFill>
+                </a:ln>
+                <a:latin typeface="+mn-ea"/>
+                <a:cs typeface="맑은 고딕 Semilight" panose="020B0502040204020203" pitchFamily="50" charset="-127"/>
+              </a:rPr>
+              <a:t>타입</a:t>
+            </a:r>
+            <a:endParaRPr lang="en-US" altLang="ko-KR" sz="1400">
+              <a:ln>
+                <a:solidFill>
+                  <a:schemeClr val="tx1">
+                    <a:alpha val="29000"/>
+                  </a:schemeClr>
+                </a:solidFill>
+              </a:ln>
+              <a:latin typeface="+mn-ea"/>
+              <a:cs typeface="맑은 고딕 Semilight" panose="020B0502040204020203" pitchFamily="50" charset="-127"/>
+            </a:endParaRPr>
+          </a:p>
+          <a:p>
+            <a:pPr marL="449263" lvl="1" indent="-182563">
+              <a:lnSpc>
+                <a:spcPct val="150000"/>
+              </a:lnSpc>
+              <a:buFontTx/>
+              <a:buChar char="-"/>
+              <a:tabLst>
+                <a:tab pos="182563" algn="l"/>
+                <a:tab pos="449263" algn="l"/>
+              </a:tabLst>
+            </a:pPr>
+            <a:r>
+              <a:rPr lang="ko-KR" altLang="en-US" sz="1400">
+                <a:ln>
+                  <a:solidFill>
+                    <a:schemeClr val="tx1">
+                      <a:alpha val="29000"/>
+                    </a:schemeClr>
+                  </a:solidFill>
+                </a:ln>
+                <a:latin typeface="+mn-ea"/>
+                <a:cs typeface="맑은 고딕 Semilight" panose="020B0502040204020203" pitchFamily="50" charset="-127"/>
+              </a:rPr>
+              <a:t>날짜</a:t>
+            </a:r>
+            <a:r>
+              <a:rPr lang="en-US" altLang="ko-KR" sz="1400">
+                <a:ln>
+                  <a:solidFill>
+                    <a:schemeClr val="tx1">
+                      <a:alpha val="29000"/>
+                    </a:schemeClr>
+                  </a:solidFill>
+                </a:ln>
+                <a:latin typeface="+mn-ea"/>
+                <a:cs typeface="맑은 고딕 Semilight" panose="020B0502040204020203" pitchFamily="50" charset="-127"/>
+              </a:rPr>
+              <a:t>(Date) </a:t>
+            </a:r>
+            <a:r>
+              <a:rPr lang="ko-KR" altLang="en-US" sz="1400">
+                <a:ln>
+                  <a:solidFill>
+                    <a:schemeClr val="tx1">
+                      <a:alpha val="29000"/>
+                    </a:schemeClr>
+                  </a:solidFill>
+                </a:ln>
+                <a:latin typeface="+mn-ea"/>
+                <a:cs typeface="맑은 고딕 Semilight" panose="020B0502040204020203" pitchFamily="50" charset="-127"/>
+              </a:rPr>
+              <a:t>객체는 날짜를 숫자로 변환하는 다음과 같은 메소드를 </a:t>
+            </a:r>
+            <a:r>
+              <a:rPr lang="ko-KR" altLang="en-US" sz="1400">
+                <a:ln>
+                  <a:solidFill>
+                    <a:schemeClr val="tx1">
+                      <a:alpha val="29000"/>
+                    </a:schemeClr>
+                  </a:solidFill>
+                </a:ln>
+                <a:latin typeface="+mn-ea"/>
+                <a:cs typeface="맑은 고딕 Semilight" panose="020B0502040204020203" pitchFamily="50" charset="-127"/>
+              </a:rPr>
+              <a:t>별도로 </a:t>
+            </a:r>
+            <a:r>
+              <a:rPr lang="ko-KR" altLang="en-US" sz="1400" smtClean="0">
+                <a:ln>
+                  <a:solidFill>
+                    <a:schemeClr val="tx1">
+                      <a:alpha val="29000"/>
+                    </a:schemeClr>
+                  </a:solidFill>
+                </a:ln>
+                <a:latin typeface="+mn-ea"/>
+                <a:cs typeface="맑은 고딕 Semilight" panose="020B0502040204020203" pitchFamily="50" charset="-127"/>
+              </a:rPr>
+              <a:t>제공</a:t>
+            </a:r>
+            <a:endParaRPr lang="en-US" altLang="ko-KR" sz="1400" smtClean="0">
+              <a:ln>
+                <a:solidFill>
+                  <a:schemeClr val="tx1">
+                    <a:alpha val="29000"/>
+                  </a:schemeClr>
+                </a:solidFill>
+              </a:ln>
+              <a:latin typeface="+mn-ea"/>
+              <a:cs typeface="맑은 고딕 Semilight" panose="020B0502040204020203" pitchFamily="50" charset="-127"/>
+            </a:endParaRPr>
+          </a:p>
+          <a:p>
+            <a:pPr marL="851916" lvl="2" indent="-228600">
+              <a:lnSpc>
+                <a:spcPct val="150000"/>
+              </a:lnSpc>
+              <a:buFont typeface="+mj-lt"/>
+              <a:buAutoNum type="arabicParenR"/>
+              <a:tabLst>
+                <a:tab pos="182563" algn="l"/>
+                <a:tab pos="449263" algn="l"/>
+              </a:tabLst>
+            </a:pPr>
+            <a:r>
+              <a:rPr lang="en-US" altLang="ko-KR" sz="1200" smtClean="0">
+                <a:ln>
+                  <a:solidFill>
+                    <a:schemeClr val="tx1">
+                      <a:alpha val="29000"/>
+                    </a:schemeClr>
+                  </a:solidFill>
+                </a:ln>
+                <a:latin typeface="+mn-ea"/>
+                <a:cs typeface="맑은 고딕 Semilight" panose="020B0502040204020203" pitchFamily="50" charset="-127"/>
+              </a:rPr>
+              <a:t>getDate()</a:t>
+            </a:r>
+            <a:endParaRPr lang="en-US" altLang="ko-KR" sz="1200">
+              <a:ln>
+                <a:solidFill>
+                  <a:schemeClr val="tx1">
+                    <a:alpha val="29000"/>
+                  </a:schemeClr>
+                </a:solidFill>
+              </a:ln>
+              <a:latin typeface="+mn-ea"/>
+              <a:cs typeface="맑은 고딕 Semilight" panose="020B0502040204020203" pitchFamily="50" charset="-127"/>
+            </a:endParaRPr>
+          </a:p>
+          <a:p>
+            <a:pPr marL="851916" lvl="2" indent="-228600">
+              <a:lnSpc>
+                <a:spcPct val="150000"/>
+              </a:lnSpc>
+              <a:buFont typeface="+mj-lt"/>
+              <a:buAutoNum type="arabicParenR"/>
+              <a:tabLst>
+                <a:tab pos="182563" algn="l"/>
+                <a:tab pos="449263" algn="l"/>
+              </a:tabLst>
+            </a:pPr>
+            <a:r>
+              <a:rPr lang="en-US" altLang="ko-KR" sz="1200" smtClean="0">
+                <a:ln>
+                  <a:solidFill>
+                    <a:schemeClr val="tx1">
+                      <a:alpha val="29000"/>
+                    </a:schemeClr>
+                  </a:solidFill>
+                </a:ln>
+                <a:latin typeface="+mn-ea"/>
+                <a:cs typeface="맑은 고딕 Semilight" panose="020B0502040204020203" pitchFamily="50" charset="-127"/>
+              </a:rPr>
+              <a:t>getDay()</a:t>
+            </a:r>
+            <a:endParaRPr lang="en-US" altLang="ko-KR" sz="1200">
+              <a:ln>
+                <a:solidFill>
+                  <a:schemeClr val="tx1">
+                    <a:alpha val="29000"/>
+                  </a:schemeClr>
+                </a:solidFill>
+              </a:ln>
+              <a:latin typeface="+mn-ea"/>
+              <a:cs typeface="맑은 고딕 Semilight" panose="020B0502040204020203" pitchFamily="50" charset="-127"/>
+            </a:endParaRPr>
+          </a:p>
+          <a:p>
+            <a:pPr marL="851916" lvl="2" indent="-228600">
+              <a:lnSpc>
+                <a:spcPct val="150000"/>
+              </a:lnSpc>
+              <a:buFont typeface="+mj-lt"/>
+              <a:buAutoNum type="arabicParenR"/>
+              <a:tabLst>
+                <a:tab pos="182563" algn="l"/>
+                <a:tab pos="449263" algn="l"/>
+              </a:tabLst>
+            </a:pPr>
+            <a:r>
+              <a:rPr lang="en-US" altLang="ko-KR" sz="1200" smtClean="0">
+                <a:ln>
+                  <a:solidFill>
+                    <a:schemeClr val="tx1">
+                      <a:alpha val="29000"/>
+                    </a:schemeClr>
+                  </a:solidFill>
+                </a:ln>
+                <a:latin typeface="+mn-ea"/>
+                <a:cs typeface="맑은 고딕 Semilight" panose="020B0502040204020203" pitchFamily="50" charset="-127"/>
+              </a:rPr>
+              <a:t>getFullYear()</a:t>
+            </a:r>
+            <a:endParaRPr lang="en-US" altLang="ko-KR" sz="1200">
+              <a:ln>
+                <a:solidFill>
+                  <a:schemeClr val="tx1">
+                    <a:alpha val="29000"/>
+                  </a:schemeClr>
+                </a:solidFill>
+              </a:ln>
+              <a:latin typeface="+mn-ea"/>
+              <a:cs typeface="맑은 고딕 Semilight" panose="020B0502040204020203" pitchFamily="50" charset="-127"/>
+            </a:endParaRPr>
+          </a:p>
+          <a:p>
+            <a:pPr marL="851916" lvl="2" indent="-228600">
+              <a:lnSpc>
+                <a:spcPct val="150000"/>
+              </a:lnSpc>
+              <a:buFont typeface="+mj-lt"/>
+              <a:buAutoNum type="arabicParenR"/>
+              <a:tabLst>
+                <a:tab pos="182563" algn="l"/>
+                <a:tab pos="449263" algn="l"/>
+              </a:tabLst>
+            </a:pPr>
+            <a:r>
+              <a:rPr lang="en-US" altLang="ko-KR" sz="1200" smtClean="0">
+                <a:ln>
+                  <a:solidFill>
+                    <a:schemeClr val="tx1">
+                      <a:alpha val="29000"/>
+                    </a:schemeClr>
+                  </a:solidFill>
+                </a:ln>
+                <a:latin typeface="+mn-ea"/>
+                <a:cs typeface="맑은 고딕 Semilight" panose="020B0502040204020203" pitchFamily="50" charset="-127"/>
+              </a:rPr>
+              <a:t>getMonth()</a:t>
+            </a:r>
+            <a:endParaRPr lang="en-US" altLang="ko-KR" sz="1200">
+              <a:ln>
+                <a:solidFill>
+                  <a:schemeClr val="tx1">
+                    <a:alpha val="29000"/>
+                  </a:schemeClr>
+                </a:solidFill>
+              </a:ln>
+              <a:latin typeface="+mn-ea"/>
+              <a:cs typeface="맑은 고딕 Semilight" panose="020B0502040204020203" pitchFamily="50" charset="-127"/>
+            </a:endParaRPr>
+          </a:p>
+          <a:p>
+            <a:pPr marL="851916" lvl="2" indent="-228600">
+              <a:lnSpc>
+                <a:spcPct val="150000"/>
+              </a:lnSpc>
+              <a:buFont typeface="+mj-lt"/>
+              <a:buAutoNum type="arabicParenR"/>
+              <a:tabLst>
+                <a:tab pos="182563" algn="l"/>
+                <a:tab pos="449263" algn="l"/>
+              </a:tabLst>
+            </a:pPr>
+            <a:r>
+              <a:rPr lang="en-US" altLang="ko-KR" sz="1200" smtClean="0">
+                <a:ln>
+                  <a:solidFill>
+                    <a:schemeClr val="tx1">
+                      <a:alpha val="29000"/>
+                    </a:schemeClr>
+                  </a:solidFill>
+                </a:ln>
+                <a:latin typeface="+mn-ea"/>
+                <a:cs typeface="맑은 고딕 Semilight" panose="020B0502040204020203" pitchFamily="50" charset="-127"/>
+              </a:rPr>
+              <a:t>getTime()</a:t>
+            </a:r>
+            <a:endParaRPr lang="en-US" altLang="ko-KR" sz="1200">
+              <a:ln>
+                <a:solidFill>
+                  <a:schemeClr val="tx1">
+                    <a:alpha val="29000"/>
+                  </a:schemeClr>
+                </a:solidFill>
+              </a:ln>
+              <a:latin typeface="+mn-ea"/>
+              <a:cs typeface="맑은 고딕 Semilight" panose="020B0502040204020203" pitchFamily="50" charset="-127"/>
+            </a:endParaRPr>
+          </a:p>
+          <a:p>
+            <a:pPr marL="851916" lvl="2" indent="-228600">
+              <a:lnSpc>
+                <a:spcPct val="150000"/>
+              </a:lnSpc>
+              <a:buFont typeface="+mj-lt"/>
+              <a:buAutoNum type="arabicParenR"/>
+              <a:tabLst>
+                <a:tab pos="182563" algn="l"/>
+                <a:tab pos="449263" algn="l"/>
+              </a:tabLst>
+            </a:pPr>
+            <a:r>
+              <a:rPr lang="en-US" altLang="ko-KR" sz="1200" smtClean="0">
+                <a:ln>
+                  <a:solidFill>
+                    <a:schemeClr val="tx1">
+                      <a:alpha val="29000"/>
+                    </a:schemeClr>
+                  </a:solidFill>
+                </a:ln>
+                <a:latin typeface="+mn-ea"/>
+                <a:cs typeface="맑은 고딕 Semilight" panose="020B0502040204020203" pitchFamily="50" charset="-127"/>
+              </a:rPr>
+              <a:t>getHours()</a:t>
+            </a:r>
+            <a:endParaRPr lang="en-US" altLang="ko-KR" sz="1200">
+              <a:ln>
+                <a:solidFill>
+                  <a:schemeClr val="tx1">
+                    <a:alpha val="29000"/>
+                  </a:schemeClr>
+                </a:solidFill>
+              </a:ln>
+              <a:latin typeface="+mn-ea"/>
+              <a:cs typeface="맑은 고딕 Semilight" panose="020B0502040204020203" pitchFamily="50" charset="-127"/>
+            </a:endParaRPr>
+          </a:p>
+          <a:p>
+            <a:pPr marL="851916" lvl="2" indent="-228600">
+              <a:lnSpc>
+                <a:spcPct val="150000"/>
+              </a:lnSpc>
+              <a:buFont typeface="+mj-lt"/>
+              <a:buAutoNum type="arabicParenR"/>
+              <a:tabLst>
+                <a:tab pos="182563" algn="l"/>
+                <a:tab pos="449263" algn="l"/>
+              </a:tabLst>
+            </a:pPr>
+            <a:r>
+              <a:rPr lang="en-US" altLang="ko-KR" sz="1200" smtClean="0">
+                <a:ln>
+                  <a:solidFill>
+                    <a:schemeClr val="tx1">
+                      <a:alpha val="29000"/>
+                    </a:schemeClr>
+                  </a:solidFill>
+                </a:ln>
+                <a:latin typeface="+mn-ea"/>
+                <a:cs typeface="맑은 고딕 Semilight" panose="020B0502040204020203" pitchFamily="50" charset="-127"/>
+              </a:rPr>
+              <a:t>getMinutes()</a:t>
+            </a:r>
+            <a:endParaRPr lang="en-US" altLang="ko-KR" sz="1200">
+              <a:ln>
+                <a:solidFill>
+                  <a:schemeClr val="tx1">
+                    <a:alpha val="29000"/>
+                  </a:schemeClr>
+                </a:solidFill>
+              </a:ln>
+              <a:latin typeface="+mn-ea"/>
+              <a:cs typeface="맑은 고딕 Semilight" panose="020B0502040204020203" pitchFamily="50" charset="-127"/>
+            </a:endParaRPr>
+          </a:p>
+          <a:p>
+            <a:pPr marL="851916" lvl="2" indent="-228600">
+              <a:lnSpc>
+                <a:spcPct val="150000"/>
+              </a:lnSpc>
+              <a:buFont typeface="+mj-lt"/>
+              <a:buAutoNum type="arabicParenR"/>
+              <a:tabLst>
+                <a:tab pos="182563" algn="l"/>
+                <a:tab pos="449263" algn="l"/>
+              </a:tabLst>
+            </a:pPr>
+            <a:r>
+              <a:rPr lang="en-US" altLang="ko-KR" sz="1200" smtClean="0">
+                <a:ln>
+                  <a:solidFill>
+                    <a:schemeClr val="tx1">
+                      <a:alpha val="29000"/>
+                    </a:schemeClr>
+                  </a:solidFill>
+                </a:ln>
+                <a:latin typeface="+mn-ea"/>
+                <a:cs typeface="맑은 고딕 Semilight" panose="020B0502040204020203" pitchFamily="50" charset="-127"/>
+              </a:rPr>
+              <a:t>getSeconds()</a:t>
+            </a:r>
+            <a:endParaRPr lang="en-US" altLang="ko-KR" sz="1200">
+              <a:ln>
+                <a:solidFill>
+                  <a:schemeClr val="tx1">
+                    <a:alpha val="29000"/>
+                  </a:schemeClr>
+                </a:solidFill>
+              </a:ln>
+              <a:latin typeface="+mn-ea"/>
+              <a:cs typeface="맑은 고딕 Semilight" panose="020B0502040204020203" pitchFamily="50" charset="-127"/>
+            </a:endParaRPr>
+          </a:p>
+          <a:p>
+            <a:pPr marL="851916" lvl="2" indent="-228600">
+              <a:lnSpc>
+                <a:spcPct val="150000"/>
+              </a:lnSpc>
+              <a:buFont typeface="+mj-lt"/>
+              <a:buAutoNum type="arabicParenR"/>
+              <a:tabLst>
+                <a:tab pos="182563" algn="l"/>
+                <a:tab pos="449263" algn="l"/>
+              </a:tabLst>
+            </a:pPr>
+            <a:r>
+              <a:rPr lang="en-US" altLang="ko-KR" sz="1200" smtClean="0">
+                <a:ln>
+                  <a:solidFill>
+                    <a:schemeClr val="tx1">
+                      <a:alpha val="29000"/>
+                    </a:schemeClr>
+                  </a:solidFill>
+                </a:ln>
+                <a:latin typeface="+mn-ea"/>
+                <a:cs typeface="맑은 고딕 Semilight" panose="020B0502040204020203" pitchFamily="50" charset="-127"/>
+              </a:rPr>
+              <a:t>getMilliseconds</a:t>
+            </a:r>
+            <a:r>
+              <a:rPr lang="en-US" altLang="ko-KR" sz="1200">
+                <a:ln>
+                  <a:solidFill>
+                    <a:schemeClr val="tx1">
+                      <a:alpha val="29000"/>
+                    </a:schemeClr>
+                  </a:solidFill>
+                </a:ln>
+                <a:latin typeface="+mn-ea"/>
+                <a:cs typeface="맑은 고딕 Semilight" panose="020B0502040204020203" pitchFamily="50" charset="-127"/>
+              </a:rPr>
+              <a:t>()</a:t>
+            </a:r>
+          </a:p>
+        </p:txBody>
+      </p:sp>
+    </p:spTree>
+    <p:extLst>
+      <p:ext uri="{BB962C8B-B14F-4D97-AF65-F5344CB8AC3E}">
+        <p14:creationId xmlns:p14="http://schemas.microsoft.com/office/powerpoint/2010/main" val="2121282790"/>
+      </p:ext>
+    </p:extLst>
+  </p:cSld>
+  <p:clrMapOvr>
+    <a:masterClrMapping/>
+  </p:clrMapOvr>
+  <p:timing>
+    <p:tnLst>
+      <p:par>
+        <p:cTn id="1" dur="indefinite" restart="never" nodeType="tmRoot"/>
+      </p:par>
+    </p:tnLst>
+  </p:timing>
+</p:sld>
+</file>
+
+<file path=ppt/slides/slide23.xml><?xml version="1.0" encoding="utf-8"?>
+<p:sld xmlns:a="http://schemas.openxmlformats.org/drawingml/2006/main" xmlns:r="http://schemas.openxmlformats.org/officeDocument/2006/relationships" xmlns:p="http://schemas.openxmlformats.org/presentationml/2006/main">
+  <p:cSld>
+    <p:spTree>
+      <p:nvGrpSpPr>
+        <p:cNvPr id="1" name=""/>
+        <p:cNvGrpSpPr/>
+        <p:nvPr/>
+      </p:nvGrpSpPr>
+      <p:grpSpPr>
+        <a:xfrm>
+          <a:off x="0" y="0"/>
+          <a:ext cx="0" cy="0"/>
+          <a:chOff x="0" y="0"/>
+          <a:chExt cx="0" cy="0"/>
+        </a:xfrm>
+      </p:grpSpPr>
+      <p:cxnSp>
+        <p:nvCxnSpPr>
+          <p:cNvPr id="7" name="직선 연결선 6"/>
+          <p:cNvCxnSpPr/>
+          <p:nvPr/>
+        </p:nvCxnSpPr>
+        <p:spPr>
+          <a:xfrm>
+            <a:off x="0" y="683316"/>
+            <a:ext cx="3657600" cy="0"/>
+          </a:xfrm>
+          <a:prstGeom prst="line">
+            <a:avLst/>
+          </a:prstGeom>
+          <a:ln w="28575">
+            <a:solidFill>
+              <a:srgbClr val="ED553B"/>
+            </a:solidFill>
+            <a:tailEnd type="oval" w="lg" len="lg"/>
+          </a:ln>
+        </p:spPr>
+        <p:style>
+          <a:lnRef idx="1">
+            <a:schemeClr val="accent1"/>
+          </a:lnRef>
+          <a:fillRef idx="0">
+            <a:schemeClr val="accent1"/>
+          </a:fillRef>
+          <a:effectRef idx="0">
+            <a:schemeClr val="accent1"/>
+          </a:effectRef>
+          <a:fontRef idx="minor">
+            <a:schemeClr val="tx1"/>
+          </a:fontRef>
+        </p:style>
+      </p:cxnSp>
+      <p:sp>
+        <p:nvSpPr>
+          <p:cNvPr id="9" name="TextBox 8"/>
+          <p:cNvSpPr txBox="1"/>
+          <p:nvPr/>
+        </p:nvSpPr>
+        <p:spPr>
+          <a:xfrm>
+            <a:off x="322413" y="140957"/>
+            <a:ext cx="5552787" cy="400110"/>
+          </a:xfrm>
+          <a:prstGeom prst="rect">
+            <a:avLst/>
+          </a:prstGeom>
+          <a:noFill/>
+        </p:spPr>
+        <p:txBody>
+          <a:bodyPr wrap="square" rtlCol="0">
+            <a:spAutoFit/>
+          </a:bodyPr>
+          <a:lstStyle/>
+          <a:p>
+            <a:r>
+              <a:rPr lang="en-US" altLang="ko-KR" sz="2000" smtClean="0">
+                <a:ln>
+                  <a:solidFill>
+                    <a:schemeClr val="tx1">
+                      <a:alpha val="29000"/>
+                    </a:schemeClr>
+                  </a:solidFill>
+                </a:ln>
+                <a:latin typeface="+mn-ea"/>
+                <a:cs typeface="맑은 고딕 Semilight" panose="020B0502040204020203" pitchFamily="50" charset="-127"/>
+              </a:rPr>
+              <a:t>JavaScript</a:t>
+            </a:r>
+            <a:r>
+              <a:rPr lang="ko-KR" altLang="en-US" sz="2000" smtClean="0">
+                <a:ln>
+                  <a:solidFill>
+                    <a:schemeClr val="tx1">
+                      <a:alpha val="29000"/>
+                    </a:schemeClr>
+                  </a:solidFill>
+                </a:ln>
+                <a:latin typeface="+mn-ea"/>
+                <a:cs typeface="맑은 고딕 Semilight" panose="020B0502040204020203" pitchFamily="50" charset="-127"/>
+              </a:rPr>
+              <a:t>의 변수와 타입</a:t>
+            </a:r>
+            <a:endParaRPr lang="en-US" altLang="ko-KR" sz="2000" dirty="0">
+              <a:ln>
+                <a:solidFill>
+                  <a:schemeClr val="tx1">
+                    <a:alpha val="29000"/>
+                  </a:schemeClr>
+                </a:solidFill>
+              </a:ln>
+              <a:latin typeface="+mn-ea"/>
+              <a:cs typeface="맑은 고딕 Semilight" panose="020B0502040204020203" pitchFamily="50" charset="-127"/>
+            </a:endParaRPr>
+          </a:p>
+        </p:txBody>
+      </p:sp>
+      <p:sp>
+        <p:nvSpPr>
+          <p:cNvPr id="74" name="TextBox 73"/>
+          <p:cNvSpPr txBox="1"/>
+          <p:nvPr/>
+        </p:nvSpPr>
+        <p:spPr>
+          <a:xfrm>
+            <a:off x="267599" y="825566"/>
+            <a:ext cx="9578660" cy="454292"/>
+          </a:xfrm>
+          <a:prstGeom prst="rect">
+            <a:avLst/>
+          </a:prstGeom>
+          <a:noFill/>
+        </p:spPr>
+        <p:txBody>
+          <a:bodyPr wrap="square" rtlCol="0">
+            <a:spAutoFit/>
+          </a:bodyPr>
+          <a:lstStyle/>
+          <a:p>
+            <a:pPr marL="285750" indent="-285750">
+              <a:lnSpc>
+                <a:spcPct val="150000"/>
+              </a:lnSpc>
+              <a:buFont typeface="Arial" panose="020B0604020202020204" pitchFamily="34" charset="0"/>
+              <a:buChar char="•"/>
+            </a:pPr>
+            <a:r>
+              <a:rPr lang="ko-KR" altLang="en-US" sz="1800">
+                <a:ln>
+                  <a:solidFill>
+                    <a:schemeClr val="tx1">
+                      <a:alpha val="29000"/>
+                    </a:schemeClr>
+                  </a:solidFill>
+                </a:ln>
+                <a:latin typeface="+mn-ea"/>
+                <a:cs typeface="맑은 고딕 Semilight" panose="020B0502040204020203" pitchFamily="50" charset="-127"/>
+                <a:sym typeface="Wingdings" panose="05000000000000000000" pitchFamily="2" charset="2"/>
+              </a:rPr>
+              <a:t>자바스크립트 변수의 </a:t>
+            </a:r>
+            <a:r>
+              <a:rPr lang="ko-KR" altLang="en-US" sz="1800">
+                <a:ln>
+                  <a:solidFill>
+                    <a:schemeClr val="tx1">
+                      <a:alpha val="29000"/>
+                    </a:schemeClr>
+                  </a:solidFill>
+                </a:ln>
+                <a:latin typeface="+mn-ea"/>
+                <a:cs typeface="맑은 고딕 Semilight" panose="020B0502040204020203" pitchFamily="50" charset="-127"/>
+                <a:sym typeface="Wingdings" panose="05000000000000000000" pitchFamily="2" charset="2"/>
+              </a:rPr>
+              <a:t>날짜를 문자열이나 </a:t>
+            </a:r>
+            <a:r>
+              <a:rPr lang="ko-KR" altLang="en-US" sz="1800">
+                <a:ln>
+                  <a:solidFill>
+                    <a:schemeClr val="tx1">
+                      <a:alpha val="29000"/>
+                    </a:schemeClr>
+                  </a:solidFill>
+                </a:ln>
+                <a:latin typeface="+mn-ea"/>
+                <a:cs typeface="맑은 고딕 Semilight" panose="020B0502040204020203" pitchFamily="50" charset="-127"/>
+                <a:sym typeface="Wingdings" panose="05000000000000000000" pitchFamily="2" charset="2"/>
+              </a:rPr>
+              <a:t>숫자로 </a:t>
+            </a:r>
+            <a:r>
+              <a:rPr lang="ko-KR" altLang="en-US" sz="1800" smtClean="0">
+                <a:ln>
+                  <a:solidFill>
+                    <a:schemeClr val="tx1">
+                      <a:alpha val="29000"/>
+                    </a:schemeClr>
+                  </a:solidFill>
+                </a:ln>
+                <a:latin typeface="+mn-ea"/>
+                <a:cs typeface="맑은 고딕 Semilight" panose="020B0502040204020203" pitchFamily="50" charset="-127"/>
+                <a:sym typeface="Wingdings" panose="05000000000000000000" pitchFamily="2" charset="2"/>
+              </a:rPr>
+              <a:t>변환</a:t>
+            </a:r>
+            <a:endParaRPr lang="en-US" altLang="ko-KR" sz="1800" dirty="0">
+              <a:ln>
+                <a:solidFill>
+                  <a:schemeClr val="tx1">
+                    <a:alpha val="29000"/>
+                  </a:schemeClr>
+                </a:solidFill>
+              </a:ln>
+              <a:latin typeface="+mn-ea"/>
+              <a:cs typeface="맑은 고딕 Semilight" panose="020B0502040204020203" pitchFamily="50" charset="-127"/>
+              <a:sym typeface="Wingdings" panose="05000000000000000000" pitchFamily="2" charset="2"/>
+            </a:endParaRPr>
+          </a:p>
+        </p:txBody>
+      </p:sp>
+      <p:pic>
+        <p:nvPicPr>
+          <p:cNvPr id="2" name="그림 1"/>
+          <p:cNvPicPr>
+            <a:picLocks noChangeAspect="1"/>
+          </p:cNvPicPr>
+          <p:nvPr/>
+        </p:nvPicPr>
+        <p:blipFill>
+          <a:blip r:embed="rId3"/>
+          <a:stretch>
+            <a:fillRect/>
+          </a:stretch>
+        </p:blipFill>
+        <p:spPr>
+          <a:xfrm>
+            <a:off x="2337973" y="1564357"/>
+            <a:ext cx="5437911" cy="3777917"/>
+          </a:xfrm>
+          <a:prstGeom prst="rect">
+            <a:avLst/>
+          </a:prstGeom>
+        </p:spPr>
+      </p:pic>
+    </p:spTree>
+    <p:extLst>
+      <p:ext uri="{BB962C8B-B14F-4D97-AF65-F5344CB8AC3E}">
+        <p14:creationId xmlns:p14="http://schemas.microsoft.com/office/powerpoint/2010/main" val="165600851"/>
+      </p:ext>
+    </p:extLst>
+  </p:cSld>
+  <p:clrMapOvr>
+    <a:masterClrMapping/>
+  </p:clrMapOvr>
+  <p:timing>
+    <p:tnLst>
+      <p:par>
+        <p:cTn id="1" dur="indefinite" restart="never" nodeType="tmRoot"/>
+      </p:par>
+    </p:tnLst>
+  </p:timing>
+</p:sld>
+</file>
+
+<file path=ppt/slides/slide24.xml><?xml version="1.0" encoding="utf-8"?>
+<p:sld xmlns:a="http://schemas.openxmlformats.org/drawingml/2006/main" xmlns:r="http://schemas.openxmlformats.org/officeDocument/2006/relationships" xmlns:p="http://schemas.openxmlformats.org/presentationml/2006/main">
+  <p:cSld>
+    <p:spTree>
+      <p:nvGrpSpPr>
+        <p:cNvPr id="1" name=""/>
+        <p:cNvGrpSpPr/>
+        <p:nvPr/>
+      </p:nvGrpSpPr>
+      <p:grpSpPr>
+        <a:xfrm>
+          <a:off x="0" y="0"/>
+          <a:ext cx="0" cy="0"/>
+          <a:chOff x="0" y="0"/>
+          <a:chExt cx="0" cy="0"/>
+        </a:xfrm>
+      </p:grpSpPr>
+      <p:cxnSp>
+        <p:nvCxnSpPr>
+          <p:cNvPr id="7" name="직선 연결선 6"/>
+          <p:cNvCxnSpPr/>
+          <p:nvPr/>
+        </p:nvCxnSpPr>
+        <p:spPr>
+          <a:xfrm>
+            <a:off x="0" y="683316"/>
+            <a:ext cx="3657600" cy="0"/>
+          </a:xfrm>
+          <a:prstGeom prst="line">
+            <a:avLst/>
+          </a:prstGeom>
+          <a:ln w="28575">
+            <a:solidFill>
+              <a:srgbClr val="ED553B"/>
+            </a:solidFill>
+            <a:tailEnd type="oval" w="lg" len="lg"/>
+          </a:ln>
+        </p:spPr>
+        <p:style>
+          <a:lnRef idx="1">
+            <a:schemeClr val="accent1"/>
+          </a:lnRef>
+          <a:fillRef idx="0">
+            <a:schemeClr val="accent1"/>
+          </a:fillRef>
+          <a:effectRef idx="0">
+            <a:schemeClr val="accent1"/>
+          </a:effectRef>
+          <a:fontRef idx="minor">
+            <a:schemeClr val="tx1"/>
+          </a:fontRef>
+        </p:style>
+      </p:cxnSp>
+      <p:sp>
+        <p:nvSpPr>
+          <p:cNvPr id="9" name="TextBox 8"/>
+          <p:cNvSpPr txBox="1"/>
+          <p:nvPr/>
+        </p:nvSpPr>
+        <p:spPr>
+          <a:xfrm>
+            <a:off x="322413" y="140957"/>
+            <a:ext cx="5552787" cy="400110"/>
+          </a:xfrm>
+          <a:prstGeom prst="rect">
+            <a:avLst/>
+          </a:prstGeom>
+          <a:noFill/>
+        </p:spPr>
+        <p:txBody>
+          <a:bodyPr wrap="square" rtlCol="0">
+            <a:spAutoFit/>
+          </a:bodyPr>
+          <a:lstStyle/>
+          <a:p>
+            <a:r>
+              <a:rPr lang="en-US" altLang="ko-KR" sz="2000" smtClean="0">
+                <a:ln>
+                  <a:solidFill>
+                    <a:schemeClr val="tx1">
+                      <a:alpha val="29000"/>
+                    </a:schemeClr>
+                  </a:solidFill>
+                </a:ln>
+                <a:latin typeface="+mn-ea"/>
+                <a:cs typeface="맑은 고딕 Semilight" panose="020B0502040204020203" pitchFamily="50" charset="-127"/>
+              </a:rPr>
+              <a:t>JavaScript</a:t>
+            </a:r>
+            <a:r>
+              <a:rPr lang="ko-KR" altLang="en-US" sz="2000" smtClean="0">
+                <a:ln>
+                  <a:solidFill>
+                    <a:schemeClr val="tx1">
+                      <a:alpha val="29000"/>
+                    </a:schemeClr>
+                  </a:solidFill>
+                </a:ln>
+                <a:latin typeface="+mn-ea"/>
+                <a:cs typeface="맑은 고딕 Semilight" panose="020B0502040204020203" pitchFamily="50" charset="-127"/>
+              </a:rPr>
+              <a:t>의 변수와 타입</a:t>
+            </a:r>
+            <a:endParaRPr lang="en-US" altLang="ko-KR" sz="2000" dirty="0">
+              <a:ln>
+                <a:solidFill>
+                  <a:schemeClr val="tx1">
+                    <a:alpha val="29000"/>
+                  </a:schemeClr>
+                </a:solidFill>
+              </a:ln>
+              <a:latin typeface="+mn-ea"/>
+              <a:cs typeface="맑은 고딕 Semilight" panose="020B0502040204020203" pitchFamily="50" charset="-127"/>
+            </a:endParaRPr>
+          </a:p>
+        </p:txBody>
+      </p:sp>
+      <p:sp>
+        <p:nvSpPr>
+          <p:cNvPr id="74" name="TextBox 73"/>
+          <p:cNvSpPr txBox="1"/>
+          <p:nvPr/>
+        </p:nvSpPr>
+        <p:spPr>
+          <a:xfrm>
+            <a:off x="267599" y="825566"/>
+            <a:ext cx="9578660" cy="454292"/>
+          </a:xfrm>
+          <a:prstGeom prst="rect">
+            <a:avLst/>
+          </a:prstGeom>
+          <a:noFill/>
+        </p:spPr>
+        <p:txBody>
+          <a:bodyPr wrap="square" rtlCol="0">
+            <a:spAutoFit/>
+          </a:bodyPr>
+          <a:lstStyle/>
+          <a:p>
+            <a:pPr marL="285750" indent="-285750">
+              <a:lnSpc>
+                <a:spcPct val="150000"/>
+              </a:lnSpc>
+              <a:buFont typeface="Arial" panose="020B0604020202020204" pitchFamily="34" charset="0"/>
+              <a:buChar char="•"/>
+            </a:pPr>
+            <a:r>
+              <a:rPr lang="ko-KR" altLang="en-US" sz="1800">
+                <a:ln>
+                  <a:solidFill>
+                    <a:schemeClr val="tx1">
+                      <a:alpha val="29000"/>
+                    </a:schemeClr>
+                  </a:solidFill>
+                </a:ln>
+                <a:latin typeface="+mn-ea"/>
+                <a:cs typeface="맑은 고딕 Semilight" panose="020B0502040204020203" pitchFamily="50" charset="-127"/>
+                <a:sym typeface="Wingdings" panose="05000000000000000000" pitchFamily="2" charset="2"/>
+              </a:rPr>
+              <a:t>자바스크립트 변수의 </a:t>
+            </a:r>
+            <a:r>
+              <a:rPr lang="ko-KR" altLang="en-US" sz="1800">
+                <a:ln>
+                  <a:solidFill>
+                    <a:schemeClr val="tx1">
+                      <a:alpha val="29000"/>
+                    </a:schemeClr>
+                  </a:solidFill>
+                </a:ln>
+                <a:latin typeface="+mn-ea"/>
+                <a:cs typeface="맑은 고딕 Semilight" panose="020B0502040204020203" pitchFamily="50" charset="-127"/>
+                <a:sym typeface="Wingdings" panose="05000000000000000000" pitchFamily="2" charset="2"/>
+              </a:rPr>
+              <a:t>날짜를 문자열이나 </a:t>
+            </a:r>
+            <a:r>
+              <a:rPr lang="ko-KR" altLang="en-US" sz="1800">
+                <a:ln>
+                  <a:solidFill>
+                    <a:schemeClr val="tx1">
+                      <a:alpha val="29000"/>
+                    </a:schemeClr>
+                  </a:solidFill>
+                </a:ln>
+                <a:latin typeface="+mn-ea"/>
+                <a:cs typeface="맑은 고딕 Semilight" panose="020B0502040204020203" pitchFamily="50" charset="-127"/>
+                <a:sym typeface="Wingdings" panose="05000000000000000000" pitchFamily="2" charset="2"/>
+              </a:rPr>
+              <a:t>숫자로 </a:t>
+            </a:r>
+            <a:r>
+              <a:rPr lang="ko-KR" altLang="en-US" sz="1800" smtClean="0">
+                <a:ln>
+                  <a:solidFill>
+                    <a:schemeClr val="tx1">
+                      <a:alpha val="29000"/>
+                    </a:schemeClr>
+                  </a:solidFill>
+                </a:ln>
+                <a:latin typeface="+mn-ea"/>
+                <a:cs typeface="맑은 고딕 Semilight" panose="020B0502040204020203" pitchFamily="50" charset="-127"/>
+                <a:sym typeface="Wingdings" panose="05000000000000000000" pitchFamily="2" charset="2"/>
+              </a:rPr>
+              <a:t>변환</a:t>
+            </a:r>
+            <a:endParaRPr lang="en-US" altLang="ko-KR" sz="1800" dirty="0">
+              <a:ln>
+                <a:solidFill>
+                  <a:schemeClr val="tx1">
+                    <a:alpha val="29000"/>
+                  </a:schemeClr>
+                </a:solidFill>
+              </a:ln>
+              <a:latin typeface="+mn-ea"/>
+              <a:cs typeface="맑은 고딕 Semilight" panose="020B0502040204020203" pitchFamily="50" charset="-127"/>
+              <a:sym typeface="Wingdings" panose="05000000000000000000" pitchFamily="2" charset="2"/>
+            </a:endParaRPr>
+          </a:p>
+        </p:txBody>
+      </p:sp>
+      <p:pic>
+        <p:nvPicPr>
+          <p:cNvPr id="3" name="그림 2"/>
+          <p:cNvPicPr>
+            <a:picLocks noChangeAspect="1"/>
+          </p:cNvPicPr>
+          <p:nvPr/>
+        </p:nvPicPr>
+        <p:blipFill>
+          <a:blip r:embed="rId3"/>
+          <a:stretch>
+            <a:fillRect/>
+          </a:stretch>
+        </p:blipFill>
+        <p:spPr>
+          <a:xfrm>
+            <a:off x="2032000" y="2163624"/>
+            <a:ext cx="6096000" cy="1838325"/>
+          </a:xfrm>
+          <a:prstGeom prst="rect">
+            <a:avLst/>
+          </a:prstGeom>
+        </p:spPr>
+      </p:pic>
+    </p:spTree>
+    <p:extLst>
+      <p:ext uri="{BB962C8B-B14F-4D97-AF65-F5344CB8AC3E}">
+        <p14:creationId xmlns:p14="http://schemas.microsoft.com/office/powerpoint/2010/main" val="3432030887"/>
+      </p:ext>
+    </p:extLst>
+  </p:cSld>
+  <p:clrMapOvr>
+    <a:masterClrMapping/>
+  </p:clrMapOvr>
+  <p:timing>
+    <p:tnLst>
+      <p:par>
+        <p:cTn id="1" dur="indefinite" restart="never" nodeType="tmRoot"/>
+      </p:par>
+    </p:tnLst>
+  </p:timing>
+</p:sld>
+</file>
+
+<file path=ppt/slides/slide25.xml><?xml version="1.0" encoding="utf-8"?>
+<p:sld xmlns:a="http://schemas.openxmlformats.org/drawingml/2006/main" xmlns:r="http://schemas.openxmlformats.org/officeDocument/2006/relationships" xmlns:p="http://schemas.openxmlformats.org/presentationml/2006/main">
+  <p:cSld>
+    <p:spTree>
+      <p:nvGrpSpPr>
+        <p:cNvPr id="1" name=""/>
+        <p:cNvGrpSpPr/>
+        <p:nvPr/>
+      </p:nvGrpSpPr>
+      <p:grpSpPr>
+        <a:xfrm>
+          <a:off x="0" y="0"/>
+          <a:ext cx="0" cy="0"/>
+          <a:chOff x="0" y="0"/>
+          <a:chExt cx="0" cy="0"/>
+        </a:xfrm>
+      </p:grpSpPr>
+      <p:cxnSp>
+        <p:nvCxnSpPr>
+          <p:cNvPr id="7" name="직선 연결선 6"/>
+          <p:cNvCxnSpPr/>
+          <p:nvPr/>
+        </p:nvCxnSpPr>
+        <p:spPr>
+          <a:xfrm>
+            <a:off x="0" y="683316"/>
+            <a:ext cx="3657600" cy="0"/>
+          </a:xfrm>
+          <a:prstGeom prst="line">
+            <a:avLst/>
+          </a:prstGeom>
+          <a:ln w="28575">
+            <a:solidFill>
+              <a:srgbClr val="ED553B"/>
+            </a:solidFill>
+            <a:tailEnd type="oval" w="lg" len="lg"/>
+          </a:ln>
+        </p:spPr>
+        <p:style>
+          <a:lnRef idx="1">
+            <a:schemeClr val="accent1"/>
+          </a:lnRef>
+          <a:fillRef idx="0">
+            <a:schemeClr val="accent1"/>
+          </a:fillRef>
+          <a:effectRef idx="0">
+            <a:schemeClr val="accent1"/>
+          </a:effectRef>
+          <a:fontRef idx="minor">
+            <a:schemeClr val="tx1"/>
+          </a:fontRef>
+        </p:style>
+      </p:cxnSp>
+      <p:sp>
+        <p:nvSpPr>
+          <p:cNvPr id="9" name="TextBox 8"/>
+          <p:cNvSpPr txBox="1"/>
+          <p:nvPr/>
+        </p:nvSpPr>
+        <p:spPr>
+          <a:xfrm>
+            <a:off x="322413" y="140957"/>
+            <a:ext cx="5552787" cy="400110"/>
+          </a:xfrm>
+          <a:prstGeom prst="rect">
+            <a:avLst/>
+          </a:prstGeom>
+          <a:noFill/>
+        </p:spPr>
+        <p:txBody>
+          <a:bodyPr wrap="square" rtlCol="0">
+            <a:spAutoFit/>
+          </a:bodyPr>
+          <a:lstStyle/>
+          <a:p>
+            <a:r>
+              <a:rPr lang="en-US" altLang="ko-KR" sz="2000" smtClean="0">
+                <a:ln>
+                  <a:solidFill>
+                    <a:schemeClr val="tx1">
+                      <a:alpha val="29000"/>
+                    </a:schemeClr>
+                  </a:solidFill>
+                </a:ln>
+                <a:latin typeface="+mn-ea"/>
+                <a:cs typeface="맑은 고딕 Semilight" panose="020B0502040204020203" pitchFamily="50" charset="-127"/>
+              </a:rPr>
+              <a:t>JavaScript</a:t>
+            </a:r>
+            <a:r>
+              <a:rPr lang="ko-KR" altLang="en-US" sz="2000" smtClean="0">
+                <a:ln>
+                  <a:solidFill>
+                    <a:schemeClr val="tx1">
+                      <a:alpha val="29000"/>
+                    </a:schemeClr>
+                  </a:solidFill>
+                </a:ln>
+                <a:latin typeface="+mn-ea"/>
+                <a:cs typeface="맑은 고딕 Semilight" panose="020B0502040204020203" pitchFamily="50" charset="-127"/>
+              </a:rPr>
+              <a:t>의 변수와 타입</a:t>
+            </a:r>
+            <a:endParaRPr lang="en-US" altLang="ko-KR" sz="2000" dirty="0">
+              <a:ln>
+                <a:solidFill>
+                  <a:schemeClr val="tx1">
+                    <a:alpha val="29000"/>
+                  </a:schemeClr>
+                </a:solidFill>
+              </a:ln>
+              <a:latin typeface="+mn-ea"/>
+              <a:cs typeface="맑은 고딕 Semilight" panose="020B0502040204020203" pitchFamily="50" charset="-127"/>
+            </a:endParaRPr>
+          </a:p>
+        </p:txBody>
+      </p:sp>
+      <p:sp>
+        <p:nvSpPr>
+          <p:cNvPr id="74" name="TextBox 73"/>
+          <p:cNvSpPr txBox="1"/>
+          <p:nvPr/>
+        </p:nvSpPr>
+        <p:spPr>
+          <a:xfrm>
+            <a:off x="267599" y="825566"/>
+            <a:ext cx="9578660" cy="1708160"/>
+          </a:xfrm>
+          <a:prstGeom prst="rect">
+            <a:avLst/>
+          </a:prstGeom>
+          <a:noFill/>
+        </p:spPr>
+        <p:txBody>
+          <a:bodyPr wrap="square" rtlCol="0">
+            <a:spAutoFit/>
+          </a:bodyPr>
+          <a:lstStyle/>
+          <a:p>
+            <a:pPr marL="285750" indent="-285750">
+              <a:lnSpc>
+                <a:spcPct val="150000"/>
+              </a:lnSpc>
+              <a:buFont typeface="Arial" panose="020B0604020202020204" pitchFamily="34" charset="0"/>
+              <a:buChar char="•"/>
+            </a:pPr>
+            <a:r>
+              <a:rPr lang="ko-KR" altLang="en-US" sz="1800">
+                <a:ln>
+                  <a:solidFill>
+                    <a:schemeClr val="tx1">
+                      <a:alpha val="29000"/>
+                    </a:schemeClr>
+                  </a:solidFill>
+                </a:ln>
+                <a:latin typeface="+mn-ea"/>
+                <a:cs typeface="맑은 고딕 Semilight" panose="020B0502040204020203" pitchFamily="50" charset="-127"/>
+                <a:sym typeface="Wingdings" panose="05000000000000000000" pitchFamily="2" charset="2"/>
+              </a:rPr>
+              <a:t>자바스크립트 변수의 </a:t>
+            </a:r>
+            <a:r>
+              <a:rPr lang="ko-KR" altLang="en-US" sz="1800">
+                <a:ln>
+                  <a:solidFill>
+                    <a:schemeClr val="tx1">
+                      <a:alpha val="29000"/>
+                    </a:schemeClr>
+                  </a:solidFill>
+                </a:ln>
+                <a:latin typeface="+mn-ea"/>
+                <a:cs typeface="맑은 고딕 Semilight" panose="020B0502040204020203" pitchFamily="50" charset="-127"/>
+                <a:sym typeface="Wingdings" panose="05000000000000000000" pitchFamily="2" charset="2"/>
+              </a:rPr>
+              <a:t>문자열을 </a:t>
+            </a:r>
+            <a:r>
+              <a:rPr lang="ko-KR" altLang="en-US" sz="1800">
+                <a:ln>
+                  <a:solidFill>
+                    <a:schemeClr val="tx1">
+                      <a:alpha val="29000"/>
+                    </a:schemeClr>
+                  </a:solidFill>
+                </a:ln>
+                <a:latin typeface="+mn-ea"/>
+                <a:cs typeface="맑은 고딕 Semilight" panose="020B0502040204020203" pitchFamily="50" charset="-127"/>
+                <a:sym typeface="Wingdings" panose="05000000000000000000" pitchFamily="2" charset="2"/>
+              </a:rPr>
+              <a:t>숫자로 </a:t>
+            </a:r>
+            <a:r>
+              <a:rPr lang="ko-KR" altLang="en-US" sz="1800" smtClean="0">
+                <a:ln>
+                  <a:solidFill>
+                    <a:schemeClr val="tx1">
+                      <a:alpha val="29000"/>
+                    </a:schemeClr>
+                  </a:solidFill>
+                </a:ln>
+                <a:latin typeface="+mn-ea"/>
+                <a:cs typeface="맑은 고딕 Semilight" panose="020B0502040204020203" pitchFamily="50" charset="-127"/>
+                <a:sym typeface="Wingdings" panose="05000000000000000000" pitchFamily="2" charset="2"/>
+              </a:rPr>
+              <a:t>변환</a:t>
+            </a:r>
+            <a:endParaRPr lang="en-US" altLang="ko-KR" sz="1800" dirty="0">
+              <a:ln>
+                <a:solidFill>
+                  <a:schemeClr val="tx1">
+                    <a:alpha val="29000"/>
+                  </a:schemeClr>
+                </a:solidFill>
+              </a:ln>
+              <a:latin typeface="+mn-ea"/>
+              <a:cs typeface="맑은 고딕 Semilight" panose="020B0502040204020203" pitchFamily="50" charset="-127"/>
+              <a:sym typeface="Wingdings" panose="05000000000000000000" pitchFamily="2" charset="2"/>
+            </a:endParaRPr>
+          </a:p>
+          <a:p>
+            <a:pPr marL="449263" lvl="1" indent="-182563">
+              <a:lnSpc>
+                <a:spcPct val="150000"/>
+              </a:lnSpc>
+              <a:buFontTx/>
+              <a:buChar char="-"/>
+              <a:tabLst>
+                <a:tab pos="182563" algn="l"/>
+                <a:tab pos="449263" algn="l"/>
+              </a:tabLst>
+            </a:pPr>
+            <a:r>
+              <a:rPr lang="ko-KR" altLang="en-US" sz="1400">
+                <a:ln>
+                  <a:solidFill>
+                    <a:schemeClr val="tx1">
+                      <a:alpha val="29000"/>
+                    </a:schemeClr>
+                  </a:solidFill>
+                </a:ln>
+                <a:latin typeface="+mn-ea"/>
+                <a:cs typeface="맑은 고딕 Semilight" panose="020B0502040204020203" pitchFamily="50" charset="-127"/>
+              </a:rPr>
+              <a:t>문자열을 숫자로 변환하는 가장 간단한 방법은 </a:t>
+            </a:r>
+            <a:r>
+              <a:rPr lang="en-US" altLang="ko-KR" sz="1400">
+                <a:ln>
+                  <a:solidFill>
+                    <a:schemeClr val="tx1">
+                      <a:alpha val="29000"/>
+                    </a:schemeClr>
+                  </a:solidFill>
+                </a:ln>
+                <a:latin typeface="+mn-ea"/>
+                <a:cs typeface="맑은 고딕 Semilight" panose="020B0502040204020203" pitchFamily="50" charset="-127"/>
+              </a:rPr>
+              <a:t>Number() </a:t>
+            </a:r>
+            <a:r>
+              <a:rPr lang="ko-KR" altLang="en-US" sz="1400">
+                <a:ln>
+                  <a:solidFill>
+                    <a:schemeClr val="tx1">
+                      <a:alpha val="29000"/>
+                    </a:schemeClr>
+                  </a:solidFill>
+                </a:ln>
+                <a:latin typeface="+mn-ea"/>
+                <a:cs typeface="맑은 고딕 Semilight" panose="020B0502040204020203" pitchFamily="50" charset="-127"/>
+              </a:rPr>
+              <a:t>함수를 사용하는 </a:t>
+            </a:r>
+            <a:r>
+              <a:rPr lang="ko-KR" altLang="en-US" sz="1400">
+                <a:ln>
+                  <a:solidFill>
+                    <a:schemeClr val="tx1">
+                      <a:alpha val="29000"/>
+                    </a:schemeClr>
+                  </a:solidFill>
+                </a:ln>
+                <a:latin typeface="+mn-ea"/>
+                <a:cs typeface="맑은 고딕 Semilight" panose="020B0502040204020203" pitchFamily="50" charset="-127"/>
+              </a:rPr>
+              <a:t>것입니다</a:t>
+            </a:r>
+            <a:r>
+              <a:rPr lang="en-US" altLang="ko-KR" sz="1400" smtClean="0">
+                <a:ln>
+                  <a:solidFill>
+                    <a:schemeClr val="tx1">
+                      <a:alpha val="29000"/>
+                    </a:schemeClr>
+                  </a:solidFill>
+                </a:ln>
+                <a:latin typeface="+mn-ea"/>
+                <a:cs typeface="맑은 고딕 Semilight" panose="020B0502040204020203" pitchFamily="50" charset="-127"/>
+              </a:rPr>
+              <a:t>.</a:t>
+            </a:r>
+            <a:endParaRPr lang="en-US" altLang="ko-KR" sz="1400">
+              <a:ln>
+                <a:solidFill>
+                  <a:schemeClr val="tx1">
+                    <a:alpha val="29000"/>
+                  </a:schemeClr>
+                </a:solidFill>
+              </a:ln>
+              <a:latin typeface="+mn-ea"/>
+              <a:cs typeface="맑은 고딕 Semilight" panose="020B0502040204020203" pitchFamily="50" charset="-127"/>
+            </a:endParaRPr>
+          </a:p>
+          <a:p>
+            <a:pPr marL="449263" lvl="1" indent="-182563">
+              <a:lnSpc>
+                <a:spcPct val="150000"/>
+              </a:lnSpc>
+              <a:buFontTx/>
+              <a:buChar char="-"/>
+              <a:tabLst>
+                <a:tab pos="182563" algn="l"/>
+                <a:tab pos="449263" algn="l"/>
+              </a:tabLst>
+            </a:pPr>
+            <a:r>
+              <a:rPr lang="ko-KR" altLang="en-US" sz="1400">
+                <a:ln>
+                  <a:solidFill>
+                    <a:schemeClr val="tx1">
+                      <a:alpha val="29000"/>
+                    </a:schemeClr>
+                  </a:solidFill>
+                </a:ln>
+                <a:latin typeface="+mn-ea"/>
+                <a:cs typeface="맑은 고딕 Semilight" panose="020B0502040204020203" pitchFamily="50" charset="-127"/>
+              </a:rPr>
+              <a:t>자바스크립트는 문자열을 숫자로 변환해 주는 두 개의 전역 함수를 별도로 </a:t>
+            </a:r>
+            <a:r>
+              <a:rPr lang="ko-KR" altLang="en-US" sz="1400">
+                <a:ln>
+                  <a:solidFill>
+                    <a:schemeClr val="tx1">
+                      <a:alpha val="29000"/>
+                    </a:schemeClr>
+                  </a:solidFill>
+                </a:ln>
+                <a:latin typeface="+mn-ea"/>
+                <a:cs typeface="맑은 고딕 Semilight" panose="020B0502040204020203" pitchFamily="50" charset="-127"/>
+              </a:rPr>
+              <a:t>제공합니다</a:t>
+            </a:r>
+            <a:r>
+              <a:rPr lang="en-US" altLang="ko-KR" sz="1400" smtClean="0">
+                <a:ln>
+                  <a:solidFill>
+                    <a:schemeClr val="tx1">
+                      <a:alpha val="29000"/>
+                    </a:schemeClr>
+                  </a:solidFill>
+                </a:ln>
+                <a:latin typeface="+mn-ea"/>
+                <a:cs typeface="맑은 고딕 Semilight" panose="020B0502040204020203" pitchFamily="50" charset="-127"/>
+              </a:rPr>
+              <a:t>.</a:t>
+            </a:r>
+            <a:endParaRPr lang="en-US" altLang="ko-KR" sz="1400">
+              <a:ln>
+                <a:solidFill>
+                  <a:schemeClr val="tx1">
+                    <a:alpha val="29000"/>
+                  </a:schemeClr>
+                </a:solidFill>
+              </a:ln>
+              <a:latin typeface="+mn-ea"/>
+              <a:cs typeface="맑은 고딕 Semilight" panose="020B0502040204020203" pitchFamily="50" charset="-127"/>
+            </a:endParaRPr>
+          </a:p>
+          <a:p>
+            <a:pPr marL="851916" lvl="2" indent="-228600">
+              <a:lnSpc>
+                <a:spcPct val="150000"/>
+              </a:lnSpc>
+              <a:buFont typeface="+mj-lt"/>
+              <a:buAutoNum type="arabicParenR"/>
+              <a:tabLst>
+                <a:tab pos="182563" algn="l"/>
+                <a:tab pos="449263" algn="l"/>
+              </a:tabLst>
+            </a:pPr>
+            <a:r>
+              <a:rPr lang="en-US" altLang="ko-KR" sz="1200" smtClean="0">
+                <a:ln>
+                  <a:solidFill>
+                    <a:schemeClr val="tx1">
+                      <a:alpha val="29000"/>
+                    </a:schemeClr>
+                  </a:solidFill>
+                </a:ln>
+                <a:latin typeface="+mn-ea"/>
+                <a:cs typeface="맑은 고딕 Semilight" panose="020B0502040204020203" pitchFamily="50" charset="-127"/>
+              </a:rPr>
+              <a:t>parseInt()</a:t>
+            </a:r>
+            <a:endParaRPr lang="en-US" altLang="ko-KR" sz="1200">
+              <a:ln>
+                <a:solidFill>
+                  <a:schemeClr val="tx1">
+                    <a:alpha val="29000"/>
+                  </a:schemeClr>
+                </a:solidFill>
+              </a:ln>
+              <a:latin typeface="+mn-ea"/>
+              <a:cs typeface="맑은 고딕 Semilight" panose="020B0502040204020203" pitchFamily="50" charset="-127"/>
+            </a:endParaRPr>
+          </a:p>
+          <a:p>
+            <a:pPr marL="851916" lvl="2" indent="-228600">
+              <a:lnSpc>
+                <a:spcPct val="150000"/>
+              </a:lnSpc>
+              <a:buFont typeface="+mj-lt"/>
+              <a:buAutoNum type="arabicParenR"/>
+              <a:tabLst>
+                <a:tab pos="182563" algn="l"/>
+                <a:tab pos="449263" algn="l"/>
+              </a:tabLst>
+            </a:pPr>
+            <a:r>
+              <a:rPr lang="en-US" altLang="ko-KR" sz="1200" smtClean="0">
+                <a:ln>
+                  <a:solidFill>
+                    <a:schemeClr val="tx1">
+                      <a:alpha val="29000"/>
+                    </a:schemeClr>
+                  </a:solidFill>
+                </a:ln>
+                <a:latin typeface="+mn-ea"/>
+                <a:cs typeface="맑은 고딕 Semilight" panose="020B0502040204020203" pitchFamily="50" charset="-127"/>
+              </a:rPr>
+              <a:t>parseFloat</a:t>
+            </a:r>
+            <a:r>
+              <a:rPr lang="en-US" altLang="ko-KR" sz="1200">
+                <a:ln>
+                  <a:solidFill>
+                    <a:schemeClr val="tx1">
+                      <a:alpha val="29000"/>
+                    </a:schemeClr>
+                  </a:solidFill>
+                </a:ln>
+                <a:latin typeface="+mn-ea"/>
+                <a:cs typeface="맑은 고딕 Semilight" panose="020B0502040204020203" pitchFamily="50" charset="-127"/>
+              </a:rPr>
+              <a:t>()</a:t>
+            </a:r>
+          </a:p>
+        </p:txBody>
+      </p:sp>
+      <p:pic>
+        <p:nvPicPr>
+          <p:cNvPr id="2" name="그림 1"/>
+          <p:cNvPicPr>
+            <a:picLocks noChangeAspect="1"/>
+          </p:cNvPicPr>
+          <p:nvPr/>
+        </p:nvPicPr>
+        <p:blipFill>
+          <a:blip r:embed="rId3"/>
+          <a:stretch>
+            <a:fillRect/>
+          </a:stretch>
+        </p:blipFill>
+        <p:spPr>
+          <a:xfrm>
+            <a:off x="1874837" y="2818225"/>
+            <a:ext cx="6410325" cy="1457325"/>
+          </a:xfrm>
+          <a:prstGeom prst="rect">
+            <a:avLst/>
+          </a:prstGeom>
+        </p:spPr>
+      </p:pic>
+    </p:spTree>
+    <p:extLst>
+      <p:ext uri="{BB962C8B-B14F-4D97-AF65-F5344CB8AC3E}">
+        <p14:creationId xmlns:p14="http://schemas.microsoft.com/office/powerpoint/2010/main" val="3712920450"/>
+      </p:ext>
+    </p:extLst>
+  </p:cSld>
+  <p:clrMapOvr>
+    <a:masterClrMapping/>
+  </p:clrMapOvr>
+  <p:timing>
+    <p:tnLst>
+      <p:par>
+        <p:cTn id="1" dur="indefinite" restart="never" nodeType="tmRoot"/>
+      </p:par>
+    </p:tnLst>
+  </p:timing>
+</p:sld>
+</file>
+
+<file path=ppt/slides/slide26.xml><?xml version="1.0" encoding="utf-8"?>
+<p:sld xmlns:a="http://schemas.openxmlformats.org/drawingml/2006/main" xmlns:r="http://schemas.openxmlformats.org/officeDocument/2006/relationships" xmlns:p="http://schemas.openxmlformats.org/presentationml/2006/main">
+  <p:cSld>
+    <p:spTree>
+      <p:nvGrpSpPr>
+        <p:cNvPr id="1" name=""/>
+        <p:cNvGrpSpPr/>
+        <p:nvPr/>
+      </p:nvGrpSpPr>
+      <p:grpSpPr>
+        <a:xfrm>
+          <a:off x="0" y="0"/>
+          <a:ext cx="0" cy="0"/>
+          <a:chOff x="0" y="0"/>
+          <a:chExt cx="0" cy="0"/>
+        </a:xfrm>
+      </p:grpSpPr>
+      <p:cxnSp>
+        <p:nvCxnSpPr>
+          <p:cNvPr id="7" name="직선 연결선 6"/>
+          <p:cNvCxnSpPr/>
+          <p:nvPr/>
+        </p:nvCxnSpPr>
+        <p:spPr>
+          <a:xfrm>
+            <a:off x="0" y="683316"/>
+            <a:ext cx="3657600" cy="0"/>
+          </a:xfrm>
+          <a:prstGeom prst="line">
+            <a:avLst/>
+          </a:prstGeom>
+          <a:ln w="28575">
+            <a:solidFill>
+              <a:srgbClr val="ED553B"/>
+            </a:solidFill>
+            <a:tailEnd type="oval" w="lg" len="lg"/>
+          </a:ln>
+        </p:spPr>
+        <p:style>
+          <a:lnRef idx="1">
+            <a:schemeClr val="accent1"/>
+          </a:lnRef>
+          <a:fillRef idx="0">
+            <a:schemeClr val="accent1"/>
+          </a:fillRef>
+          <a:effectRef idx="0">
+            <a:schemeClr val="accent1"/>
+          </a:effectRef>
+          <a:fontRef idx="minor">
+            <a:schemeClr val="tx1"/>
+          </a:fontRef>
+        </p:style>
+      </p:cxnSp>
+      <p:sp>
+        <p:nvSpPr>
+          <p:cNvPr id="9" name="TextBox 8"/>
+          <p:cNvSpPr txBox="1"/>
+          <p:nvPr/>
+        </p:nvSpPr>
+        <p:spPr>
+          <a:xfrm>
+            <a:off x="322413" y="140957"/>
+            <a:ext cx="5552787" cy="400110"/>
+          </a:xfrm>
+          <a:prstGeom prst="rect">
+            <a:avLst/>
+          </a:prstGeom>
+          <a:noFill/>
+        </p:spPr>
+        <p:txBody>
+          <a:bodyPr wrap="square" rtlCol="0">
+            <a:spAutoFit/>
+          </a:bodyPr>
+          <a:lstStyle/>
+          <a:p>
+            <a:r>
+              <a:rPr lang="en-US" altLang="ko-KR" sz="2000" smtClean="0">
+                <a:ln>
+                  <a:solidFill>
+                    <a:schemeClr val="tx1">
+                      <a:alpha val="29000"/>
+                    </a:schemeClr>
+                  </a:solidFill>
+                </a:ln>
+                <a:latin typeface="+mn-ea"/>
+                <a:cs typeface="맑은 고딕 Semilight" panose="020B0502040204020203" pitchFamily="50" charset="-127"/>
+              </a:rPr>
+              <a:t>JavaScript</a:t>
+            </a:r>
+            <a:r>
+              <a:rPr lang="ko-KR" altLang="en-US" sz="2000" smtClean="0">
+                <a:ln>
+                  <a:solidFill>
+                    <a:schemeClr val="tx1">
+                      <a:alpha val="29000"/>
+                    </a:schemeClr>
+                  </a:solidFill>
+                </a:ln>
+                <a:latin typeface="+mn-ea"/>
+                <a:cs typeface="맑은 고딕 Semilight" panose="020B0502040204020203" pitchFamily="50" charset="-127"/>
+              </a:rPr>
+              <a:t>의 변수와 타입</a:t>
+            </a:r>
+            <a:endParaRPr lang="en-US" altLang="ko-KR" sz="2000" dirty="0">
+              <a:ln>
+                <a:solidFill>
+                  <a:schemeClr val="tx1">
+                    <a:alpha val="29000"/>
+                  </a:schemeClr>
+                </a:solidFill>
+              </a:ln>
+              <a:latin typeface="+mn-ea"/>
+              <a:cs typeface="맑은 고딕 Semilight" panose="020B0502040204020203" pitchFamily="50" charset="-127"/>
+            </a:endParaRPr>
+          </a:p>
+        </p:txBody>
+      </p:sp>
+      <p:sp>
+        <p:nvSpPr>
+          <p:cNvPr id="74" name="TextBox 73"/>
+          <p:cNvSpPr txBox="1"/>
+          <p:nvPr/>
+        </p:nvSpPr>
+        <p:spPr>
+          <a:xfrm>
+            <a:off x="267599" y="825566"/>
+            <a:ext cx="9578660" cy="830997"/>
+          </a:xfrm>
+          <a:prstGeom prst="rect">
+            <a:avLst/>
+          </a:prstGeom>
+          <a:noFill/>
+        </p:spPr>
+        <p:txBody>
+          <a:bodyPr wrap="square" rtlCol="0">
+            <a:spAutoFit/>
+          </a:bodyPr>
+          <a:lstStyle/>
+          <a:p>
+            <a:pPr marL="285750" indent="-285750">
+              <a:lnSpc>
+                <a:spcPct val="150000"/>
+              </a:lnSpc>
+              <a:buFont typeface="Arial" panose="020B0604020202020204" pitchFamily="34" charset="0"/>
+              <a:buChar char="•"/>
+            </a:pPr>
+            <a:r>
+              <a:rPr lang="ko-KR" altLang="en-US" sz="1800">
+                <a:ln>
+                  <a:solidFill>
+                    <a:schemeClr val="tx1">
+                      <a:alpha val="29000"/>
+                    </a:schemeClr>
+                  </a:solidFill>
+                </a:ln>
+                <a:latin typeface="+mn-ea"/>
+                <a:cs typeface="맑은 고딕 Semilight" panose="020B0502040204020203" pitchFamily="50" charset="-127"/>
+                <a:sym typeface="Wingdings" panose="05000000000000000000" pitchFamily="2" charset="2"/>
+              </a:rPr>
+              <a:t>자바스크립트 변수의 </a:t>
+            </a:r>
+            <a:r>
+              <a:rPr lang="ko-KR" altLang="en-US" sz="1800">
+                <a:ln>
+                  <a:solidFill>
+                    <a:schemeClr val="tx1">
+                      <a:alpha val="29000"/>
+                    </a:schemeClr>
+                  </a:solidFill>
+                </a:ln>
+                <a:latin typeface="+mn-ea"/>
+                <a:cs typeface="맑은 고딕 Semilight" panose="020B0502040204020203" pitchFamily="50" charset="-127"/>
+                <a:sym typeface="Wingdings" panose="05000000000000000000" pitchFamily="2" charset="2"/>
+              </a:rPr>
+              <a:t>불리언 값을 </a:t>
+            </a:r>
+            <a:r>
+              <a:rPr lang="ko-KR" altLang="en-US" sz="1800">
+                <a:ln>
+                  <a:solidFill>
+                    <a:schemeClr val="tx1">
+                      <a:alpha val="29000"/>
+                    </a:schemeClr>
+                  </a:solidFill>
+                </a:ln>
+                <a:latin typeface="+mn-ea"/>
+                <a:cs typeface="맑은 고딕 Semilight" panose="020B0502040204020203" pitchFamily="50" charset="-127"/>
+                <a:sym typeface="Wingdings" panose="05000000000000000000" pitchFamily="2" charset="2"/>
+              </a:rPr>
+              <a:t>숫자로 </a:t>
+            </a:r>
+            <a:r>
+              <a:rPr lang="ko-KR" altLang="en-US" sz="1800" smtClean="0">
+                <a:ln>
+                  <a:solidFill>
+                    <a:schemeClr val="tx1">
+                      <a:alpha val="29000"/>
+                    </a:schemeClr>
+                  </a:solidFill>
+                </a:ln>
+                <a:latin typeface="+mn-ea"/>
+                <a:cs typeface="맑은 고딕 Semilight" panose="020B0502040204020203" pitchFamily="50" charset="-127"/>
+                <a:sym typeface="Wingdings" panose="05000000000000000000" pitchFamily="2" charset="2"/>
+              </a:rPr>
+              <a:t>변환</a:t>
+            </a:r>
+            <a:endParaRPr lang="en-US" altLang="ko-KR" sz="1800" dirty="0">
+              <a:ln>
+                <a:solidFill>
+                  <a:schemeClr val="tx1">
+                    <a:alpha val="29000"/>
+                  </a:schemeClr>
+                </a:solidFill>
+              </a:ln>
+              <a:latin typeface="+mn-ea"/>
+              <a:cs typeface="맑은 고딕 Semilight" panose="020B0502040204020203" pitchFamily="50" charset="-127"/>
+              <a:sym typeface="Wingdings" panose="05000000000000000000" pitchFamily="2" charset="2"/>
+            </a:endParaRPr>
+          </a:p>
+          <a:p>
+            <a:pPr marL="449263" lvl="1" indent="-182563">
+              <a:lnSpc>
+                <a:spcPct val="150000"/>
+              </a:lnSpc>
+              <a:buFontTx/>
+              <a:buChar char="-"/>
+              <a:tabLst>
+                <a:tab pos="182563" algn="l"/>
+                <a:tab pos="449263" algn="l"/>
+              </a:tabLst>
+            </a:pPr>
+            <a:r>
+              <a:rPr lang="ko-KR" altLang="en-US" sz="1400">
+                <a:ln>
+                  <a:solidFill>
+                    <a:schemeClr val="tx1">
+                      <a:alpha val="29000"/>
+                    </a:schemeClr>
+                  </a:solidFill>
+                </a:ln>
+                <a:latin typeface="+mn-ea"/>
+                <a:cs typeface="맑은 고딕 Semilight" panose="020B0502040204020203" pitchFamily="50" charset="-127"/>
+              </a:rPr>
+              <a:t>불리언 값을 숫자로 변환하는 방법에는 </a:t>
+            </a:r>
+            <a:r>
+              <a:rPr lang="en-US" altLang="ko-KR" sz="1400">
+                <a:ln>
+                  <a:solidFill>
+                    <a:schemeClr val="tx1">
+                      <a:alpha val="29000"/>
+                    </a:schemeClr>
+                  </a:solidFill>
+                </a:ln>
+                <a:latin typeface="+mn-ea"/>
+                <a:cs typeface="맑은 고딕 Semilight" panose="020B0502040204020203" pitchFamily="50" charset="-127"/>
+              </a:rPr>
+              <a:t>Number() </a:t>
+            </a:r>
+            <a:r>
+              <a:rPr lang="ko-KR" altLang="en-US" sz="1400">
+                <a:ln>
+                  <a:solidFill>
+                    <a:schemeClr val="tx1">
+                      <a:alpha val="29000"/>
+                    </a:schemeClr>
+                  </a:solidFill>
+                </a:ln>
+                <a:latin typeface="+mn-ea"/>
+                <a:cs typeface="맑은 고딕 Semilight" panose="020B0502040204020203" pitchFamily="50" charset="-127"/>
+              </a:rPr>
+              <a:t>함수를 </a:t>
+            </a:r>
+            <a:r>
+              <a:rPr lang="ko-KR" altLang="en-US" sz="1400">
+                <a:ln>
+                  <a:solidFill>
+                    <a:schemeClr val="tx1">
+                      <a:alpha val="29000"/>
+                    </a:schemeClr>
+                  </a:solidFill>
+                </a:ln>
+                <a:latin typeface="+mn-ea"/>
+                <a:cs typeface="맑은 고딕 Semilight" panose="020B0502040204020203" pitchFamily="50" charset="-127"/>
+              </a:rPr>
+              <a:t>사용하는 </a:t>
+            </a:r>
+            <a:r>
+              <a:rPr lang="ko-KR" altLang="en-US" sz="1400" smtClean="0">
+                <a:ln>
+                  <a:solidFill>
+                    <a:schemeClr val="tx1">
+                      <a:alpha val="29000"/>
+                    </a:schemeClr>
+                  </a:solidFill>
+                </a:ln>
+                <a:latin typeface="+mn-ea"/>
+                <a:cs typeface="맑은 고딕 Semilight" panose="020B0502040204020203" pitchFamily="50" charset="-127"/>
+              </a:rPr>
+              <a:t>방법</a:t>
+            </a:r>
+            <a:endParaRPr lang="en-US" altLang="ko-KR" sz="1400" smtClean="0">
+              <a:ln>
+                <a:solidFill>
+                  <a:schemeClr val="tx1">
+                    <a:alpha val="29000"/>
+                  </a:schemeClr>
+                </a:solidFill>
+              </a:ln>
+              <a:latin typeface="+mn-ea"/>
+              <a:cs typeface="맑은 고딕 Semilight" panose="020B0502040204020203" pitchFamily="50" charset="-127"/>
+            </a:endParaRPr>
+          </a:p>
+        </p:txBody>
+      </p:sp>
+      <p:pic>
+        <p:nvPicPr>
+          <p:cNvPr id="3" name="그림 2"/>
+          <p:cNvPicPr>
+            <a:picLocks noChangeAspect="1"/>
+          </p:cNvPicPr>
+          <p:nvPr/>
+        </p:nvPicPr>
+        <p:blipFill>
+          <a:blip r:embed="rId3"/>
+          <a:stretch>
+            <a:fillRect/>
+          </a:stretch>
+        </p:blipFill>
+        <p:spPr>
+          <a:xfrm>
+            <a:off x="2065337" y="2447925"/>
+            <a:ext cx="6029325" cy="819150"/>
+          </a:xfrm>
+          <a:prstGeom prst="rect">
+            <a:avLst/>
+          </a:prstGeom>
+        </p:spPr>
+      </p:pic>
+    </p:spTree>
+    <p:extLst>
+      <p:ext uri="{BB962C8B-B14F-4D97-AF65-F5344CB8AC3E}">
+        <p14:creationId xmlns:p14="http://schemas.microsoft.com/office/powerpoint/2010/main" val="80137896"/>
       </p:ext>
     </p:extLst>
   </p:cSld>
@@ -10848,21 +16685,7 @@
                 <a:latin typeface="+mn-ea"/>
                 <a:cs typeface="맑은 고딕 Semilight" panose="020B0502040204020203" pitchFamily="50" charset="-127"/>
               </a:rPr>
-              <a:t>선언과 동시에 초기화할 </a:t>
-            </a:r>
-            <a:r>
-              <a:rPr lang="ko-KR" altLang="en-US" sz="1400">
-                <a:ln>
-                  <a:solidFill>
-                    <a:schemeClr val="tx1">
-                      <a:alpha val="29000"/>
-                    </a:schemeClr>
-                  </a:solidFill>
-                </a:ln>
-                <a:latin typeface="+mn-ea"/>
-                <a:cs typeface="맑은 고딕 Semilight" panose="020B0502040204020203" pitchFamily="50" charset="-127"/>
-              </a:rPr>
-              <a:t>수도 </a:t>
+              <a:t>선언과 동시에 초기화할 수도 </a:t>
             </a:r>
             <a:r>
               <a:rPr lang="ko-KR" altLang="en-US" sz="1400" smtClean="0">
@@ -11259,21 +17082,7 @@
                 <a:latin typeface="+mn-ea"/>
                 <a:cs typeface="맑은 고딕 Semilight" panose="020B0502040204020203" pitchFamily="50" charset="-127"/>
               </a:rPr>
-              <a:t>연산자를 이용하여 여러 변수를 동시에 선언하거나 초기화할 </a:t>
-            </a:r>
-            <a:r>
-              <a:rPr lang="ko-KR" altLang="en-US" sz="1400">
-                <a:ln>
-                  <a:solidFill>
-                    <a:schemeClr val="tx1">
-                      <a:alpha val="29000"/>
-                    </a:schemeClr>
-                  </a:solidFill>
-                </a:ln>
-                <a:latin typeface="+mn-ea"/>
-                <a:cs typeface="맑은 고딕 Semilight" panose="020B0502040204020203" pitchFamily="50" charset="-127"/>
-              </a:rPr>
-              <a:t>수도 </a:t>
+              <a:t>연산자를 이용하여 여러 변수를 동시에 선언하거나 초기화할 수도 </a:t>
             </a:r>
             <a:r>
               <a:rPr lang="ko-KR" altLang="en-US" sz="1400" smtClean="0">
@@ -11548,21 +17357,7 @@
                 <a:latin typeface="+mn-ea"/>
                 <a:cs typeface="맑은 고딕 Semilight" panose="020B0502040204020203" pitchFamily="50" charset="-127"/>
               </a:rPr>
-              <a:t>자바스크립트에서 변수는 이름을 </a:t>
-            </a:r>
-            <a:r>
-              <a:rPr lang="ko-KR" altLang="en-US" sz="1400">
-                <a:ln>
-                  <a:solidFill>
-                    <a:schemeClr val="tx1">
-                      <a:alpha val="29000"/>
-                    </a:schemeClr>
-                  </a:solidFill>
-                </a:ln>
-                <a:latin typeface="+mn-ea"/>
-                <a:cs typeface="맑은 고딕 Semilight" panose="020B0502040204020203" pitchFamily="50" charset="-127"/>
-              </a:rPr>
-              <a:t>가지고 </a:t>
+              <a:t>자바스크립트에서 변수는 이름을 가지고 </a:t>
             </a:r>
             <a:r>
               <a:rPr lang="ko-KR" altLang="en-US" sz="1400" smtClean="0">
@@ -11951,21 +17746,7 @@
                 <a:latin typeface="+mn-ea"/>
                 <a:cs typeface="맑은 고딕 Semilight" panose="020B0502040204020203" pitchFamily="50" charset="-127"/>
               </a:rPr>
-              <a:t>자바스크립트 언어에서 예약된 키워드는 이름으로 사용할 </a:t>
-            </a:r>
-            <a:r>
-              <a:rPr lang="ko-KR" altLang="en-US" sz="1400">
-                <a:ln>
-                  <a:solidFill>
-                    <a:schemeClr val="tx1">
-                      <a:alpha val="29000"/>
-                    </a:schemeClr>
-                  </a:solidFill>
-                </a:ln>
-                <a:latin typeface="+mn-ea"/>
-                <a:cs typeface="맑은 고딕 Semilight" panose="020B0502040204020203" pitchFamily="50" charset="-127"/>
-              </a:rPr>
-              <a:t>수 </a:t>
+              <a:t>자바스크립트 언어에서 예약된 키워드는 이름으로 사용할 수 </a:t>
             </a:r>
             <a:r>
               <a:rPr lang="ko-KR" altLang="en-US" sz="1400" smtClean="0">
@@ -12174,22 +17955,7 @@
                 <a:cs typeface="맑은 고딕 Semilight" panose="020B0502040204020203" pitchFamily="50" charset="-127"/>
                 <a:sym typeface="Wingdings" panose="05000000000000000000" pitchFamily="2" charset="2"/>
               </a:rPr>
-              <a:t>자바스크립트 </a:t>
-            </a:r>
-            <a:r>
-              <a:rPr lang="ko-KR" altLang="en-US" sz="1800">
-                <a:ln>
-                  <a:solidFill>
-                    <a:schemeClr val="tx1">
-                      <a:alpha val="29000"/>
-                    </a:schemeClr>
-                  </a:solidFill>
-                </a:ln>
-                <a:latin typeface="+mn-ea"/>
-                <a:cs typeface="맑은 고딕 Semilight" panose="020B0502040204020203" pitchFamily="50" charset="-127"/>
-                <a:sym typeface="Wingdings" panose="05000000000000000000" pitchFamily="2" charset="2"/>
-              </a:rPr>
-              <a:t>변수의 </a:t>
+              <a:t>자바스크립트 변수의 </a:t>
             </a:r>
             <a:r>
               <a:rPr lang="ko-KR" altLang="en-US" sz="1800" smtClean="0">
@@ -12342,21 +18108,7 @@
                 <a:latin typeface="+mn-ea"/>
                 <a:cs typeface="맑은 고딕 Semilight" panose="020B0502040204020203" pitchFamily="50" charset="-127"/>
               </a:rPr>
-              <a:t>변수에 다른 타입의 값을 다시 대입할 </a:t>
-            </a:r>
-            <a:r>
-              <a:rPr lang="ko-KR" altLang="en-US" sz="1400">
-                <a:ln>
-                  <a:solidFill>
-                    <a:schemeClr val="tx1">
-                      <a:alpha val="29000"/>
-                    </a:schemeClr>
-                  </a:solidFill>
-                </a:ln>
-                <a:latin typeface="+mn-ea"/>
-                <a:cs typeface="맑은 고딕 Semilight" panose="020B0502040204020203" pitchFamily="50" charset="-127"/>
-              </a:rPr>
-              <a:t>수도 </a:t>
+              <a:t>변수에 다른 타입의 값을 다시 대입할 수도 </a:t>
             </a:r>
             <a:r>
               <a:rPr lang="ko-KR" altLang="en-US" sz="1400" smtClean="0">
@@ -12477,21 +18229,7 @@
                 <a:latin typeface="+mn-ea"/>
                 <a:cs typeface="맑은 고딕 Semilight" panose="020B0502040204020203" pitchFamily="50" charset="-127"/>
               </a:rPr>
-              <a:t>번 선언된 변수를 재선언할 </a:t>
-            </a:r>
-            <a:r>
-              <a:rPr lang="ko-KR" altLang="en-US" sz="1400">
-                <a:ln>
-                  <a:solidFill>
-                    <a:schemeClr val="tx1">
-                      <a:alpha val="29000"/>
-                    </a:schemeClr>
-                  </a:solidFill>
-                </a:ln>
-                <a:latin typeface="+mn-ea"/>
-                <a:cs typeface="맑은 고딕 Semilight" panose="020B0502040204020203" pitchFamily="50" charset="-127"/>
-              </a:rPr>
-              <a:t>수는 </a:t>
+              <a:t>번 선언된 변수를 재선언할 수는 </a:t>
             </a:r>
             <a:r>
               <a:rPr lang="ko-KR" altLang="en-US" sz="1400" smtClean="0">
@@ -12889,21 +18627,7 @@
                 <a:latin typeface="+mn-ea"/>
                 <a:cs typeface="맑은 고딕 Semilight" panose="020B0502040204020203" pitchFamily="50" charset="-127"/>
               </a:rPr>
-              <a:t>이란 프로그램에서 다룰 수 있는 값의 </a:t>
-            </a:r>
-            <a:r>
-              <a:rPr lang="ko-KR" altLang="en-US" sz="1400">
-                <a:ln>
-                  <a:solidFill>
-                    <a:schemeClr val="tx1">
-                      <a:alpha val="29000"/>
-                    </a:schemeClr>
-                  </a:solidFill>
-                </a:ln>
-                <a:latin typeface="+mn-ea"/>
-                <a:cs typeface="맑은 고딕 Semilight" panose="020B0502040204020203" pitchFamily="50" charset="-127"/>
-              </a:rPr>
-              <a:t>종류를 </a:t>
+              <a:t>이란 프로그램에서 다룰 수 있는 값의 종류를 </a:t>
             </a:r>
             <a:r>
               <a:rPr lang="ko-KR" altLang="en-US" sz="1400" smtClean="0">
@@ -12955,21 +18679,7 @@
                 <a:latin typeface="+mn-ea"/>
                 <a:cs typeface="맑은 고딕 Semilight" panose="020B0502040204020203" pitchFamily="50" charset="-127"/>
               </a:rPr>
-              <a:t>자바스크립트에서는 여러 가지 형태의 타입을 미리 </a:t>
-            </a:r>
-            <a:r>
-              <a:rPr lang="ko-KR" altLang="en-US" sz="1400">
-                <a:ln>
-                  <a:solidFill>
-                    <a:schemeClr val="tx1">
-                      <a:alpha val="29000"/>
-                    </a:schemeClr>
-                  </a:solidFill>
-                </a:ln>
-                <a:latin typeface="+mn-ea"/>
-                <a:cs typeface="맑은 고딕 Semilight" panose="020B0502040204020203" pitchFamily="50" charset="-127"/>
-              </a:rPr>
-              <a:t>정의하여 </a:t>
+              <a:t>자바스크립트에서는 여러 가지 형태의 타입을 미리 정의하여 </a:t>
             </a:r>
             <a:r>
               <a:rPr lang="ko-KR" altLang="en-US" sz="1400" smtClean="0">
@@ -13050,21 +18760,7 @@
                 <a:latin typeface="+mn-ea"/>
                 <a:cs typeface="맑은 고딕 Semilight" panose="020B0502040204020203" pitchFamily="50" charset="-127"/>
               </a:rPr>
-              <a:t>자바스크립트의 기본 타입은 크게 원시 타입과 객체 타입으로 구분할 </a:t>
-            </a:r>
-            <a:r>
-              <a:rPr lang="ko-KR" altLang="en-US" sz="1400">
-                <a:ln>
-                  <a:solidFill>
-                    <a:schemeClr val="tx1">
-                      <a:alpha val="29000"/>
-                    </a:schemeClr>
-                  </a:solidFill>
-                </a:ln>
-                <a:latin typeface="+mn-ea"/>
-                <a:cs typeface="맑은 고딕 Semilight" panose="020B0502040204020203" pitchFamily="50" charset="-127"/>
-              </a:rPr>
-              <a:t>수 </a:t>
+              <a:t>자바스크립트의 기본 타입은 크게 원시 타입과 객체 타입으로 구분할 수 </a:t>
             </a:r>
             <a:r>
               <a:rPr lang="ko-KR" altLang="en-US" sz="1400" smtClean="0">
@@ -13144,21 +18840,7 @@
                 <a:latin typeface="+mn-ea"/>
                 <a:cs typeface="맑은 고딕 Semilight" panose="020B0502040204020203" pitchFamily="50" charset="-127"/>
               </a:rPr>
-              <a:t>은 다음과 </a:t>
-            </a:r>
-            <a:r>
-              <a:rPr lang="ko-KR" altLang="en-US" sz="1400">
-                <a:ln>
-                  <a:solidFill>
-                    <a:schemeClr val="tx1">
-                      <a:alpha val="29000"/>
-                    </a:schemeClr>
-                  </a:solidFill>
-                </a:ln>
-                <a:latin typeface="+mn-ea"/>
-                <a:cs typeface="맑은 고딕 Semilight" panose="020B0502040204020203" pitchFamily="50" charset="-127"/>
-              </a:rPr>
-              <a:t>같습니다</a:t>
+              <a:t>은 다음과 같습니다</a:t>
             </a:r>
             <a:r>
               <a:rPr lang="en-US" altLang="ko-KR" sz="1400" smtClean="0">
@@ -13224,21 +18906,7 @@
                 <a:latin typeface="+mn-ea"/>
                 <a:cs typeface="맑은 고딕 Semilight" panose="020B0502040204020203" pitchFamily="50" charset="-127"/>
               </a:rPr>
-              <a:t>(</a:t>
-            </a:r>
-            <a:r>
-              <a:rPr lang="en-US" altLang="ko-KR" sz="1200">
-                <a:ln>
-                  <a:solidFill>
-                    <a:schemeClr val="tx1">
-                      <a:alpha val="29000"/>
-                    </a:schemeClr>
-                  </a:solidFill>
-                </a:ln>
-                <a:latin typeface="+mn-ea"/>
-                <a:cs typeface="맑은 고딕 Semilight" panose="020B0502040204020203" pitchFamily="50" charset="-127"/>
-              </a:rPr>
-              <a:t>number</a:t>
+              <a:t>(number</a:t>
             </a:r>
             <a:r>
               <a:rPr lang="en-US" altLang="ko-KR" sz="1200" smtClean="0">
@@ -13304,21 +18972,7 @@
                 <a:latin typeface="+mn-ea"/>
                 <a:cs typeface="맑은 고딕 Semilight" panose="020B0502040204020203" pitchFamily="50" charset="-127"/>
               </a:rPr>
-              <a:t>(</a:t>
-            </a:r>
-            <a:r>
-              <a:rPr lang="en-US" altLang="ko-KR" sz="1200">
-                <a:ln>
-                  <a:solidFill>
-                    <a:schemeClr val="tx1">
-                      <a:alpha val="29000"/>
-                    </a:schemeClr>
-                  </a:solidFill>
-                </a:ln>
-                <a:latin typeface="+mn-ea"/>
-                <a:cs typeface="맑은 고딕 Semilight" panose="020B0502040204020203" pitchFamily="50" charset="-127"/>
-              </a:rPr>
-              <a:t>string</a:t>
+              <a:t>(string</a:t>
             </a:r>
             <a:r>
               <a:rPr lang="en-US" altLang="ko-KR" sz="1200" smtClean="0">
@@ -13384,21 +19038,7 @@
                 <a:latin typeface="+mn-ea"/>
                 <a:cs typeface="맑은 고딕 Semilight" panose="020B0502040204020203" pitchFamily="50" charset="-127"/>
               </a:rPr>
-              <a:t>(</a:t>
-            </a:r>
-            <a:r>
-              <a:rPr lang="en-US" altLang="ko-KR" sz="1200">
-                <a:ln>
-                  <a:solidFill>
-                    <a:schemeClr val="tx1">
-                      <a:alpha val="29000"/>
-                    </a:schemeClr>
-                  </a:solidFill>
-                </a:ln>
-                <a:latin typeface="+mn-ea"/>
-                <a:cs typeface="맑은 고딕 Semilight" panose="020B0502040204020203" pitchFamily="50" charset="-127"/>
-              </a:rPr>
-              <a:t>boolean</a:t>
+              <a:t>(boolean</a:t>
             </a:r>
             <a:r>
               <a:rPr lang="en-US" altLang="ko-KR" sz="1200" smtClean="0">
@@ -13596,21 +19236,7 @@
                 <a:latin typeface="+mn-ea"/>
                 <a:cs typeface="맑은 고딕 Semilight" panose="020B0502040204020203" pitchFamily="50" charset="-127"/>
               </a:rPr>
-              <a:t>은 다음과 </a:t>
-            </a:r>
-            <a:r>
-              <a:rPr lang="ko-KR" altLang="en-US" sz="1400">
-                <a:ln>
-                  <a:solidFill>
-                    <a:schemeClr val="tx1">
-                      <a:alpha val="29000"/>
-                    </a:schemeClr>
-                  </a:solidFill>
-                </a:ln>
-                <a:latin typeface="+mn-ea"/>
-                <a:cs typeface="맑은 고딕 Semilight" panose="020B0502040204020203" pitchFamily="50" charset="-127"/>
-              </a:rPr>
-              <a:t>같습니다</a:t>
+              <a:t>은 다음과 같습니다</a:t>
             </a:r>
             <a:r>
               <a:rPr lang="en-US" altLang="ko-KR" sz="1400" smtClean="0">
@@ -13920,22 +19546,7 @@
                 <a:cs typeface="맑은 고딕 Semilight" panose="020B0502040204020203" pitchFamily="50" charset="-127"/>
                 <a:sym typeface="Wingdings" panose="05000000000000000000" pitchFamily="2" charset="2"/>
               </a:rPr>
-              <a:t>(</a:t>
-            </a:r>
-            <a:r>
-              <a:rPr lang="en-US" altLang="ko-KR" sz="1800">
-                <a:ln>
-                  <a:solidFill>
-                    <a:schemeClr val="tx1">
-                      <a:alpha val="29000"/>
-                    </a:schemeClr>
-                  </a:solidFill>
-                </a:ln>
-                <a:latin typeface="+mn-ea"/>
-                <a:cs typeface="맑은 고딕 Semilight" panose="020B0502040204020203" pitchFamily="50" charset="-127"/>
-                <a:sym typeface="Wingdings" panose="05000000000000000000" pitchFamily="2" charset="2"/>
-              </a:rPr>
-              <a:t>number</a:t>
+              <a:t>(number</a:t>
             </a:r>
             <a:r>
               <a:rPr lang="en-US" altLang="ko-KR" sz="1800" smtClean="0">
@@ -14031,21 +19642,7 @@
                 <a:latin typeface="+mn-ea"/>
                 <a:cs typeface="맑은 고딕 Semilight" panose="020B0502040204020203" pitchFamily="50" charset="-127"/>
               </a:rPr>
-              <a:t>모든 수를 실수 </a:t>
-            </a:r>
-            <a:r>
-              <a:rPr lang="ko-KR" altLang="en-US" sz="1400">
-                <a:ln>
-                  <a:solidFill>
-                    <a:schemeClr val="tx1">
-                      <a:alpha val="29000"/>
-                    </a:schemeClr>
-                  </a:solidFill>
-                </a:ln>
-                <a:latin typeface="+mn-ea"/>
-                <a:cs typeface="맑은 고딕 Semilight" panose="020B0502040204020203" pitchFamily="50" charset="-127"/>
-              </a:rPr>
-              <a:t>하나로만 </a:t>
+              <a:t>모든 수를 실수 하나로만 </a:t>
             </a:r>
             <a:r>
               <a:rPr lang="ko-KR" altLang="en-US" sz="1400" smtClean="0">
@@ -14153,21 +19750,7 @@
                 <a:latin typeface="+mn-ea"/>
                 <a:cs typeface="맑은 고딕 Semilight" panose="020B0502040204020203" pitchFamily="50" charset="-127"/>
               </a:rPr>
-              <a:t>표기법을 사용할 </a:t>
-            </a:r>
-            <a:r>
-              <a:rPr lang="ko-KR" altLang="en-US" sz="1400">
-                <a:ln>
-                  <a:solidFill>
-                    <a:schemeClr val="tx1">
-                      <a:alpha val="29000"/>
-                    </a:schemeClr>
-                  </a:solidFill>
-                </a:ln>
-                <a:latin typeface="+mn-ea"/>
-                <a:cs typeface="맑은 고딕 Semilight" panose="020B0502040204020203" pitchFamily="50" charset="-127"/>
-              </a:rPr>
-              <a:t>수 </a:t>
+              <a:t>표기법을 사용할 수 </a:t>
             </a:r>
             <a:r>
               <a:rPr lang="ko-KR" altLang="en-US" sz="1400" smtClean="0">
@@ -14584,21 +20167,7 @@
                 <a:latin typeface="+mn-ea"/>
                 <a:cs typeface="맑은 고딕 Semilight" panose="020B0502040204020203" pitchFamily="50" charset="-127"/>
               </a:rPr>
-              <a:t>로 둘러싸인 문자의 </a:t>
-            </a:r>
-            <a:r>
-              <a:rPr lang="ko-KR" altLang="en-US" sz="1400">
-                <a:ln>
-                  <a:solidFill>
-                    <a:schemeClr val="tx1">
-                      <a:alpha val="29000"/>
-                    </a:schemeClr>
-                  </a:solidFill>
-                </a:ln>
-                <a:latin typeface="+mn-ea"/>
-                <a:cs typeface="맑은 고딕 Semilight" panose="020B0502040204020203" pitchFamily="50" charset="-127"/>
-              </a:rPr>
-              <a:t>집합을 </a:t>
+              <a:t>로 둘러싸인 문자의 집합을 </a:t>
             </a:r>
             <a:r>
               <a:rPr lang="ko-KR" altLang="en-US" sz="1400" smtClean="0">
@@ -14650,21 +20219,7 @@
                 <a:latin typeface="+mn-ea"/>
                 <a:cs typeface="맑은 고딕 Semilight" panose="020B0502040204020203" pitchFamily="50" charset="-127"/>
               </a:rPr>
-              <a:t>큰따옴표는 작은따옴표로 둘러싸인 문자열에만 포함될 </a:t>
-            </a:r>
-            <a:r>
-              <a:rPr lang="ko-KR" altLang="en-US" sz="1400">
-                <a:ln>
-                  <a:solidFill>
-                    <a:schemeClr val="tx1">
-                      <a:alpha val="29000"/>
-                    </a:schemeClr>
-                  </a:solidFill>
-                </a:ln>
-                <a:latin typeface="+mn-ea"/>
-                <a:cs typeface="맑은 고딕 Semilight" panose="020B0502040204020203" pitchFamily="50" charset="-127"/>
-              </a:rPr>
-              <a:t>수 </a:t>
+              <a:t>큰따옴표는 작은따옴표로 둘러싸인 문자열에만 포함될 수 </a:t>
             </a:r>
             <a:r>
               <a:rPr lang="ko-KR" altLang="en-US" sz="1400" smtClean="0">
@@ -14733,21 +20288,7 @@
                 <a:latin typeface="+mn-ea"/>
                 <a:cs typeface="맑은 고딕 Semilight" panose="020B0502040204020203" pitchFamily="50" charset="-127"/>
               </a:rPr>
-              <a:t>큰따옴표로 둘러싸인 문자열에만 포함될 </a:t>
-            </a:r>
-            <a:r>
-              <a:rPr lang="ko-KR" altLang="en-US" sz="1400">
-                <a:ln>
-                  <a:solidFill>
-                    <a:schemeClr val="tx1">
-                      <a:alpha val="29000"/>
-                    </a:schemeClr>
-                  </a:solidFill>
-                </a:ln>
-                <a:latin typeface="+mn-ea"/>
-                <a:cs typeface="맑은 고딕 Semilight" panose="020B0502040204020203" pitchFamily="50" charset="-127"/>
-              </a:rPr>
-              <a:t>수 </a:t>
+              <a:t>큰따옴표로 둘러싸인 문자열에만 포함될 수 </a:t>
             </a:r>
             <a:r>
               <a:rPr lang="ko-KR" altLang="en-US" sz="1400" smtClean="0">

--- a/31/200803_JavaScript_variable_type.pptx
+++ b/31/200803_JavaScript_variable_type.pptx
@@ -248,7 +248,7 @@
           <a:p>
             <a:fld id="{9FE52F76-AF59-42F6-9CE2-B65810388E55}" type="datetimeFigureOut">
               <a:rPr lang="ko-KR" altLang="en-US" smtClean="0"/>
-              <a:t>2020-08-04</a:t>
+              <a:t>2020-08-12</a:t>
             </a:fld>
             <a:endParaRPr lang="ko-KR" altLang="en-US"/>
           </a:p>
@@ -413,7 +413,7 @@
           <a:p>
             <a:fld id="{75C19CB4-4756-4824-8E84-477C40131107}" type="datetimeFigureOut">
               <a:rPr lang="ko-KR" altLang="en-US" smtClean="0"/>
-              <a:t>2020-08-04</a:t>
+              <a:t>2020-08-12</a:t>
             </a:fld>
             <a:endParaRPr lang="ko-KR" altLang="en-US"/>
           </a:p>
@@ -3343,7 +3343,7 @@
           <a:p>
             <a:fld id="{D9D21D2B-B161-4A2C-A0F2-324F8DD03E7E}" type="datetimeFigureOut">
               <a:rPr lang="ko-KR" altLang="en-US" smtClean="0"/>
-              <a:t>2020-08-04</a:t>
+              <a:t>2020-08-12</a:t>
             </a:fld>
             <a:endParaRPr lang="ko-KR" altLang="en-US"/>
           </a:p>
@@ -3550,7 +3550,7 @@
           <a:p>
             <a:fld id="{D9D21D2B-B161-4A2C-A0F2-324F8DD03E7E}" type="datetimeFigureOut">
               <a:rPr lang="ko-KR" altLang="en-US" smtClean="0"/>
-              <a:t>2020-08-04</a:t>
+              <a:t>2020-08-12</a:t>
             </a:fld>
             <a:endParaRPr lang="ko-KR" altLang="en-US"/>
           </a:p>
@@ -3730,7 +3730,7 @@
           <a:p>
             <a:fld id="{D9D21D2B-B161-4A2C-A0F2-324F8DD03E7E}" type="datetimeFigureOut">
               <a:rPr lang="ko-KR" altLang="en-US" smtClean="0"/>
-              <a:t>2020-08-04</a:t>
+              <a:t>2020-08-12</a:t>
             </a:fld>
             <a:endParaRPr lang="ko-KR" altLang="en-US"/>
           </a:p>
@@ -3900,7 +3900,7 @@
           <a:p>
             <a:fld id="{D9D21D2B-B161-4A2C-A0F2-324F8DD03E7E}" type="datetimeFigureOut">
               <a:rPr lang="ko-KR" altLang="en-US" smtClean="0"/>
-              <a:t>2020-08-04</a:t>
+              <a:t>2020-08-12</a:t>
             </a:fld>
             <a:endParaRPr lang="ko-KR" altLang="en-US"/>
           </a:p>
@@ -4153,7 +4153,7 @@
           <a:p>
             <a:fld id="{D9D21D2B-B161-4A2C-A0F2-324F8DD03E7E}" type="datetimeFigureOut">
               <a:rPr lang="ko-KR" altLang="en-US" smtClean="0"/>
-              <a:t>2020-08-04</a:t>
+              <a:t>2020-08-12</a:t>
             </a:fld>
             <a:endParaRPr lang="ko-KR" altLang="en-US"/>
           </a:p>
@@ -4392,7 +4392,7 @@
           <a:p>
             <a:fld id="{D9D21D2B-B161-4A2C-A0F2-324F8DD03E7E}" type="datetimeFigureOut">
               <a:rPr lang="ko-KR" altLang="en-US" smtClean="0"/>
-              <a:t>2020-08-04</a:t>
+              <a:t>2020-08-12</a:t>
             </a:fld>
             <a:endParaRPr lang="ko-KR" altLang="en-US"/>
           </a:p>
@@ -4766,7 +4766,7 @@
           <a:p>
             <a:fld id="{D9D21D2B-B161-4A2C-A0F2-324F8DD03E7E}" type="datetimeFigureOut">
               <a:rPr lang="ko-KR" altLang="en-US" smtClean="0"/>
-              <a:t>2020-08-04</a:t>
+              <a:t>2020-08-12</a:t>
             </a:fld>
             <a:endParaRPr lang="ko-KR" altLang="en-US"/>
           </a:p>
@@ -4884,7 +4884,7 @@
           <a:p>
             <a:fld id="{D9D21D2B-B161-4A2C-A0F2-324F8DD03E7E}" type="datetimeFigureOut">
               <a:rPr lang="ko-KR" altLang="en-US" smtClean="0"/>
-              <a:t>2020-08-04</a:t>
+              <a:t>2020-08-12</a:t>
             </a:fld>
             <a:endParaRPr lang="ko-KR" altLang="en-US"/>
           </a:p>
@@ -4979,7 +4979,7 @@
           <a:p>
             <a:fld id="{D9D21D2B-B161-4A2C-A0F2-324F8DD03E7E}" type="datetimeFigureOut">
               <a:rPr lang="ko-KR" altLang="en-US" smtClean="0"/>
-              <a:t>2020-08-04</a:t>
+              <a:t>2020-08-12</a:t>
             </a:fld>
             <a:endParaRPr lang="ko-KR" altLang="en-US"/>
           </a:p>
@@ -5256,7 +5256,7 @@
           <a:p>
             <a:fld id="{D9D21D2B-B161-4A2C-A0F2-324F8DD03E7E}" type="datetimeFigureOut">
               <a:rPr lang="ko-KR" altLang="en-US" smtClean="0"/>
-              <a:t>2020-08-04</a:t>
+              <a:t>2020-08-12</a:t>
             </a:fld>
             <a:endParaRPr lang="ko-KR" altLang="en-US"/>
           </a:p>
@@ -5513,7 +5513,7 @@
           <a:p>
             <a:fld id="{D9D21D2B-B161-4A2C-A0F2-324F8DD03E7E}" type="datetimeFigureOut">
               <a:rPr lang="ko-KR" altLang="en-US" smtClean="0"/>
-              <a:t>2020-08-04</a:t>
+              <a:t>2020-08-12</a:t>
             </a:fld>
             <a:endParaRPr lang="ko-KR" altLang="en-US"/>
           </a:p>
@@ -5729,7 +5729,7 @@
           <a:p>
             <a:fld id="{D9D21D2B-B161-4A2C-A0F2-324F8DD03E7E}" type="datetimeFigureOut">
               <a:rPr lang="ko-KR" altLang="en-US" smtClean="0"/>
-              <a:t>2020-08-04</a:t>
+              <a:t>2020-08-12</a:t>
             </a:fld>
             <a:endParaRPr lang="ko-KR" altLang="en-US"/>
           </a:p>
@@ -10824,21 +10824,7 @@
                 <a:latin typeface="+mn-ea"/>
                 <a:cs typeface="맑은 고딕 Semilight" panose="020B0502040204020203" pitchFamily="50" charset="-127"/>
               </a:rPr>
-              <a:t>타입을 </a:t>
-            </a:r>
-            <a:r>
-              <a:rPr lang="ko-KR" altLang="en-US" sz="1400">
-                <a:ln>
-                  <a:solidFill>
-                    <a:schemeClr val="tx1">
-                      <a:alpha val="29000"/>
-                    </a:schemeClr>
-                  </a:solidFill>
-                </a:ln>
-                <a:latin typeface="+mn-ea"/>
-                <a:cs typeface="맑은 고딕 Semilight" panose="020B0502040204020203" pitchFamily="50" charset="-127"/>
-              </a:rPr>
-              <a:t>변환하여 </a:t>
+              <a:t>타입을 변환하여 </a:t>
             </a:r>
             <a:r>
               <a:rPr lang="ko-KR" altLang="en-US" sz="1400" smtClean="0">
@@ -10918,21 +10904,7 @@
                 <a:latin typeface="+mn-ea"/>
                 <a:cs typeface="맑은 고딕 Semilight" panose="020B0502040204020203" pitchFamily="50" charset="-127"/>
               </a:rPr>
-              <a:t>문자열 값이 오길 기대하는 곳에 </a:t>
-            </a:r>
-            <a:r>
-              <a:rPr lang="ko-KR" altLang="en-US" sz="1400">
-                <a:ln>
-                  <a:solidFill>
-                    <a:schemeClr val="tx1">
-                      <a:alpha val="29000"/>
-                    </a:schemeClr>
-                  </a:solidFill>
-                </a:ln>
-                <a:latin typeface="+mn-ea"/>
-                <a:cs typeface="맑은 고딕 Semilight" panose="020B0502040204020203" pitchFamily="50" charset="-127"/>
-              </a:rPr>
-              <a:t>숫자가 </a:t>
+              <a:t>문자열 값이 오길 기대하는 곳에 숫자가 </a:t>
             </a:r>
             <a:r>
               <a:rPr lang="ko-KR" altLang="en-US" sz="1400" smtClean="0">
@@ -11001,21 +10973,7 @@
                 <a:latin typeface="+mn-ea"/>
                 <a:cs typeface="맑은 고딕 Semilight" panose="020B0502040204020203" pitchFamily="50" charset="-127"/>
               </a:rPr>
-              <a:t>자바스크립트는 알아서 숫자를 문자열로 </a:t>
-            </a:r>
-            <a:r>
-              <a:rPr lang="ko-KR" altLang="en-US" sz="1400">
-                <a:ln>
-                  <a:solidFill>
-                    <a:schemeClr val="tx1">
-                      <a:alpha val="29000"/>
-                    </a:schemeClr>
-                  </a:solidFill>
-                </a:ln>
-                <a:latin typeface="+mn-ea"/>
-                <a:cs typeface="맑은 고딕 Semilight" panose="020B0502040204020203" pitchFamily="50" charset="-127"/>
-              </a:rPr>
-              <a:t>변환하여 </a:t>
+              <a:t>자바스크립트는 알아서 숫자를 문자열로 변환하여 </a:t>
             </a:r>
             <a:r>
               <a:rPr lang="ko-KR" altLang="en-US" sz="1400" smtClean="0">
@@ -11081,21 +11039,7 @@
                 <a:latin typeface="+mn-ea"/>
                 <a:cs typeface="맑은 고딕 Semilight" panose="020B0502040204020203" pitchFamily="50" charset="-127"/>
               </a:rPr>
-              <a:t>세 번째 예제에서 뺄셈 연산을 위해 문자열이 숫자로 변환되어야 </a:t>
-            </a:r>
-            <a:r>
-              <a:rPr lang="ko-KR" altLang="en-US" sz="1400">
-                <a:ln>
-                  <a:solidFill>
-                    <a:schemeClr val="tx1">
-                      <a:alpha val="29000"/>
-                    </a:schemeClr>
-                  </a:solidFill>
-                </a:ln>
-                <a:latin typeface="+mn-ea"/>
-                <a:cs typeface="맑은 고딕 Semilight" panose="020B0502040204020203" pitchFamily="50" charset="-127"/>
-              </a:rPr>
-              <a:t>하나</a:t>
+              <a:t>세 번째 예제에서 뺄셈 연산을 위해 문자열이 숫자로 변환되어야 하나</a:t>
             </a:r>
             <a:r>
               <a:rPr lang="en-US" altLang="ko-KR" sz="1400" smtClean="0">
@@ -11150,21 +11094,7 @@
                 <a:latin typeface="+mn-ea"/>
                 <a:cs typeface="맑은 고딕 Semilight" panose="020B0502040204020203" pitchFamily="50" charset="-127"/>
               </a:rPr>
-              <a:t>해당 문자열은 두 번째 예제의 문자열과는 달리 숫자로 변환될 수 </a:t>
-            </a:r>
-            <a:r>
-              <a:rPr lang="ko-KR" altLang="en-US" sz="1400">
-                <a:ln>
-                  <a:solidFill>
-                    <a:schemeClr val="tx1">
-                      <a:alpha val="29000"/>
-                    </a:schemeClr>
-                  </a:solidFill>
-                </a:ln>
-                <a:latin typeface="+mn-ea"/>
-                <a:cs typeface="맑은 고딕 Semilight" panose="020B0502040204020203" pitchFamily="50" charset="-127"/>
-              </a:rPr>
-              <a:t>없는 </a:t>
+              <a:t>해당 문자열은 두 번째 예제의 문자열과는 달리 숫자로 변환될 수 없는 </a:t>
             </a:r>
             <a:r>
               <a:rPr lang="ko-KR" altLang="en-US" sz="1400" smtClean="0">
@@ -11661,10 +11591,10 @@
                 <a:cs typeface="맑은 고딕 Semilight" panose="020B0502040204020203" pitchFamily="50" charset="-127"/>
                 <a:sym typeface="Wingdings" panose="05000000000000000000" pitchFamily="2" charset="2"/>
               </a:rPr>
-              <a:t>자바스크립트 변수의 </a:t>
-            </a:r>
-            <a:r>
-              <a:rPr lang="ko-KR" altLang="en-US" sz="1800">
+              <a:t>자바스크립트 변수의 명시적 타입 변환</a:t>
+            </a:r>
+            <a:r>
+              <a:rPr lang="en-US" altLang="ko-KR" sz="1800">
                 <a:ln>
                   <a:solidFill>
                     <a:schemeClr val="tx1">
@@ -11676,37 +11606,7 @@
                 <a:cs typeface="맑은 고딕 Semilight" panose="020B0502040204020203" pitchFamily="50" charset="-127"/>
                 <a:sym typeface="Wingdings" panose="05000000000000000000" pitchFamily="2" charset="2"/>
               </a:rPr>
-              <a:t>명시적 타입 변환</a:t>
-            </a:r>
-            <a:r>
-              <a:rPr lang="en-US" altLang="ko-KR" sz="1800">
-                <a:ln>
-                  <a:solidFill>
-                    <a:schemeClr val="tx1">
-                      <a:alpha val="29000"/>
-                    </a:schemeClr>
-                  </a:solidFill>
-                </a:ln>
-                <a:latin typeface="+mn-ea"/>
-                <a:cs typeface="맑은 고딕 Semilight" panose="020B0502040204020203" pitchFamily="50" charset="-127"/>
-                <a:sym typeface="Wingdings" panose="05000000000000000000" pitchFamily="2" charset="2"/>
-              </a:rPr>
-              <a:t>(explicit </a:t>
-            </a:r>
-            <a:r>
-              <a:rPr lang="en-US" altLang="ko-KR" sz="1800">
-                <a:ln>
-                  <a:solidFill>
-                    <a:schemeClr val="tx1">
-                      <a:alpha val="29000"/>
-                    </a:schemeClr>
-                  </a:solidFill>
-                </a:ln>
-                <a:latin typeface="+mn-ea"/>
-                <a:cs typeface="맑은 고딕 Semilight" panose="020B0502040204020203" pitchFamily="50" charset="-127"/>
-                <a:sym typeface="Wingdings" panose="05000000000000000000" pitchFamily="2" charset="2"/>
-              </a:rPr>
-              <a:t>type </a:t>
+              <a:t>(explicit type </a:t>
             </a:r>
             <a:r>
               <a:rPr lang="en-US" altLang="ko-KR" sz="1800" smtClean="0">
@@ -11760,21 +11660,7 @@
                 <a:latin typeface="+mn-ea"/>
                 <a:cs typeface="맑은 고딕 Semilight" panose="020B0502040204020203" pitchFamily="50" charset="-127"/>
               </a:rPr>
-              <a:t>자바스크립트에서는 묵시적 타입 변환을 </a:t>
-            </a:r>
-            <a:r>
-              <a:rPr lang="ko-KR" altLang="en-US" sz="1400">
-                <a:ln>
-                  <a:solidFill>
-                    <a:schemeClr val="tx1">
-                      <a:alpha val="29000"/>
-                    </a:schemeClr>
-                  </a:solidFill>
-                </a:ln>
-                <a:latin typeface="+mn-ea"/>
-                <a:cs typeface="맑은 고딕 Semilight" panose="020B0502040204020203" pitchFamily="50" charset="-127"/>
-              </a:rPr>
-              <a:t>많이 </a:t>
+              <a:t>자바스크립트에서는 묵시적 타입 변환을 많이 </a:t>
             </a:r>
             <a:r>
               <a:rPr lang="ko-KR" altLang="en-US" sz="1400" smtClean="0">
@@ -11872,21 +11758,7 @@
                 <a:latin typeface="+mn-ea"/>
                 <a:cs typeface="맑은 고딕 Semilight" panose="020B0502040204020203" pitchFamily="50" charset="-127"/>
               </a:rPr>
-              <a:t>타입을 변환할 </a:t>
-            </a:r>
-            <a:r>
-              <a:rPr lang="ko-KR" altLang="en-US" sz="1400">
-                <a:ln>
-                  <a:solidFill>
-                    <a:schemeClr val="tx1">
-                      <a:alpha val="29000"/>
-                    </a:schemeClr>
-                  </a:solidFill>
-                </a:ln>
-                <a:latin typeface="+mn-ea"/>
-                <a:cs typeface="맑은 고딕 Semilight" panose="020B0502040204020203" pitchFamily="50" charset="-127"/>
-              </a:rPr>
-              <a:t>방법도 </a:t>
+              <a:t>타입을 변환할 방법도 </a:t>
             </a:r>
             <a:r>
               <a:rPr lang="ko-KR" altLang="en-US" sz="1400" smtClean="0">
@@ -11938,21 +11810,7 @@
                 <a:latin typeface="+mn-ea"/>
                 <a:cs typeface="맑은 고딕 Semilight" panose="020B0502040204020203" pitchFamily="50" charset="-127"/>
               </a:rPr>
-              <a:t>명시적 타입 변환을 위해 자바스크립트가 제공하는 전역 </a:t>
-            </a:r>
-            <a:r>
-              <a:rPr lang="ko-KR" altLang="en-US" sz="1400">
-                <a:ln>
-                  <a:solidFill>
-                    <a:schemeClr val="tx1">
-                      <a:alpha val="29000"/>
-                    </a:schemeClr>
-                  </a:solidFill>
-                </a:ln>
-                <a:latin typeface="+mn-ea"/>
-                <a:cs typeface="맑은 고딕 Semilight" panose="020B0502040204020203" pitchFamily="50" charset="-127"/>
-              </a:rPr>
-              <a:t>함수는 </a:t>
+              <a:t>명시적 타입 변환을 위해 자바스크립트가 제공하는 전역 함수는 </a:t>
             </a:r>
             <a:r>
               <a:rPr lang="ko-KR" altLang="en-US" sz="1400" smtClean="0">
@@ -12210,17 +12068,6 @@
               </a:rPr>
               <a:t>()</a:t>
             </a:r>
-            <a:endParaRPr lang="en-US" altLang="ko-KR" sz="1200">
-              <a:ln>
-                <a:solidFill>
-                  <a:schemeClr val="tx1">
-                    <a:alpha val="29000"/>
-                  </a:schemeClr>
-                </a:solidFill>
-              </a:ln>
-              <a:latin typeface="+mn-ea"/>
-              <a:cs typeface="맑은 고딕 Semilight" panose="020B0502040204020203" pitchFamily="50" charset="-127"/>
-            </a:endParaRPr>
           </a:p>
         </p:txBody>
       </p:sp>
@@ -13038,37 +12885,7 @@
                 <a:cs typeface="맑은 고딕 Semilight" panose="020B0502040204020203" pitchFamily="50" charset="-127"/>
                 <a:sym typeface="Wingdings" panose="05000000000000000000" pitchFamily="2" charset="2"/>
               </a:rPr>
-              <a:t>자바스크립트 변수의 </a:t>
-            </a:r>
-            <a:r>
-              <a:rPr lang="ko-KR" altLang="en-US" sz="1800">
-                <a:ln>
-                  <a:solidFill>
-                    <a:schemeClr val="tx1">
-                      <a:alpha val="29000"/>
-                    </a:schemeClr>
-                  </a:solidFill>
-                </a:ln>
-                <a:latin typeface="+mn-ea"/>
-                <a:cs typeface="맑은 고딕 Semilight" panose="020B0502040204020203" pitchFamily="50" charset="-127"/>
-                <a:sym typeface="Wingdings" panose="05000000000000000000" pitchFamily="2" charset="2"/>
-              </a:rPr>
-              <a:t>숫자를 </a:t>
-            </a:r>
-            <a:r>
-              <a:rPr lang="ko-KR" altLang="en-US" sz="1800">
-                <a:ln>
-                  <a:solidFill>
-                    <a:schemeClr val="tx1">
-                      <a:alpha val="29000"/>
-                    </a:schemeClr>
-                  </a:solidFill>
-                </a:ln>
-                <a:latin typeface="+mn-ea"/>
-                <a:cs typeface="맑은 고딕 Semilight" panose="020B0502040204020203" pitchFamily="50" charset="-127"/>
-                <a:sym typeface="Wingdings" panose="05000000000000000000" pitchFamily="2" charset="2"/>
-              </a:rPr>
-              <a:t>문자열로 </a:t>
+              <a:t>자바스크립트 변수의 숫자를 문자열로 </a:t>
             </a:r>
             <a:r>
               <a:rPr lang="ko-KR" altLang="en-US" sz="1800" smtClean="0">
@@ -13150,21 +12967,7 @@
                 <a:latin typeface="+mn-ea"/>
                 <a:cs typeface="맑은 고딕 Semilight" panose="020B0502040204020203" pitchFamily="50" charset="-127"/>
               </a:rPr>
-              <a:t>함수를 </a:t>
-            </a:r>
-            <a:r>
-              <a:rPr lang="ko-KR" altLang="en-US" sz="1400">
-                <a:ln>
-                  <a:solidFill>
-                    <a:schemeClr val="tx1">
-                      <a:alpha val="29000"/>
-                    </a:schemeClr>
-                  </a:solidFill>
-                </a:ln>
-                <a:latin typeface="+mn-ea"/>
-                <a:cs typeface="맑은 고딕 Semilight" panose="020B0502040204020203" pitchFamily="50" charset="-127"/>
-              </a:rPr>
-              <a:t>사용하는 </a:t>
+              <a:t>함수를 사용하는 </a:t>
             </a:r>
             <a:r>
               <a:rPr lang="ko-KR" altLang="en-US" sz="1400" smtClean="0">
@@ -13272,21 +13075,7 @@
                 <a:latin typeface="+mn-ea"/>
                 <a:cs typeface="맑은 고딕 Semilight" panose="020B0502040204020203" pitchFamily="50" charset="-127"/>
               </a:rPr>
-              <a:t>를 제외한 모든 타입의 값이 </a:t>
-            </a:r>
-            <a:r>
-              <a:rPr lang="ko-KR" altLang="en-US" sz="1400">
-                <a:ln>
-                  <a:solidFill>
-                    <a:schemeClr val="tx1">
-                      <a:alpha val="29000"/>
-                    </a:schemeClr>
-                  </a:solidFill>
-                </a:ln>
-                <a:latin typeface="+mn-ea"/>
-                <a:cs typeface="맑은 고딕 Semilight" panose="020B0502040204020203" pitchFamily="50" charset="-127"/>
-              </a:rPr>
-              <a:t>가지고 </a:t>
+              <a:t>를 제외한 모든 타입의 값이 가지고 </a:t>
             </a:r>
             <a:r>
               <a:rPr lang="ko-KR" altLang="en-US" sz="1400" smtClean="0">
@@ -13369,21 +13158,7 @@
                 <a:latin typeface="+mn-ea"/>
                 <a:cs typeface="맑은 고딕 Semilight" panose="020B0502040204020203" pitchFamily="50" charset="-127"/>
               </a:rPr>
-              <a:t>메소드를 사용할 </a:t>
-            </a:r>
-            <a:r>
-              <a:rPr lang="ko-KR" altLang="en-US" sz="1400">
-                <a:ln>
-                  <a:solidFill>
-                    <a:schemeClr val="tx1">
-                      <a:alpha val="29000"/>
-                    </a:schemeClr>
-                  </a:solidFill>
-                </a:ln>
-                <a:latin typeface="+mn-ea"/>
-                <a:cs typeface="맑은 고딕 Semilight" panose="020B0502040204020203" pitchFamily="50" charset="-127"/>
-              </a:rPr>
-              <a:t>수도 </a:t>
+              <a:t>메소드를 사용할 수도 </a:t>
             </a:r>
             <a:r>
               <a:rPr lang="ko-KR" altLang="en-US" sz="1400" smtClean="0">
@@ -13463,21 +13238,7 @@
                 <a:latin typeface="+mn-ea"/>
                 <a:cs typeface="맑은 고딕 Semilight" panose="020B0502040204020203" pitchFamily="50" charset="-127"/>
               </a:rPr>
-              <a:t>객체는 숫자를 </a:t>
-            </a:r>
-            <a:r>
-              <a:rPr lang="ko-KR" altLang="en-US" sz="1400">
-                <a:ln>
-                  <a:solidFill>
-                    <a:schemeClr val="tx1">
-                      <a:alpha val="29000"/>
-                    </a:schemeClr>
-                  </a:solidFill>
-                </a:ln>
-                <a:latin typeface="+mn-ea"/>
-                <a:cs typeface="맑은 고딕 Semilight" panose="020B0502040204020203" pitchFamily="50" charset="-127"/>
-              </a:rPr>
-              <a:t>문자열로 </a:t>
+              <a:t>객체는 숫자를 문자열로 </a:t>
             </a:r>
             <a:r>
               <a:rPr lang="ko-KR" altLang="en-US" sz="1400" smtClean="0">
@@ -13546,21 +13307,7 @@
                 <a:latin typeface="+mn-ea"/>
                 <a:cs typeface="맑은 고딕 Semilight" panose="020B0502040204020203" pitchFamily="50" charset="-127"/>
               </a:rPr>
-              <a:t>다음과 같은 메소드를 </a:t>
-            </a:r>
-            <a:r>
-              <a:rPr lang="ko-KR" altLang="en-US" sz="1400">
-                <a:ln>
-                  <a:solidFill>
-                    <a:schemeClr val="tx1">
-                      <a:alpha val="29000"/>
-                    </a:schemeClr>
-                  </a:solidFill>
-                </a:ln>
-                <a:latin typeface="+mn-ea"/>
-                <a:cs typeface="맑은 고딕 Semilight" panose="020B0502040204020203" pitchFamily="50" charset="-127"/>
-              </a:rPr>
-              <a:t>별도로 </a:t>
+              <a:t>다음과 같은 메소드를 별도로 </a:t>
             </a:r>
             <a:r>
               <a:rPr lang="ko-KR" altLang="en-US" sz="1400" smtClean="0">
@@ -13710,17 +13457,6 @@
               </a:rPr>
               <a:t>()</a:t>
             </a:r>
-            <a:endParaRPr lang="en-US" altLang="ko-KR" sz="1200">
-              <a:ln>
-                <a:solidFill>
-                  <a:schemeClr val="tx1">
-                    <a:alpha val="29000"/>
-                  </a:schemeClr>
-                </a:solidFill>
-              </a:ln>
-              <a:latin typeface="+mn-ea"/>
-              <a:cs typeface="맑은 고딕 Semilight" panose="020B0502040204020203" pitchFamily="50" charset="-127"/>
-            </a:endParaRPr>
           </a:p>
         </p:txBody>
       </p:sp>
@@ -13927,37 +13663,7 @@
                 <a:cs typeface="맑은 고딕 Semilight" panose="020B0502040204020203" pitchFamily="50" charset="-127"/>
                 <a:sym typeface="Wingdings" panose="05000000000000000000" pitchFamily="2" charset="2"/>
               </a:rPr>
-              <a:t>자바스크립트 변수의 </a:t>
-            </a:r>
-            <a:r>
-              <a:rPr lang="ko-KR" altLang="en-US" sz="1800">
-                <a:ln>
-                  <a:solidFill>
-                    <a:schemeClr val="tx1">
-                      <a:alpha val="29000"/>
-                    </a:schemeClr>
-                  </a:solidFill>
-                </a:ln>
-                <a:latin typeface="+mn-ea"/>
-                <a:cs typeface="맑은 고딕 Semilight" panose="020B0502040204020203" pitchFamily="50" charset="-127"/>
-                <a:sym typeface="Wingdings" panose="05000000000000000000" pitchFamily="2" charset="2"/>
-              </a:rPr>
-              <a:t>불리언 값을 </a:t>
-            </a:r>
-            <a:r>
-              <a:rPr lang="ko-KR" altLang="en-US" sz="1800">
-                <a:ln>
-                  <a:solidFill>
-                    <a:schemeClr val="tx1">
-                      <a:alpha val="29000"/>
-                    </a:schemeClr>
-                  </a:solidFill>
-                </a:ln>
-                <a:latin typeface="+mn-ea"/>
-                <a:cs typeface="맑은 고딕 Semilight" panose="020B0502040204020203" pitchFamily="50" charset="-127"/>
-                <a:sym typeface="Wingdings" panose="05000000000000000000" pitchFamily="2" charset="2"/>
-              </a:rPr>
-              <a:t>문자열로 </a:t>
+              <a:t>자바스크립트 변수의 불리언 값을 문자열로 </a:t>
             </a:r>
             <a:r>
               <a:rPr lang="ko-KR" altLang="en-US" sz="1800" smtClean="0">
@@ -14067,21 +13773,7 @@
                 <a:latin typeface="+mn-ea"/>
                 <a:cs typeface="맑은 고딕 Semilight" panose="020B0502040204020203" pitchFamily="50" charset="-127"/>
               </a:rPr>
-              <a:t>메소드를 사용하는 </a:t>
-            </a:r>
-            <a:r>
-              <a:rPr lang="ko-KR" altLang="en-US" sz="1400">
-                <a:ln>
-                  <a:solidFill>
-                    <a:schemeClr val="tx1">
-                      <a:alpha val="29000"/>
-                    </a:schemeClr>
-                  </a:solidFill>
-                </a:ln>
-                <a:latin typeface="+mn-ea"/>
-                <a:cs typeface="맑은 고딕 Semilight" panose="020B0502040204020203" pitchFamily="50" charset="-127"/>
-              </a:rPr>
-              <a:t>방법이 </a:t>
+              <a:t>메소드를 사용하는 방법이 </a:t>
             </a:r>
             <a:r>
               <a:rPr lang="ko-KR" altLang="en-US" sz="1400" smtClean="0">
@@ -14314,37 +14006,7 @@
                 <a:cs typeface="맑은 고딕 Semilight" panose="020B0502040204020203" pitchFamily="50" charset="-127"/>
                 <a:sym typeface="Wingdings" panose="05000000000000000000" pitchFamily="2" charset="2"/>
               </a:rPr>
-              <a:t>자바스크립트 변수의 </a:t>
-            </a:r>
-            <a:r>
-              <a:rPr lang="ko-KR" altLang="en-US" sz="1800">
-                <a:ln>
-                  <a:solidFill>
-                    <a:schemeClr val="tx1">
-                      <a:alpha val="29000"/>
-                    </a:schemeClr>
-                  </a:solidFill>
-                </a:ln>
-                <a:latin typeface="+mn-ea"/>
-                <a:cs typeface="맑은 고딕 Semilight" panose="020B0502040204020203" pitchFamily="50" charset="-127"/>
-                <a:sym typeface="Wingdings" panose="05000000000000000000" pitchFamily="2" charset="2"/>
-              </a:rPr>
-              <a:t>날짜를 문자열이나 </a:t>
-            </a:r>
-            <a:r>
-              <a:rPr lang="ko-KR" altLang="en-US" sz="1800">
-                <a:ln>
-                  <a:solidFill>
-                    <a:schemeClr val="tx1">
-                      <a:alpha val="29000"/>
-                    </a:schemeClr>
-                  </a:solidFill>
-                </a:ln>
-                <a:latin typeface="+mn-ea"/>
-                <a:cs typeface="맑은 고딕 Semilight" panose="020B0502040204020203" pitchFamily="50" charset="-127"/>
-                <a:sym typeface="Wingdings" panose="05000000000000000000" pitchFamily="2" charset="2"/>
-              </a:rPr>
-              <a:t>숫자로 </a:t>
+              <a:t>자바스크립트 변수의 날짜를 문자열이나 숫자로 </a:t>
             </a:r>
             <a:r>
               <a:rPr lang="ko-KR" altLang="en-US" sz="1800" smtClean="0">
@@ -14454,21 +14116,7 @@
                 <a:latin typeface="+mn-ea"/>
                 <a:cs typeface="맑은 고딕 Semilight" panose="020B0502040204020203" pitchFamily="50" charset="-127"/>
               </a:rPr>
-              <a:t>메소드를 사용하는 </a:t>
-            </a:r>
-            <a:r>
-              <a:rPr lang="ko-KR" altLang="en-US" sz="1400">
-                <a:ln>
-                  <a:solidFill>
-                    <a:schemeClr val="tx1">
-                      <a:alpha val="29000"/>
-                    </a:schemeClr>
-                  </a:solidFill>
-                </a:ln>
-                <a:latin typeface="+mn-ea"/>
-                <a:cs typeface="맑은 고딕 Semilight" panose="020B0502040204020203" pitchFamily="50" charset="-127"/>
-              </a:rPr>
-              <a:t>방법이 </a:t>
+              <a:t>메소드를 사용하는 방법이 </a:t>
             </a:r>
             <a:r>
               <a:rPr lang="ko-KR" altLang="en-US" sz="1400" smtClean="0">
@@ -14548,21 +14196,7 @@
                 <a:latin typeface="+mn-ea"/>
                 <a:cs typeface="맑은 고딕 Semilight" panose="020B0502040204020203" pitchFamily="50" charset="-127"/>
               </a:rPr>
-              <a:t>객체는 문자열과 숫자로 모두 변환할 수 있는 </a:t>
-            </a:r>
-            <a:r>
-              <a:rPr lang="ko-KR" altLang="en-US" sz="1400">
-                <a:ln>
-                  <a:solidFill>
-                    <a:schemeClr val="tx1">
-                      <a:alpha val="29000"/>
-                    </a:schemeClr>
-                  </a:solidFill>
-                </a:ln>
-                <a:latin typeface="+mn-ea"/>
-                <a:cs typeface="맑은 고딕 Semilight" panose="020B0502040204020203" pitchFamily="50" charset="-127"/>
-              </a:rPr>
-              <a:t>유일한 </a:t>
+              <a:t>객체는 문자열과 숫자로 모두 변환할 수 있는 유일한 </a:t>
             </a:r>
             <a:r>
               <a:rPr lang="ko-KR" altLang="en-US" sz="1400" smtClean="0">
@@ -14642,21 +14276,7 @@
                 <a:latin typeface="+mn-ea"/>
                 <a:cs typeface="맑은 고딕 Semilight" panose="020B0502040204020203" pitchFamily="50" charset="-127"/>
               </a:rPr>
-              <a:t>객체는 날짜를 숫자로 변환하는 다음과 같은 메소드를 </a:t>
-            </a:r>
-            <a:r>
-              <a:rPr lang="ko-KR" altLang="en-US" sz="1400">
-                <a:ln>
-                  <a:solidFill>
-                    <a:schemeClr val="tx1">
-                      <a:alpha val="29000"/>
-                    </a:schemeClr>
-                  </a:solidFill>
-                </a:ln>
-                <a:latin typeface="+mn-ea"/>
-                <a:cs typeface="맑은 고딕 Semilight" panose="020B0502040204020203" pitchFamily="50" charset="-127"/>
-              </a:rPr>
-              <a:t>별도로 </a:t>
+              <a:t>객체는 날짜를 숫자로 변환하는 다음과 같은 메소드를 별도로 </a:t>
             </a:r>
             <a:r>
               <a:rPr lang="ko-KR" altLang="en-US" sz="1400" smtClean="0">
@@ -15210,37 +14830,7 @@
                 <a:cs typeface="맑은 고딕 Semilight" panose="020B0502040204020203" pitchFamily="50" charset="-127"/>
                 <a:sym typeface="Wingdings" panose="05000000000000000000" pitchFamily="2" charset="2"/>
               </a:rPr>
-              <a:t>자바스크립트 변수의 </a:t>
-            </a:r>
-            <a:r>
-              <a:rPr lang="ko-KR" altLang="en-US" sz="1800">
-                <a:ln>
-                  <a:solidFill>
-                    <a:schemeClr val="tx1">
-                      <a:alpha val="29000"/>
-                    </a:schemeClr>
-                  </a:solidFill>
-                </a:ln>
-                <a:latin typeface="+mn-ea"/>
-                <a:cs typeface="맑은 고딕 Semilight" panose="020B0502040204020203" pitchFamily="50" charset="-127"/>
-                <a:sym typeface="Wingdings" panose="05000000000000000000" pitchFamily="2" charset="2"/>
-              </a:rPr>
-              <a:t>날짜를 문자열이나 </a:t>
-            </a:r>
-            <a:r>
-              <a:rPr lang="ko-KR" altLang="en-US" sz="1800">
-                <a:ln>
-                  <a:solidFill>
-                    <a:schemeClr val="tx1">
-                      <a:alpha val="29000"/>
-                    </a:schemeClr>
-                  </a:solidFill>
-                </a:ln>
-                <a:latin typeface="+mn-ea"/>
-                <a:cs typeface="맑은 고딕 Semilight" panose="020B0502040204020203" pitchFamily="50" charset="-127"/>
-                <a:sym typeface="Wingdings" panose="05000000000000000000" pitchFamily="2" charset="2"/>
-              </a:rPr>
-              <a:t>숫자로 </a:t>
+              <a:t>자바스크립트 변수의 날짜를 문자열이나 숫자로 </a:t>
             </a:r>
             <a:r>
               <a:rPr lang="ko-KR" altLang="en-US" sz="1800" smtClean="0">
@@ -15475,37 +15065,7 @@
                 <a:cs typeface="맑은 고딕 Semilight" panose="020B0502040204020203" pitchFamily="50" charset="-127"/>
                 <a:sym typeface="Wingdings" panose="05000000000000000000" pitchFamily="2" charset="2"/>
               </a:rPr>
-              <a:t>자바스크립트 변수의 </a:t>
-            </a:r>
-            <a:r>
-              <a:rPr lang="ko-KR" altLang="en-US" sz="1800">
-                <a:ln>
-                  <a:solidFill>
-                    <a:schemeClr val="tx1">
-                      <a:alpha val="29000"/>
-                    </a:schemeClr>
-                  </a:solidFill>
-                </a:ln>
-                <a:latin typeface="+mn-ea"/>
-                <a:cs typeface="맑은 고딕 Semilight" panose="020B0502040204020203" pitchFamily="50" charset="-127"/>
-                <a:sym typeface="Wingdings" panose="05000000000000000000" pitchFamily="2" charset="2"/>
-              </a:rPr>
-              <a:t>날짜를 문자열이나 </a:t>
-            </a:r>
-            <a:r>
-              <a:rPr lang="ko-KR" altLang="en-US" sz="1800">
-                <a:ln>
-                  <a:solidFill>
-                    <a:schemeClr val="tx1">
-                      <a:alpha val="29000"/>
-                    </a:schemeClr>
-                  </a:solidFill>
-                </a:ln>
-                <a:latin typeface="+mn-ea"/>
-                <a:cs typeface="맑은 고딕 Semilight" panose="020B0502040204020203" pitchFamily="50" charset="-127"/>
-                <a:sym typeface="Wingdings" panose="05000000000000000000" pitchFamily="2" charset="2"/>
-              </a:rPr>
-              <a:t>숫자로 </a:t>
+              <a:t>자바스크립트 변수의 날짜를 문자열이나 숫자로 </a:t>
             </a:r>
             <a:r>
               <a:rPr lang="ko-KR" altLang="en-US" sz="1800" smtClean="0">
@@ -15740,37 +15300,7 @@
                 <a:cs typeface="맑은 고딕 Semilight" panose="020B0502040204020203" pitchFamily="50" charset="-127"/>
                 <a:sym typeface="Wingdings" panose="05000000000000000000" pitchFamily="2" charset="2"/>
               </a:rPr>
-              <a:t>자바스크립트 변수의 </a:t>
-            </a:r>
-            <a:r>
-              <a:rPr lang="ko-KR" altLang="en-US" sz="1800">
-                <a:ln>
-                  <a:solidFill>
-                    <a:schemeClr val="tx1">
-                      <a:alpha val="29000"/>
-                    </a:schemeClr>
-                  </a:solidFill>
-                </a:ln>
-                <a:latin typeface="+mn-ea"/>
-                <a:cs typeface="맑은 고딕 Semilight" panose="020B0502040204020203" pitchFamily="50" charset="-127"/>
-                <a:sym typeface="Wingdings" panose="05000000000000000000" pitchFamily="2" charset="2"/>
-              </a:rPr>
-              <a:t>문자열을 </a:t>
-            </a:r>
-            <a:r>
-              <a:rPr lang="ko-KR" altLang="en-US" sz="1800">
-                <a:ln>
-                  <a:solidFill>
-                    <a:schemeClr val="tx1">
-                      <a:alpha val="29000"/>
-                    </a:schemeClr>
-                  </a:solidFill>
-                </a:ln>
-                <a:latin typeface="+mn-ea"/>
-                <a:cs typeface="맑은 고딕 Semilight" panose="020B0502040204020203" pitchFamily="50" charset="-127"/>
-                <a:sym typeface="Wingdings" panose="05000000000000000000" pitchFamily="2" charset="2"/>
-              </a:rPr>
-              <a:t>숫자로 </a:t>
+              <a:t>자바스크립트 변수의 문자열을 숫자로 </a:t>
             </a:r>
             <a:r>
               <a:rPr lang="ko-KR" altLang="en-US" sz="1800" smtClean="0">
@@ -15852,21 +15382,7 @@
                 <a:latin typeface="+mn-ea"/>
                 <a:cs typeface="맑은 고딕 Semilight" panose="020B0502040204020203" pitchFamily="50" charset="-127"/>
               </a:rPr>
-              <a:t>함수를 사용하는 </a:t>
-            </a:r>
-            <a:r>
-              <a:rPr lang="ko-KR" altLang="en-US" sz="1400">
-                <a:ln>
-                  <a:solidFill>
-                    <a:schemeClr val="tx1">
-                      <a:alpha val="29000"/>
-                    </a:schemeClr>
-                  </a:solidFill>
-                </a:ln>
-                <a:latin typeface="+mn-ea"/>
-                <a:cs typeface="맑은 고딕 Semilight" panose="020B0502040204020203" pitchFamily="50" charset="-127"/>
-              </a:rPr>
-              <a:t>것입니다</a:t>
+              <a:t>함수를 사용하는 것입니다</a:t>
             </a:r>
             <a:r>
               <a:rPr lang="en-US" altLang="ko-KR" sz="1400" smtClean="0">
@@ -15918,21 +15434,7 @@
                 <a:latin typeface="+mn-ea"/>
                 <a:cs typeface="맑은 고딕 Semilight" panose="020B0502040204020203" pitchFamily="50" charset="-127"/>
               </a:rPr>
-              <a:t>자바스크립트는 문자열을 숫자로 변환해 주는 두 개의 전역 함수를 별도로 </a:t>
-            </a:r>
-            <a:r>
-              <a:rPr lang="ko-KR" altLang="en-US" sz="1400">
-                <a:ln>
-                  <a:solidFill>
-                    <a:schemeClr val="tx1">
-                      <a:alpha val="29000"/>
-                    </a:schemeClr>
-                  </a:solidFill>
-                </a:ln>
-                <a:latin typeface="+mn-ea"/>
-                <a:cs typeface="맑은 고딕 Semilight" panose="020B0502040204020203" pitchFamily="50" charset="-127"/>
-              </a:rPr>
-              <a:t>제공합니다</a:t>
+              <a:t>자바스크립트는 문자열을 숫자로 변환해 주는 두 개의 전역 함수를 별도로 제공합니다</a:t>
             </a:r>
             <a:r>
               <a:rPr lang="en-US" altLang="ko-KR" sz="1400" smtClean="0">
@@ -16244,37 +15746,7 @@
                 <a:cs typeface="맑은 고딕 Semilight" panose="020B0502040204020203" pitchFamily="50" charset="-127"/>
                 <a:sym typeface="Wingdings" panose="05000000000000000000" pitchFamily="2" charset="2"/>
               </a:rPr>
-              <a:t>자바스크립트 변수의 </a:t>
-            </a:r>
-            <a:r>
-              <a:rPr lang="ko-KR" altLang="en-US" sz="1800">
-                <a:ln>
-                  <a:solidFill>
-                    <a:schemeClr val="tx1">
-                      <a:alpha val="29000"/>
-                    </a:schemeClr>
-                  </a:solidFill>
-                </a:ln>
-                <a:latin typeface="+mn-ea"/>
-                <a:cs typeface="맑은 고딕 Semilight" panose="020B0502040204020203" pitchFamily="50" charset="-127"/>
-                <a:sym typeface="Wingdings" panose="05000000000000000000" pitchFamily="2" charset="2"/>
-              </a:rPr>
-              <a:t>불리언 값을 </a:t>
-            </a:r>
-            <a:r>
-              <a:rPr lang="ko-KR" altLang="en-US" sz="1800">
-                <a:ln>
-                  <a:solidFill>
-                    <a:schemeClr val="tx1">
-                      <a:alpha val="29000"/>
-                    </a:schemeClr>
-                  </a:solidFill>
-                </a:ln>
-                <a:latin typeface="+mn-ea"/>
-                <a:cs typeface="맑은 고딕 Semilight" panose="020B0502040204020203" pitchFamily="50" charset="-127"/>
-                <a:sym typeface="Wingdings" panose="05000000000000000000" pitchFamily="2" charset="2"/>
-              </a:rPr>
-              <a:t>숫자로 </a:t>
+              <a:t>자바스크립트 변수의 불리언 값을 숫자로 </a:t>
             </a:r>
             <a:r>
               <a:rPr lang="ko-KR" altLang="en-US" sz="1800" smtClean="0">
@@ -16356,21 +15828,7 @@
                 <a:latin typeface="+mn-ea"/>
                 <a:cs typeface="맑은 고딕 Semilight" panose="020B0502040204020203" pitchFamily="50" charset="-127"/>
               </a:rPr>
-              <a:t>함수를 </a:t>
-            </a:r>
-            <a:r>
-              <a:rPr lang="ko-KR" altLang="en-US" sz="1400">
-                <a:ln>
-                  <a:solidFill>
-                    <a:schemeClr val="tx1">
-                      <a:alpha val="29000"/>
-                    </a:schemeClr>
-                  </a:solidFill>
-                </a:ln>
-                <a:latin typeface="+mn-ea"/>
-                <a:cs typeface="맑은 고딕 Semilight" panose="020B0502040204020203" pitchFamily="50" charset="-127"/>
-              </a:rPr>
-              <a:t>사용하는 </a:t>
+              <a:t>함수를 사용하는 </a:t>
             </a:r>
             <a:r>
               <a:rPr lang="ko-KR" altLang="en-US" sz="1400" smtClean="0">
